--- a/presentation.pptx
+++ b/presentation.pptx
@@ -1,35 +1,462 @@
 
 <file path=ppt/presentation.xml><?xml version="1.0" encoding="utf-8"?>
-<p:presentation xmlns:a="http://schemas.openxmlformats.org/drawingml/2006/main" xmlns:p="http://schemas.openxmlformats.org/presentationml/2006/main" xmlns:r="http://schemas.openxmlformats.org/officeDocument/2006/relationships" xmlns:p14="http://schemas.microsoft.com/office/powerpoint/2010/main" xmlns:p15="http://schemas.microsoft.com/office/powerpoint/2012/main" xmlns:mc="http://schemas.openxmlformats.org/markup-compatibility/2006">
+<p:presentation xmlns:a="http://schemas.openxmlformats.org/drawingml/2006/main" xmlns:r="http://schemas.openxmlformats.org/officeDocument/2006/relationships" xmlns:p="http://schemas.openxmlformats.org/presentationml/2006/main">
   <p:sldMasterIdLst>
-    <p:sldMasterId id="2147483648" r:id="rId2"/>
+    <p:sldMasterId id="2147483648" r:id="rId1"/>
   </p:sldMasterIdLst>
   <p:notesMasterIdLst>
-    <p:notesMasterId r:id="rId3"/>
+    <p:notesMasterId r:id="rId16"/>
   </p:notesMasterIdLst>
   <p:sldIdLst>
-    <p:sldId id="256" r:id="rId4"/>
-    <p:sldId id="257" r:id="rId5"/>
-    <p:sldId id="258" r:id="rId6"/>
-    <p:sldId id="259" r:id="rId7"/>
-    <p:sldId id="260" r:id="rId8"/>
-    <p:sldId id="261" r:id="rId9"/>
-    <p:sldId id="262" r:id="rId10"/>
-    <p:sldId id="263" r:id="rId11"/>
-    <p:sldId id="264" r:id="rId12"/>
-    <p:sldId id="265" r:id="rId13"/>
-    <p:sldId id="266" r:id="rId14"/>
-    <p:sldId id="267" r:id="rId15"/>
-    <p:sldId id="268" r:id="rId16"/>
-    <p:sldId id="269" r:id="rId17"/>
+    <p:sldId id="256" r:id="rId2"/>
+    <p:sldId id="257" r:id="rId3"/>
+    <p:sldId id="258" r:id="rId4"/>
+    <p:sldId id="259" r:id="rId5"/>
+    <p:sldId id="260" r:id="rId6"/>
+    <p:sldId id="261" r:id="rId7"/>
+    <p:sldId id="262" r:id="rId8"/>
+    <p:sldId id="263" r:id="rId9"/>
+    <p:sldId id="264" r:id="rId10"/>
+    <p:sldId id="265" r:id="rId11"/>
+    <p:sldId id="266" r:id="rId12"/>
+    <p:sldId id="267" r:id="rId13"/>
+    <p:sldId id="268" r:id="rId14"/>
+    <p:sldId id="269" r:id="rId15"/>
   </p:sldIdLst>
   <p:sldSz cx="10080625" cy="5670550"/>
-  <p:notesSz cx="7559675" cy="10691812"/>
+  <p:notesSz cx="7559675" cy="10691813"/>
+  <p:defaultTextStyle>
+    <a:defPPr>
+      <a:defRPr lang="fr-FR"/>
+    </a:defPPr>
+    <a:lvl1pPr marL="0" algn="l" defTabSz="914400" rtl="0" eaLnBrk="1" latinLnBrk="0" hangingPunct="1">
+      <a:defRPr sz="1800" kern="1200">
+        <a:solidFill>
+          <a:schemeClr val="tx1"/>
+        </a:solidFill>
+        <a:latin typeface="+mn-lt"/>
+        <a:ea typeface="+mn-ea"/>
+        <a:cs typeface="+mn-cs"/>
+      </a:defRPr>
+    </a:lvl1pPr>
+    <a:lvl2pPr marL="457200" algn="l" defTabSz="914400" rtl="0" eaLnBrk="1" latinLnBrk="0" hangingPunct="1">
+      <a:defRPr sz="1800" kern="1200">
+        <a:solidFill>
+          <a:schemeClr val="tx1"/>
+        </a:solidFill>
+        <a:latin typeface="+mn-lt"/>
+        <a:ea typeface="+mn-ea"/>
+        <a:cs typeface="+mn-cs"/>
+      </a:defRPr>
+    </a:lvl2pPr>
+    <a:lvl3pPr marL="914400" algn="l" defTabSz="914400" rtl="0" eaLnBrk="1" latinLnBrk="0" hangingPunct="1">
+      <a:defRPr sz="1800" kern="1200">
+        <a:solidFill>
+          <a:schemeClr val="tx1"/>
+        </a:solidFill>
+        <a:latin typeface="+mn-lt"/>
+        <a:ea typeface="+mn-ea"/>
+        <a:cs typeface="+mn-cs"/>
+      </a:defRPr>
+    </a:lvl3pPr>
+    <a:lvl4pPr marL="1371600" algn="l" defTabSz="914400" rtl="0" eaLnBrk="1" latinLnBrk="0" hangingPunct="1">
+      <a:defRPr sz="1800" kern="1200">
+        <a:solidFill>
+          <a:schemeClr val="tx1"/>
+        </a:solidFill>
+        <a:latin typeface="+mn-lt"/>
+        <a:ea typeface="+mn-ea"/>
+        <a:cs typeface="+mn-cs"/>
+      </a:defRPr>
+    </a:lvl4pPr>
+    <a:lvl5pPr marL="1828800" algn="l" defTabSz="914400" rtl="0" eaLnBrk="1" latinLnBrk="0" hangingPunct="1">
+      <a:defRPr sz="1800" kern="1200">
+        <a:solidFill>
+          <a:schemeClr val="tx1"/>
+        </a:solidFill>
+        <a:latin typeface="+mn-lt"/>
+        <a:ea typeface="+mn-ea"/>
+        <a:cs typeface="+mn-cs"/>
+      </a:defRPr>
+    </a:lvl5pPr>
+    <a:lvl6pPr marL="2286000" algn="l" defTabSz="914400" rtl="0" eaLnBrk="1" latinLnBrk="0" hangingPunct="1">
+      <a:defRPr sz="1800" kern="1200">
+        <a:solidFill>
+          <a:schemeClr val="tx1"/>
+        </a:solidFill>
+        <a:latin typeface="+mn-lt"/>
+        <a:ea typeface="+mn-ea"/>
+        <a:cs typeface="+mn-cs"/>
+      </a:defRPr>
+    </a:lvl6pPr>
+    <a:lvl7pPr marL="2743200" algn="l" defTabSz="914400" rtl="0" eaLnBrk="1" latinLnBrk="0" hangingPunct="1">
+      <a:defRPr sz="1800" kern="1200">
+        <a:solidFill>
+          <a:schemeClr val="tx1"/>
+        </a:solidFill>
+        <a:latin typeface="+mn-lt"/>
+        <a:ea typeface="+mn-ea"/>
+        <a:cs typeface="+mn-cs"/>
+      </a:defRPr>
+    </a:lvl7pPr>
+    <a:lvl8pPr marL="3200400" algn="l" defTabSz="914400" rtl="0" eaLnBrk="1" latinLnBrk="0" hangingPunct="1">
+      <a:defRPr sz="1800" kern="1200">
+        <a:solidFill>
+          <a:schemeClr val="tx1"/>
+        </a:solidFill>
+        <a:latin typeface="+mn-lt"/>
+        <a:ea typeface="+mn-ea"/>
+        <a:cs typeface="+mn-cs"/>
+      </a:defRPr>
+    </a:lvl8pPr>
+    <a:lvl9pPr marL="3657600" algn="l" defTabSz="914400" rtl="0" eaLnBrk="1" latinLnBrk="0" hangingPunct="1">
+      <a:defRPr sz="1800" kern="1200">
+        <a:solidFill>
+          <a:schemeClr val="tx1"/>
+        </a:solidFill>
+        <a:latin typeface="+mn-lt"/>
+        <a:ea typeface="+mn-ea"/>
+        <a:cs typeface="+mn-cs"/>
+      </a:defRPr>
+    </a:lvl9pPr>
+  </p:defaultTextStyle>
 </p:presentation>
 </file>
 
 <file path=ppt/notesMasters/notesMaster1.xml><?xml version="1.0" encoding="utf-8"?>
-<p:notesMaster xmlns:a="http://schemas.openxmlformats.org/drawingml/2006/main" xmlns:p="http://schemas.openxmlformats.org/presentationml/2006/main" xmlns:r="http://schemas.openxmlformats.org/officeDocument/2006/relationships" xmlns:p14="http://schemas.microsoft.com/office/powerpoint/2010/main" xmlns:p15="http://schemas.microsoft.com/office/powerpoint/2012/main" xmlns:mc="http://schemas.openxmlformats.org/markup-compatibility/2006">
+<p:notesMaster xmlns:a="http://schemas.openxmlformats.org/drawingml/2006/main" xmlns:r="http://schemas.openxmlformats.org/officeDocument/2006/relationships" xmlns:p="http://schemas.openxmlformats.org/presentationml/2006/main">
+  <p:cSld>
+    <p:bg>
+      <p:bgRef idx="1001">
+        <a:schemeClr val="bg1"/>
+      </p:bgRef>
+    </p:bg>
+    <p:spTree>
+      <p:nvGrpSpPr>
+        <p:cNvPr id="1" name=""/>
+        <p:cNvGrpSpPr/>
+        <p:nvPr/>
+      </p:nvGrpSpPr>
+      <p:grpSpPr>
+        <a:xfrm>
+          <a:off x="0" y="0"/>
+          <a:ext cx="0" cy="0"/>
+          <a:chOff x="0" y="0"/>
+          <a:chExt cx="0" cy="0"/>
+        </a:xfrm>
+      </p:grpSpPr>
+      <p:sp>
+        <p:nvSpPr>
+          <p:cNvPr id="82" name="PlaceHolder 1"/>
+          <p:cNvSpPr>
+            <a:spLocks noGrp="1" noRot="1" noChangeAspect="1"/>
+          </p:cNvSpPr>
+          <p:nvPr>
+            <p:ph type="sldImg"/>
+          </p:nvPr>
+        </p:nvSpPr>
+        <p:spPr>
+          <a:xfrm>
+            <a:off x="216000" y="812520"/>
+            <a:ext cx="7127280" cy="4008960"/>
+          </a:xfrm>
+          <a:prstGeom prst="rect">
+            <a:avLst/>
+          </a:prstGeom>
+        </p:spPr>
+        <p:txBody>
+          <a:bodyPr lIns="0" tIns="0" rIns="0" bIns="0" anchor="ctr">
+            <a:noAutofit/>
+          </a:bodyPr>
+          <a:lstStyle/>
+          <a:p>
+            <a:r>
+              <a:rPr lang="en-US" sz="1800" b="0" strike="noStrike" spc="-1">
+                <a:solidFill>
+                  <a:srgbClr val="FFFFFF"/>
+                </a:solidFill>
+                <a:latin typeface="Tw Cen MT"/>
+              </a:rPr>
+              <a:t>Cliquez pour déplacer la diapo</a:t>
+            </a:r>
+          </a:p>
+        </p:txBody>
+      </p:sp>
+      <p:sp>
+        <p:nvSpPr>
+          <p:cNvPr id="83" name="PlaceHolder 2"/>
+          <p:cNvSpPr>
+            <a:spLocks noGrp="1"/>
+          </p:cNvSpPr>
+          <p:nvPr>
+            <p:ph type="body"/>
+          </p:nvPr>
+        </p:nvSpPr>
+        <p:spPr>
+          <a:xfrm>
+            <a:off x="756000" y="5078520"/>
+            <a:ext cx="6047640" cy="4811040"/>
+          </a:xfrm>
+          <a:prstGeom prst="rect">
+            <a:avLst/>
+          </a:prstGeom>
+        </p:spPr>
+        <p:txBody>
+          <a:bodyPr lIns="0" tIns="0" rIns="0" bIns="0">
+            <a:noAutofit/>
+          </a:bodyPr>
+          <a:lstStyle/>
+          <a:p>
+            <a:r>
+              <a:rPr lang="fr-FR" sz="2000" b="0" strike="noStrike" spc="-1">
+                <a:latin typeface="Arial"/>
+              </a:rPr>
+              <a:t>Cliquez pour modifier le format des notes</a:t>
+            </a:r>
+          </a:p>
+        </p:txBody>
+      </p:sp>
+      <p:sp>
+        <p:nvSpPr>
+          <p:cNvPr id="84" name="PlaceHolder 3"/>
+          <p:cNvSpPr>
+            <a:spLocks noGrp="1"/>
+          </p:cNvSpPr>
+          <p:nvPr>
+            <p:ph type="hdr"/>
+          </p:nvPr>
+        </p:nvSpPr>
+        <p:spPr>
+          <a:xfrm>
+            <a:off x="0" y="0"/>
+            <a:ext cx="3280680" cy="534240"/>
+          </a:xfrm>
+          <a:prstGeom prst="rect">
+            <a:avLst/>
+          </a:prstGeom>
+        </p:spPr>
+        <p:txBody>
+          <a:bodyPr lIns="0" tIns="0" rIns="0" bIns="0">
+            <a:noAutofit/>
+          </a:bodyPr>
+          <a:lstStyle/>
+          <a:p>
+            <a:r>
+              <a:rPr lang="fr-FR" sz="1400" b="0" strike="noStrike" spc="-1">
+                <a:latin typeface="Times New Roman"/>
+              </a:rPr>
+              <a:t>&lt;en-tête&gt;</a:t>
+            </a:r>
+          </a:p>
+        </p:txBody>
+      </p:sp>
+      <p:sp>
+        <p:nvSpPr>
+          <p:cNvPr id="85" name="PlaceHolder 4"/>
+          <p:cNvSpPr>
+            <a:spLocks noGrp="1"/>
+          </p:cNvSpPr>
+          <p:nvPr>
+            <p:ph type="dt"/>
+          </p:nvPr>
+        </p:nvSpPr>
+        <p:spPr>
+          <a:xfrm>
+            <a:off x="4278960" y="0"/>
+            <a:ext cx="3280680" cy="534240"/>
+          </a:xfrm>
+          <a:prstGeom prst="rect">
+            <a:avLst/>
+          </a:prstGeom>
+        </p:spPr>
+        <p:txBody>
+          <a:bodyPr lIns="0" tIns="0" rIns="0" bIns="0">
+            <a:noAutofit/>
+          </a:bodyPr>
+          <a:lstStyle/>
+          <a:p>
+            <a:pPr algn="r"/>
+            <a:r>
+              <a:rPr lang="fr-FR" sz="1400" b="0" strike="noStrike" spc="-1">
+                <a:latin typeface="Times New Roman"/>
+              </a:rPr>
+              <a:t>&lt;date/heure&gt;</a:t>
+            </a:r>
+          </a:p>
+        </p:txBody>
+      </p:sp>
+      <p:sp>
+        <p:nvSpPr>
+          <p:cNvPr id="86" name="PlaceHolder 5"/>
+          <p:cNvSpPr>
+            <a:spLocks noGrp="1"/>
+          </p:cNvSpPr>
+          <p:nvPr>
+            <p:ph type="ftr"/>
+          </p:nvPr>
+        </p:nvSpPr>
+        <p:spPr>
+          <a:xfrm>
+            <a:off x="0" y="10157400"/>
+            <a:ext cx="3280680" cy="534240"/>
+          </a:xfrm>
+          <a:prstGeom prst="rect">
+            <a:avLst/>
+          </a:prstGeom>
+        </p:spPr>
+        <p:txBody>
+          <a:bodyPr lIns="0" tIns="0" rIns="0" bIns="0" anchor="b">
+            <a:noAutofit/>
+          </a:bodyPr>
+          <a:lstStyle/>
+          <a:p>
+            <a:r>
+              <a:rPr lang="fr-FR" sz="1400" b="0" strike="noStrike" spc="-1">
+                <a:latin typeface="Times New Roman"/>
+              </a:rPr>
+              <a:t>&lt;pied de page&gt;</a:t>
+            </a:r>
+          </a:p>
+        </p:txBody>
+      </p:sp>
+      <p:sp>
+        <p:nvSpPr>
+          <p:cNvPr id="87" name="PlaceHolder 6"/>
+          <p:cNvSpPr>
+            <a:spLocks noGrp="1"/>
+          </p:cNvSpPr>
+          <p:nvPr>
+            <p:ph type="sldNum"/>
+          </p:nvPr>
+        </p:nvSpPr>
+        <p:spPr>
+          <a:xfrm>
+            <a:off x="4278960" y="10157400"/>
+            <a:ext cx="3280680" cy="534240"/>
+          </a:xfrm>
+          <a:prstGeom prst="rect">
+            <a:avLst/>
+          </a:prstGeom>
+        </p:spPr>
+        <p:txBody>
+          <a:bodyPr lIns="0" tIns="0" rIns="0" bIns="0" anchor="b">
+            <a:noAutofit/>
+          </a:bodyPr>
+          <a:lstStyle/>
+          <a:p>
+            <a:pPr algn="r"/>
+            <a:fld id="{3AD8E282-7155-4875-9A33-7B7318695597}" type="slidenum">
+              <a:rPr lang="fr-FR" sz="1400" b="0" strike="noStrike" spc="-1">
+                <a:latin typeface="Times New Roman"/>
+              </a:rPr>
+              <a:t>‹N°›</a:t>
+            </a:fld>
+            <a:endParaRPr lang="fr-FR" sz="1400" b="0" strike="noStrike" spc="-1">
+              <a:latin typeface="Times New Roman"/>
+            </a:endParaRPr>
+          </a:p>
+        </p:txBody>
+      </p:sp>
+    </p:spTree>
+  </p:cSld>
+  <p:clrMap bg1="lt1" tx1="dk1" bg2="lt2" tx2="dk2" accent1="accent1" accent2="accent2" accent3="accent3" accent4="accent4" accent5="accent5" accent6="accent6" hlink="hlink" folHlink="folHlink"/>
+  <p:notesStyle>
+    <a:lvl1pPr marL="0" algn="l" defTabSz="914400" rtl="0" eaLnBrk="1" latinLnBrk="0" hangingPunct="1">
+      <a:defRPr sz="1200" kern="1200">
+        <a:solidFill>
+          <a:schemeClr val="tx1"/>
+        </a:solidFill>
+        <a:latin typeface="+mn-lt"/>
+        <a:ea typeface="+mn-ea"/>
+        <a:cs typeface="+mn-cs"/>
+      </a:defRPr>
+    </a:lvl1pPr>
+    <a:lvl2pPr marL="457200" algn="l" defTabSz="914400" rtl="0" eaLnBrk="1" latinLnBrk="0" hangingPunct="1">
+      <a:defRPr sz="1200" kern="1200">
+        <a:solidFill>
+          <a:schemeClr val="tx1"/>
+        </a:solidFill>
+        <a:latin typeface="+mn-lt"/>
+        <a:ea typeface="+mn-ea"/>
+        <a:cs typeface="+mn-cs"/>
+      </a:defRPr>
+    </a:lvl2pPr>
+    <a:lvl3pPr marL="914400" algn="l" defTabSz="914400" rtl="0" eaLnBrk="1" latinLnBrk="0" hangingPunct="1">
+      <a:defRPr sz="1200" kern="1200">
+        <a:solidFill>
+          <a:schemeClr val="tx1"/>
+        </a:solidFill>
+        <a:latin typeface="+mn-lt"/>
+        <a:ea typeface="+mn-ea"/>
+        <a:cs typeface="+mn-cs"/>
+      </a:defRPr>
+    </a:lvl3pPr>
+    <a:lvl4pPr marL="1371600" algn="l" defTabSz="914400" rtl="0" eaLnBrk="1" latinLnBrk="0" hangingPunct="1">
+      <a:defRPr sz="1200" kern="1200">
+        <a:solidFill>
+          <a:schemeClr val="tx1"/>
+        </a:solidFill>
+        <a:latin typeface="+mn-lt"/>
+        <a:ea typeface="+mn-ea"/>
+        <a:cs typeface="+mn-cs"/>
+      </a:defRPr>
+    </a:lvl4pPr>
+    <a:lvl5pPr marL="1828800" algn="l" defTabSz="914400" rtl="0" eaLnBrk="1" latinLnBrk="0" hangingPunct="1">
+      <a:defRPr sz="1200" kern="1200">
+        <a:solidFill>
+          <a:schemeClr val="tx1"/>
+        </a:solidFill>
+        <a:latin typeface="+mn-lt"/>
+        <a:ea typeface="+mn-ea"/>
+        <a:cs typeface="+mn-cs"/>
+      </a:defRPr>
+    </a:lvl5pPr>
+    <a:lvl6pPr marL="2286000" algn="l" defTabSz="914400" rtl="0" eaLnBrk="1" latinLnBrk="0" hangingPunct="1">
+      <a:defRPr sz="1200" kern="1200">
+        <a:solidFill>
+          <a:schemeClr val="tx1"/>
+        </a:solidFill>
+        <a:latin typeface="+mn-lt"/>
+        <a:ea typeface="+mn-ea"/>
+        <a:cs typeface="+mn-cs"/>
+      </a:defRPr>
+    </a:lvl6pPr>
+    <a:lvl7pPr marL="2743200" algn="l" defTabSz="914400" rtl="0" eaLnBrk="1" latinLnBrk="0" hangingPunct="1">
+      <a:defRPr sz="1200" kern="1200">
+        <a:solidFill>
+          <a:schemeClr val="tx1"/>
+        </a:solidFill>
+        <a:latin typeface="+mn-lt"/>
+        <a:ea typeface="+mn-ea"/>
+        <a:cs typeface="+mn-cs"/>
+      </a:defRPr>
+    </a:lvl7pPr>
+    <a:lvl8pPr marL="3200400" algn="l" defTabSz="914400" rtl="0" eaLnBrk="1" latinLnBrk="0" hangingPunct="1">
+      <a:defRPr sz="1200" kern="1200">
+        <a:solidFill>
+          <a:schemeClr val="tx1"/>
+        </a:solidFill>
+        <a:latin typeface="+mn-lt"/>
+        <a:ea typeface="+mn-ea"/>
+        <a:cs typeface="+mn-cs"/>
+      </a:defRPr>
+    </a:lvl8pPr>
+    <a:lvl9pPr marL="3657600" algn="l" defTabSz="914400" rtl="0" eaLnBrk="1" latinLnBrk="0" hangingPunct="1">
+      <a:defRPr sz="1200" kern="1200">
+        <a:solidFill>
+          <a:schemeClr val="tx1"/>
+        </a:solidFill>
+        <a:latin typeface="+mn-lt"/>
+        <a:ea typeface="+mn-ea"/>
+        <a:cs typeface="+mn-cs"/>
+      </a:defRPr>
+    </a:lvl9pPr>
+  </p:notesStyle>
+</p:notesMaster>
+</file>
+
+<file path=ppt/notesSlides/notesSlide1.xml><?xml version="1.0" encoding="utf-8"?>
+<p:notes xmlns:a="http://schemas.openxmlformats.org/drawingml/2006/main" xmlns:r="http://schemas.openxmlformats.org/officeDocument/2006/relationships" xmlns:p="http://schemas.openxmlformats.org/presentationml/2006/main">
   <p:cSld>
     <p:spTree>
       <p:nvGrpSpPr>
@@ -47,9 +474,52 @@
       </p:grpSpPr>
       <p:sp>
         <p:nvSpPr>
-          <p:cNvPr id="82" name="PlaceHolder 1"/>
+          <p:cNvPr id="150" name="TextShape 1"/>
+          <p:cNvSpPr txBox="1"/>
+          <p:nvPr/>
+        </p:nvSpPr>
+        <p:spPr>
+          <a:xfrm>
+            <a:off x="4278960" y="10157400"/>
+            <a:ext cx="3280320" cy="533880"/>
+          </a:xfrm>
+          <a:prstGeom prst="rect">
+            <a:avLst/>
+          </a:prstGeom>
+          <a:noFill/>
+          <a:ln>
+            <a:noFill/>
+          </a:ln>
+        </p:spPr>
+        <p:txBody>
+          <a:bodyPr lIns="0" tIns="0" rIns="0" bIns="0" anchor="b">
+            <a:noAutofit/>
+          </a:bodyPr>
+          <a:lstStyle/>
+          <a:p>
+            <a:pPr algn="r">
+              <a:lnSpc>
+                <a:spcPct val="100000"/>
+              </a:lnSpc>
+            </a:pPr>
+            <a:fld id="{89BDF6BB-3202-41D1-8290-7DB576E96089}" type="slidenum">
+              <a:rPr lang="fr-FR" sz="1400" b="0" strike="noStrike" spc="-1">
+                <a:latin typeface="Times New Roman"/>
+                <a:ea typeface="DejaVu Sans"/>
+              </a:rPr>
+              <a:t>1</a:t>
+            </a:fld>
+            <a:endParaRPr lang="fr-FR" sz="1400" b="0" strike="noStrike" spc="-1">
+              <a:latin typeface="Times New Roman"/>
+            </a:endParaRPr>
+          </a:p>
+        </p:txBody>
+      </p:sp>
+      <p:sp>
+        <p:nvSpPr>
+          <p:cNvPr id="151" name="PlaceHolder 2"/>
           <p:cNvSpPr>
-            <a:spLocks noGrp="1"/>
+            <a:spLocks noGrp="1" noRot="1" noChangeAspect="1"/>
           </p:cNvSpPr>
           <p:nvPr>
             <p:ph type="sldImg"/>
@@ -57,39 +527,17 @@
         </p:nvSpPr>
         <p:spPr>
           <a:xfrm>
-            <a:off x="216000" y="812520"/>
-            <a:ext cx="7127280" cy="4008960"/>
-          </a:xfrm>
-          <a:prstGeom prst="rect">
-            <a:avLst/>
-          </a:prstGeom>
-        </p:spPr>
-        <p:txBody>
-          <a:bodyPr lIns="0" rIns="0" tIns="0" bIns="0" anchor="ctr">
-            <a:noAutofit/>
-          </a:bodyPr>
-          <a:p>
-            <a:r>
-              <a:rPr b="0" lang="en-US" sz="1800" spc="-1" strike="noStrike">
-                <a:solidFill>
-                  <a:srgbClr val="ffffff"/>
-                </a:solidFill>
-                <a:latin typeface="Tw Cen MT"/>
-              </a:rPr>
-              <a:t>Cliquez pour déplacer la diapo</a:t>
-            </a:r>
-            <a:endParaRPr b="0" lang="en-US" sz="1800" spc="-1" strike="noStrike">
-              <a:solidFill>
-                <a:srgbClr val="ffffff"/>
-              </a:solidFill>
-              <a:latin typeface="Tw Cen MT"/>
-            </a:endParaRPr>
-          </a:p>
-        </p:txBody>
-      </p:sp>
-      <p:sp>
-        <p:nvSpPr>
-          <p:cNvPr id="83" name="PlaceHolder 2"/>
+            <a:off x="217488" y="812800"/>
+            <a:ext cx="7124700" cy="4008438"/>
+          </a:xfrm>
+          <a:prstGeom prst="rect">
+            <a:avLst/>
+          </a:prstGeom>
+        </p:spPr>
+      </p:sp>
+      <p:sp>
+        <p:nvSpPr>
+          <p:cNvPr id="152" name="PlaceHolder 3"/>
           <p:cNvSpPr>
             <a:spLocks noGrp="1"/>
           </p:cNvSpPr>
@@ -100,183 +548,34 @@
         <p:spPr>
           <a:xfrm>
             <a:off x="756000" y="5078520"/>
-            <a:ext cx="6047640" cy="4811040"/>
-          </a:xfrm>
-          <a:prstGeom prst="rect">
-            <a:avLst/>
-          </a:prstGeom>
-        </p:spPr>
-        <p:txBody>
-          <a:bodyPr lIns="0" rIns="0" tIns="0" bIns="0">
+            <a:ext cx="6047280" cy="4810680"/>
+          </a:xfrm>
+          <a:prstGeom prst="rect">
+            <a:avLst/>
+          </a:prstGeom>
+        </p:spPr>
+        <p:txBody>
+          <a:bodyPr lIns="0" tIns="0" rIns="0" bIns="0">
             <a:noAutofit/>
           </a:bodyPr>
-          <a:p>
-            <a:r>
-              <a:rPr b="0" lang="fr-FR" sz="2000" spc="-1" strike="noStrike">
-                <a:latin typeface="Arial"/>
-              </a:rPr>
-              <a:t>Cliquez pour modifier le format des notes</a:t>
-            </a:r>
-            <a:endParaRPr b="0" lang="fr-FR" sz="2000" spc="-1" strike="noStrike">
+          <a:lstStyle/>
+          <a:p>
+            <a:endParaRPr lang="fr-FR" sz="2000" b="0" strike="noStrike" spc="-1">
               <a:latin typeface="Arial"/>
-            </a:endParaRPr>
-          </a:p>
-        </p:txBody>
-      </p:sp>
-      <p:sp>
-        <p:nvSpPr>
-          <p:cNvPr id="84" name="PlaceHolder 3"/>
-          <p:cNvSpPr>
-            <a:spLocks noGrp="1"/>
-          </p:cNvSpPr>
-          <p:nvPr>
-            <p:ph type="hdr"/>
-          </p:nvPr>
-        </p:nvSpPr>
-        <p:spPr>
-          <a:xfrm>
-            <a:off x="0" y="0"/>
-            <a:ext cx="3280680" cy="534240"/>
-          </a:xfrm>
-          <a:prstGeom prst="rect">
-            <a:avLst/>
-          </a:prstGeom>
-        </p:spPr>
-        <p:txBody>
-          <a:bodyPr lIns="0" rIns="0" tIns="0" bIns="0">
-            <a:noAutofit/>
-          </a:bodyPr>
-          <a:p>
-            <a:r>
-              <a:rPr b="0" lang="fr-FR" sz="1400" spc="-1" strike="noStrike">
-                <a:latin typeface="Times New Roman"/>
-              </a:rPr>
-              <a:t>&lt;en-tête&gt;</a:t>
-            </a:r>
-            <a:endParaRPr b="0" lang="fr-FR" sz="1400" spc="-1" strike="noStrike">
-              <a:latin typeface="Times New Roman"/>
-            </a:endParaRPr>
-          </a:p>
-        </p:txBody>
-      </p:sp>
-      <p:sp>
-        <p:nvSpPr>
-          <p:cNvPr id="85" name="PlaceHolder 4"/>
-          <p:cNvSpPr>
-            <a:spLocks noGrp="1"/>
-          </p:cNvSpPr>
-          <p:nvPr>
-            <p:ph type="dt"/>
-          </p:nvPr>
-        </p:nvSpPr>
-        <p:spPr>
-          <a:xfrm>
-            <a:off x="4278960" y="0"/>
-            <a:ext cx="3280680" cy="534240"/>
-          </a:xfrm>
-          <a:prstGeom prst="rect">
-            <a:avLst/>
-          </a:prstGeom>
-        </p:spPr>
-        <p:txBody>
-          <a:bodyPr lIns="0" rIns="0" tIns="0" bIns="0">
-            <a:noAutofit/>
-          </a:bodyPr>
-          <a:p>
-            <a:pPr algn="r"/>
-            <a:r>
-              <a:rPr b="0" lang="fr-FR" sz="1400" spc="-1" strike="noStrike">
-                <a:latin typeface="Times New Roman"/>
-              </a:rPr>
-              <a:t>&lt;date/heure&gt;</a:t>
-            </a:r>
-            <a:endParaRPr b="0" lang="fr-FR" sz="1400" spc="-1" strike="noStrike">
-              <a:latin typeface="Times New Roman"/>
-            </a:endParaRPr>
-          </a:p>
-        </p:txBody>
-      </p:sp>
-      <p:sp>
-        <p:nvSpPr>
-          <p:cNvPr id="86" name="PlaceHolder 5"/>
-          <p:cNvSpPr>
-            <a:spLocks noGrp="1"/>
-          </p:cNvSpPr>
-          <p:nvPr>
-            <p:ph type="ftr"/>
-          </p:nvPr>
-        </p:nvSpPr>
-        <p:spPr>
-          <a:xfrm>
-            <a:off x="0" y="10157400"/>
-            <a:ext cx="3280680" cy="534240"/>
-          </a:xfrm>
-          <a:prstGeom prst="rect">
-            <a:avLst/>
-          </a:prstGeom>
-        </p:spPr>
-        <p:txBody>
-          <a:bodyPr lIns="0" rIns="0" tIns="0" bIns="0" anchor="b">
-            <a:noAutofit/>
-          </a:bodyPr>
-          <a:p>
-            <a:r>
-              <a:rPr b="0" lang="fr-FR" sz="1400" spc="-1" strike="noStrike">
-                <a:latin typeface="Times New Roman"/>
-              </a:rPr>
-              <a:t>&lt;pied de page&gt;</a:t>
-            </a:r>
-            <a:endParaRPr b="0" lang="fr-FR" sz="1400" spc="-1" strike="noStrike">
-              <a:latin typeface="Times New Roman"/>
-            </a:endParaRPr>
-          </a:p>
-        </p:txBody>
-      </p:sp>
-      <p:sp>
-        <p:nvSpPr>
-          <p:cNvPr id="87" name="PlaceHolder 6"/>
-          <p:cNvSpPr>
-            <a:spLocks noGrp="1"/>
-          </p:cNvSpPr>
-          <p:nvPr>
-            <p:ph type="sldNum"/>
-          </p:nvPr>
-        </p:nvSpPr>
-        <p:spPr>
-          <a:xfrm>
-            <a:off x="4278960" y="10157400"/>
-            <a:ext cx="3280680" cy="534240"/>
-          </a:xfrm>
-          <a:prstGeom prst="rect">
-            <a:avLst/>
-          </a:prstGeom>
-        </p:spPr>
-        <p:txBody>
-          <a:bodyPr lIns="0" rIns="0" tIns="0" bIns="0" anchor="b">
-            <a:noAutofit/>
-          </a:bodyPr>
-          <a:p>
-            <a:pPr algn="r"/>
-            <a:fld id="{3AD8E282-7155-4875-9A33-7B7318695597}" type="slidenum">
-              <a:rPr b="0" lang="fr-FR" sz="1400" spc="-1" strike="noStrike">
-                <a:latin typeface="Times New Roman"/>
-              </a:rPr>
-              <a:t>&lt;numéro&gt;</a:t>
-            </a:fld>
-            <a:endParaRPr b="0" lang="fr-FR" sz="1400" spc="-1" strike="noStrike">
-              <a:latin typeface="Times New Roman"/>
             </a:endParaRPr>
           </a:p>
         </p:txBody>
       </p:sp>
     </p:spTree>
   </p:cSld>
-  <p:clrMap bg1="lt1" bg2="lt2" tx1="dk1" tx2="dk2" accent1="accent1" accent2="accent2" accent3="accent3" accent4="accent4" accent5="accent5" accent6="accent6" hlink="hlink" folHlink="folHlink"/>
-</p:notesMaster>
+  <p:clrMapOvr>
+    <a:masterClrMapping/>
+  </p:clrMapOvr>
+</p:notes>
 </file>
 
-<file path=ppt/notesSlides/notesSlide1.xml><?xml version="1.0" encoding="utf-8"?>
-<p:notes xmlns:a="http://schemas.openxmlformats.org/drawingml/2006/main" xmlns:p="http://schemas.openxmlformats.org/presentationml/2006/main" xmlns:r="http://schemas.openxmlformats.org/officeDocument/2006/relationships" xmlns:p14="http://schemas.microsoft.com/office/powerpoint/2010/main" xmlns:p15="http://schemas.microsoft.com/office/powerpoint/2012/main" xmlns:mc="http://schemas.openxmlformats.org/markup-compatibility/2006">
+<file path=ppt/notesSlides/notesSlide10.xml><?xml version="1.0" encoding="utf-8"?>
+<p:notes xmlns:a="http://schemas.openxmlformats.org/drawingml/2006/main" xmlns:r="http://schemas.openxmlformats.org/officeDocument/2006/relationships" xmlns:p="http://schemas.openxmlformats.org/presentationml/2006/main">
   <p:cSld>
     <p:spTree>
       <p:nvGrpSpPr>
@@ -294,7 +593,7 @@
       </p:grpSpPr>
       <p:sp>
         <p:nvSpPr>
-          <p:cNvPr id="150" name="TextShape 1"/>
+          <p:cNvPr id="177" name="TextShape 1"/>
           <p:cNvSpPr txBox="1"/>
           <p:nvPr/>
         </p:nvSpPr>
@@ -312,23 +611,24 @@
           </a:ln>
         </p:spPr>
         <p:txBody>
-          <a:bodyPr lIns="0" rIns="0" tIns="0" bIns="0" anchor="b">
+          <a:bodyPr lIns="0" tIns="0" rIns="0" bIns="0" anchor="b">
             <a:noAutofit/>
           </a:bodyPr>
+          <a:lstStyle/>
           <a:p>
             <a:pPr algn="r">
               <a:lnSpc>
                 <a:spcPct val="100000"/>
               </a:lnSpc>
             </a:pPr>
-            <a:fld id="{89BDF6BB-3202-41D1-8290-7DB576E96089}" type="slidenum">
-              <a:rPr b="0" lang="fr-FR" sz="1400" spc="-1" strike="noStrike">
+            <a:fld id="{8C1BC8B4-B7B3-4447-931F-513DEA7AE0A4}" type="slidenum">
+              <a:rPr lang="fr-FR" sz="1400" b="0" strike="noStrike" spc="-1">
                 <a:latin typeface="Times New Roman"/>
                 <a:ea typeface="DejaVu Sans"/>
               </a:rPr>
-              <a:t>1</a:t>
+              <a:t>10</a:t>
             </a:fld>
-            <a:endParaRPr b="0" lang="fr-FR" sz="1400" spc="-1" strike="noStrike">
+            <a:endParaRPr lang="fr-FR" sz="1400" b="0" strike="noStrike" spc="-1">
               <a:latin typeface="Times New Roman"/>
             </a:endParaRPr>
           </a:p>
@@ -336,9 +636,9 @@
       </p:sp>
       <p:sp>
         <p:nvSpPr>
-          <p:cNvPr id="151" name="PlaceHolder 2"/>
+          <p:cNvPr id="178" name="PlaceHolder 2"/>
           <p:cNvSpPr>
-            <a:spLocks noGrp="1"/>
+            <a:spLocks noGrp="1" noRot="1" noChangeAspect="1"/>
           </p:cNvSpPr>
           <p:nvPr>
             <p:ph type="sldImg"/>
@@ -356,7 +656,7 @@
       </p:sp>
       <p:sp>
         <p:nvSpPr>
-          <p:cNvPr id="152" name="PlaceHolder 3"/>
+          <p:cNvPr id="179" name="PlaceHolder 3"/>
           <p:cNvSpPr>
             <a:spLocks noGrp="1"/>
           </p:cNvSpPr>
@@ -374,11 +674,12 @@
           </a:prstGeom>
         </p:spPr>
         <p:txBody>
-          <a:bodyPr lIns="0" rIns="0" tIns="0" bIns="0">
+          <a:bodyPr lIns="0" tIns="0" rIns="0" bIns="0">
             <a:noAutofit/>
           </a:bodyPr>
-          <a:p>
-            <a:endParaRPr b="0" lang="fr-FR" sz="2000" spc="-1" strike="noStrike">
+          <a:lstStyle/>
+          <a:p>
+            <a:endParaRPr lang="fr-FR" sz="2000" b="0" strike="noStrike" spc="-1">
               <a:latin typeface="Arial"/>
             </a:endParaRPr>
           </a:p>
@@ -386,11 +687,14 @@
       </p:sp>
     </p:spTree>
   </p:cSld>
+  <p:clrMapOvr>
+    <a:masterClrMapping/>
+  </p:clrMapOvr>
 </p:notes>
 </file>
 
-<file path=ppt/notesSlides/notesSlide10.xml><?xml version="1.0" encoding="utf-8"?>
-<p:notes xmlns:a="http://schemas.openxmlformats.org/drawingml/2006/main" xmlns:p="http://schemas.openxmlformats.org/presentationml/2006/main" xmlns:r="http://schemas.openxmlformats.org/officeDocument/2006/relationships" xmlns:p14="http://schemas.microsoft.com/office/powerpoint/2010/main" xmlns:p15="http://schemas.microsoft.com/office/powerpoint/2012/main" xmlns:mc="http://schemas.openxmlformats.org/markup-compatibility/2006">
+<file path=ppt/notesSlides/notesSlide11.xml><?xml version="1.0" encoding="utf-8"?>
+<p:notes xmlns:a="http://schemas.openxmlformats.org/drawingml/2006/main" xmlns:r="http://schemas.openxmlformats.org/officeDocument/2006/relationships" xmlns:p="http://schemas.openxmlformats.org/presentationml/2006/main">
   <p:cSld>
     <p:spTree>
       <p:nvGrpSpPr>
@@ -408,7 +712,7 @@
       </p:grpSpPr>
       <p:sp>
         <p:nvSpPr>
-          <p:cNvPr id="177" name="TextShape 1"/>
+          <p:cNvPr id="180" name="TextShape 1"/>
           <p:cNvSpPr txBox="1"/>
           <p:nvPr/>
         </p:nvSpPr>
@@ -426,23 +730,24 @@
           </a:ln>
         </p:spPr>
         <p:txBody>
-          <a:bodyPr lIns="0" rIns="0" tIns="0" bIns="0" anchor="b">
+          <a:bodyPr lIns="0" tIns="0" rIns="0" bIns="0" anchor="b">
             <a:noAutofit/>
           </a:bodyPr>
+          <a:lstStyle/>
           <a:p>
             <a:pPr algn="r">
               <a:lnSpc>
                 <a:spcPct val="100000"/>
               </a:lnSpc>
             </a:pPr>
-            <a:fld id="{8C1BC8B4-B7B3-4447-931F-513DEA7AE0A4}" type="slidenum">
-              <a:rPr b="0" lang="fr-FR" sz="1400" spc="-1" strike="noStrike">
+            <a:fld id="{16F97253-387B-4DD2-859A-4E62A2DC952C}" type="slidenum">
+              <a:rPr lang="fr-FR" sz="1400" b="0" strike="noStrike" spc="-1">
                 <a:latin typeface="Times New Roman"/>
                 <a:ea typeface="DejaVu Sans"/>
               </a:rPr>
-              <a:t>1</a:t>
+              <a:t>11</a:t>
             </a:fld>
-            <a:endParaRPr b="0" lang="fr-FR" sz="1400" spc="-1" strike="noStrike">
+            <a:endParaRPr lang="fr-FR" sz="1400" b="0" strike="noStrike" spc="-1">
               <a:latin typeface="Times New Roman"/>
             </a:endParaRPr>
           </a:p>
@@ -450,9 +755,9 @@
       </p:sp>
       <p:sp>
         <p:nvSpPr>
-          <p:cNvPr id="178" name="PlaceHolder 2"/>
+          <p:cNvPr id="181" name="PlaceHolder 2"/>
           <p:cNvSpPr>
-            <a:spLocks noGrp="1"/>
+            <a:spLocks noGrp="1" noRot="1" noChangeAspect="1"/>
           </p:cNvSpPr>
           <p:nvPr>
             <p:ph type="sldImg"/>
@@ -470,7 +775,7 @@
       </p:sp>
       <p:sp>
         <p:nvSpPr>
-          <p:cNvPr id="179" name="PlaceHolder 3"/>
+          <p:cNvPr id="182" name="PlaceHolder 3"/>
           <p:cNvSpPr>
             <a:spLocks noGrp="1"/>
           </p:cNvSpPr>
@@ -488,11 +793,12 @@
           </a:prstGeom>
         </p:spPr>
         <p:txBody>
-          <a:bodyPr lIns="0" rIns="0" tIns="0" bIns="0">
+          <a:bodyPr lIns="0" tIns="0" rIns="0" bIns="0">
             <a:noAutofit/>
           </a:bodyPr>
-          <a:p>
-            <a:endParaRPr b="0" lang="fr-FR" sz="2000" spc="-1" strike="noStrike">
+          <a:lstStyle/>
+          <a:p>
+            <a:endParaRPr lang="fr-FR" sz="2000" b="0" strike="noStrike" spc="-1">
               <a:latin typeface="Arial"/>
             </a:endParaRPr>
           </a:p>
@@ -500,11 +806,14 @@
       </p:sp>
     </p:spTree>
   </p:cSld>
+  <p:clrMapOvr>
+    <a:masterClrMapping/>
+  </p:clrMapOvr>
 </p:notes>
 </file>
 
-<file path=ppt/notesSlides/notesSlide11.xml><?xml version="1.0" encoding="utf-8"?>
-<p:notes xmlns:a="http://schemas.openxmlformats.org/drawingml/2006/main" xmlns:p="http://schemas.openxmlformats.org/presentationml/2006/main" xmlns:r="http://schemas.openxmlformats.org/officeDocument/2006/relationships" xmlns:p14="http://schemas.microsoft.com/office/powerpoint/2010/main" xmlns:p15="http://schemas.microsoft.com/office/powerpoint/2012/main" xmlns:mc="http://schemas.openxmlformats.org/markup-compatibility/2006">
+<file path=ppt/notesSlides/notesSlide12.xml><?xml version="1.0" encoding="utf-8"?>
+<p:notes xmlns:a="http://schemas.openxmlformats.org/drawingml/2006/main" xmlns:r="http://schemas.openxmlformats.org/officeDocument/2006/relationships" xmlns:p="http://schemas.openxmlformats.org/presentationml/2006/main">
   <p:cSld>
     <p:spTree>
       <p:nvGrpSpPr>
@@ -522,7 +831,7 @@
       </p:grpSpPr>
       <p:sp>
         <p:nvSpPr>
-          <p:cNvPr id="180" name="TextShape 1"/>
+          <p:cNvPr id="183" name="TextShape 1"/>
           <p:cNvSpPr txBox="1"/>
           <p:nvPr/>
         </p:nvSpPr>
@@ -540,23 +849,24 @@
           </a:ln>
         </p:spPr>
         <p:txBody>
-          <a:bodyPr lIns="0" rIns="0" tIns="0" bIns="0" anchor="b">
+          <a:bodyPr lIns="0" tIns="0" rIns="0" bIns="0" anchor="b">
             <a:noAutofit/>
           </a:bodyPr>
+          <a:lstStyle/>
           <a:p>
             <a:pPr algn="r">
               <a:lnSpc>
                 <a:spcPct val="100000"/>
               </a:lnSpc>
             </a:pPr>
-            <a:fld id="{16F97253-387B-4DD2-859A-4E62A2DC952C}" type="slidenum">
-              <a:rPr b="0" lang="fr-FR" sz="1400" spc="-1" strike="noStrike">
+            <a:fld id="{4321BA47-7286-4701-B1BD-5BD4183BD5AC}" type="slidenum">
+              <a:rPr lang="fr-FR" sz="1400" b="0" strike="noStrike" spc="-1">
                 <a:latin typeface="Times New Roman"/>
                 <a:ea typeface="DejaVu Sans"/>
               </a:rPr>
-              <a:t>1</a:t>
+              <a:t>12</a:t>
             </a:fld>
-            <a:endParaRPr b="0" lang="fr-FR" sz="1400" spc="-1" strike="noStrike">
+            <a:endParaRPr lang="fr-FR" sz="1400" b="0" strike="noStrike" spc="-1">
               <a:latin typeface="Times New Roman"/>
             </a:endParaRPr>
           </a:p>
@@ -564,9 +874,9 @@
       </p:sp>
       <p:sp>
         <p:nvSpPr>
-          <p:cNvPr id="181" name="PlaceHolder 2"/>
+          <p:cNvPr id="184" name="PlaceHolder 2"/>
           <p:cNvSpPr>
-            <a:spLocks noGrp="1"/>
+            <a:spLocks noGrp="1" noRot="1" noChangeAspect="1"/>
           </p:cNvSpPr>
           <p:nvPr>
             <p:ph type="sldImg"/>
@@ -584,7 +894,7 @@
       </p:sp>
       <p:sp>
         <p:nvSpPr>
-          <p:cNvPr id="182" name="PlaceHolder 3"/>
+          <p:cNvPr id="185" name="PlaceHolder 3"/>
           <p:cNvSpPr>
             <a:spLocks noGrp="1"/>
           </p:cNvSpPr>
@@ -602,11 +912,12 @@
           </a:prstGeom>
         </p:spPr>
         <p:txBody>
-          <a:bodyPr lIns="0" rIns="0" tIns="0" bIns="0">
+          <a:bodyPr lIns="0" tIns="0" rIns="0" bIns="0">
             <a:noAutofit/>
           </a:bodyPr>
-          <a:p>
-            <a:endParaRPr b="0" lang="fr-FR" sz="2000" spc="-1" strike="noStrike">
+          <a:lstStyle/>
+          <a:p>
+            <a:endParaRPr lang="fr-FR" sz="2000" b="0" strike="noStrike" spc="-1">
               <a:latin typeface="Arial"/>
             </a:endParaRPr>
           </a:p>
@@ -614,11 +925,14 @@
       </p:sp>
     </p:spTree>
   </p:cSld>
+  <p:clrMapOvr>
+    <a:masterClrMapping/>
+  </p:clrMapOvr>
 </p:notes>
 </file>
 
-<file path=ppt/notesSlides/notesSlide12.xml><?xml version="1.0" encoding="utf-8"?>
-<p:notes xmlns:a="http://schemas.openxmlformats.org/drawingml/2006/main" xmlns:p="http://schemas.openxmlformats.org/presentationml/2006/main" xmlns:r="http://schemas.openxmlformats.org/officeDocument/2006/relationships" xmlns:p14="http://schemas.microsoft.com/office/powerpoint/2010/main" xmlns:p15="http://schemas.microsoft.com/office/powerpoint/2012/main" xmlns:mc="http://schemas.openxmlformats.org/markup-compatibility/2006">
+<file path=ppt/notesSlides/notesSlide13.xml><?xml version="1.0" encoding="utf-8"?>
+<p:notes xmlns:a="http://schemas.openxmlformats.org/drawingml/2006/main" xmlns:r="http://schemas.openxmlformats.org/officeDocument/2006/relationships" xmlns:p="http://schemas.openxmlformats.org/presentationml/2006/main">
   <p:cSld>
     <p:spTree>
       <p:nvGrpSpPr>
@@ -636,7 +950,7 @@
       </p:grpSpPr>
       <p:sp>
         <p:nvSpPr>
-          <p:cNvPr id="183" name="TextShape 1"/>
+          <p:cNvPr id="186" name="TextShape 1"/>
           <p:cNvSpPr txBox="1"/>
           <p:nvPr/>
         </p:nvSpPr>
@@ -654,23 +968,24 @@
           </a:ln>
         </p:spPr>
         <p:txBody>
-          <a:bodyPr lIns="0" rIns="0" tIns="0" bIns="0" anchor="b">
+          <a:bodyPr lIns="0" tIns="0" rIns="0" bIns="0" anchor="b">
             <a:noAutofit/>
           </a:bodyPr>
+          <a:lstStyle/>
           <a:p>
             <a:pPr algn="r">
               <a:lnSpc>
                 <a:spcPct val="100000"/>
               </a:lnSpc>
             </a:pPr>
-            <a:fld id="{4321BA47-7286-4701-B1BD-5BD4183BD5AC}" type="slidenum">
-              <a:rPr b="0" lang="fr-FR" sz="1400" spc="-1" strike="noStrike">
+            <a:fld id="{3A2F69BA-A39E-42F7-BBDA-7682F04BAFC3}" type="slidenum">
+              <a:rPr lang="fr-FR" sz="1400" b="0" strike="noStrike" spc="-1">
                 <a:latin typeface="Times New Roman"/>
                 <a:ea typeface="DejaVu Sans"/>
               </a:rPr>
-              <a:t>1</a:t>
+              <a:t>13</a:t>
             </a:fld>
-            <a:endParaRPr b="0" lang="fr-FR" sz="1400" spc="-1" strike="noStrike">
+            <a:endParaRPr lang="fr-FR" sz="1400" b="0" strike="noStrike" spc="-1">
               <a:latin typeface="Times New Roman"/>
             </a:endParaRPr>
           </a:p>
@@ -678,9 +993,9 @@
       </p:sp>
       <p:sp>
         <p:nvSpPr>
-          <p:cNvPr id="184" name="PlaceHolder 2"/>
+          <p:cNvPr id="187" name="PlaceHolder 2"/>
           <p:cNvSpPr>
-            <a:spLocks noGrp="1"/>
+            <a:spLocks noGrp="1" noRot="1" noChangeAspect="1"/>
           </p:cNvSpPr>
           <p:nvPr>
             <p:ph type="sldImg"/>
@@ -698,7 +1013,7 @@
       </p:sp>
       <p:sp>
         <p:nvSpPr>
-          <p:cNvPr id="185" name="PlaceHolder 3"/>
+          <p:cNvPr id="188" name="PlaceHolder 3"/>
           <p:cNvSpPr>
             <a:spLocks noGrp="1"/>
           </p:cNvSpPr>
@@ -716,11 +1031,12 @@
           </a:prstGeom>
         </p:spPr>
         <p:txBody>
-          <a:bodyPr lIns="0" rIns="0" tIns="0" bIns="0">
+          <a:bodyPr lIns="0" tIns="0" rIns="0" bIns="0">
             <a:noAutofit/>
           </a:bodyPr>
-          <a:p>
-            <a:endParaRPr b="0" lang="fr-FR" sz="2000" spc="-1" strike="noStrike">
+          <a:lstStyle/>
+          <a:p>
+            <a:endParaRPr lang="fr-FR" sz="2000" b="0" strike="noStrike" spc="-1">
               <a:latin typeface="Arial"/>
             </a:endParaRPr>
           </a:p>
@@ -728,11 +1044,14 @@
       </p:sp>
     </p:spTree>
   </p:cSld>
+  <p:clrMapOvr>
+    <a:masterClrMapping/>
+  </p:clrMapOvr>
 </p:notes>
 </file>
 
-<file path=ppt/notesSlides/notesSlide13.xml><?xml version="1.0" encoding="utf-8"?>
-<p:notes xmlns:a="http://schemas.openxmlformats.org/drawingml/2006/main" xmlns:p="http://schemas.openxmlformats.org/presentationml/2006/main" xmlns:r="http://schemas.openxmlformats.org/officeDocument/2006/relationships" xmlns:p14="http://schemas.microsoft.com/office/powerpoint/2010/main" xmlns:p15="http://schemas.microsoft.com/office/powerpoint/2012/main" xmlns:mc="http://schemas.openxmlformats.org/markup-compatibility/2006">
+<file path=ppt/notesSlides/notesSlide14.xml><?xml version="1.0" encoding="utf-8"?>
+<p:notes xmlns:a="http://schemas.openxmlformats.org/drawingml/2006/main" xmlns:r="http://schemas.openxmlformats.org/officeDocument/2006/relationships" xmlns:p="http://schemas.openxmlformats.org/presentationml/2006/main">
   <p:cSld>
     <p:spTree>
       <p:nvGrpSpPr>
@@ -750,7 +1069,7 @@
       </p:grpSpPr>
       <p:sp>
         <p:nvSpPr>
-          <p:cNvPr id="186" name="TextShape 1"/>
+          <p:cNvPr id="189" name="TextShape 1"/>
           <p:cNvSpPr txBox="1"/>
           <p:nvPr/>
         </p:nvSpPr>
@@ -768,23 +1087,24 @@
           </a:ln>
         </p:spPr>
         <p:txBody>
-          <a:bodyPr lIns="0" rIns="0" tIns="0" bIns="0" anchor="b">
+          <a:bodyPr lIns="0" tIns="0" rIns="0" bIns="0" anchor="b">
             <a:noAutofit/>
           </a:bodyPr>
+          <a:lstStyle/>
           <a:p>
             <a:pPr algn="r">
               <a:lnSpc>
                 <a:spcPct val="100000"/>
               </a:lnSpc>
             </a:pPr>
-            <a:fld id="{3A2F69BA-A39E-42F7-BBDA-7682F04BAFC3}" type="slidenum">
-              <a:rPr b="0" lang="fr-FR" sz="1400" spc="-1" strike="noStrike">
+            <a:fld id="{C8B28ABD-6EED-42E5-B991-6181503EB32E}" type="slidenum">
+              <a:rPr lang="fr-FR" sz="1400" b="0" strike="noStrike" spc="-1">
                 <a:latin typeface="Times New Roman"/>
                 <a:ea typeface="DejaVu Sans"/>
               </a:rPr>
-              <a:t>&lt;numéro&gt;</a:t>
+              <a:t>14</a:t>
             </a:fld>
-            <a:endParaRPr b="0" lang="fr-FR" sz="1400" spc="-1" strike="noStrike">
+            <a:endParaRPr lang="fr-FR" sz="1400" b="0" strike="noStrike" spc="-1">
               <a:latin typeface="Times New Roman"/>
             </a:endParaRPr>
           </a:p>
@@ -792,9 +1112,9 @@
       </p:sp>
       <p:sp>
         <p:nvSpPr>
-          <p:cNvPr id="187" name="PlaceHolder 2"/>
+          <p:cNvPr id="190" name="PlaceHolder 2"/>
           <p:cNvSpPr>
-            <a:spLocks noGrp="1"/>
+            <a:spLocks noGrp="1" noRot="1" noChangeAspect="1"/>
           </p:cNvSpPr>
           <p:nvPr>
             <p:ph type="sldImg"/>
@@ -812,7 +1132,7 @@
       </p:sp>
       <p:sp>
         <p:nvSpPr>
-          <p:cNvPr id="188" name="PlaceHolder 3"/>
+          <p:cNvPr id="191" name="PlaceHolder 3"/>
           <p:cNvSpPr>
             <a:spLocks noGrp="1"/>
           </p:cNvSpPr>
@@ -830,11 +1150,12 @@
           </a:prstGeom>
         </p:spPr>
         <p:txBody>
-          <a:bodyPr lIns="0" rIns="0" tIns="0" bIns="0">
+          <a:bodyPr lIns="0" tIns="0" rIns="0" bIns="0">
             <a:noAutofit/>
           </a:bodyPr>
-          <a:p>
-            <a:endParaRPr b="0" lang="fr-FR" sz="2000" spc="-1" strike="noStrike">
+          <a:lstStyle/>
+          <a:p>
+            <a:endParaRPr lang="fr-FR" sz="2000" b="0" strike="noStrike" spc="-1">
               <a:latin typeface="Arial"/>
             </a:endParaRPr>
           </a:p>
@@ -842,11 +1163,14 @@
       </p:sp>
     </p:spTree>
   </p:cSld>
+  <p:clrMapOvr>
+    <a:masterClrMapping/>
+  </p:clrMapOvr>
 </p:notes>
 </file>
 
-<file path=ppt/notesSlides/notesSlide14.xml><?xml version="1.0" encoding="utf-8"?>
-<p:notes xmlns:a="http://schemas.openxmlformats.org/drawingml/2006/main" xmlns:p="http://schemas.openxmlformats.org/presentationml/2006/main" xmlns:r="http://schemas.openxmlformats.org/officeDocument/2006/relationships" xmlns:p14="http://schemas.microsoft.com/office/powerpoint/2010/main" xmlns:p15="http://schemas.microsoft.com/office/powerpoint/2012/main" xmlns:mc="http://schemas.openxmlformats.org/markup-compatibility/2006">
+<file path=ppt/notesSlides/notesSlide2.xml><?xml version="1.0" encoding="utf-8"?>
+<p:notes xmlns:a="http://schemas.openxmlformats.org/drawingml/2006/main" xmlns:r="http://schemas.openxmlformats.org/officeDocument/2006/relationships" xmlns:p="http://schemas.openxmlformats.org/presentationml/2006/main">
   <p:cSld>
     <p:spTree>
       <p:nvGrpSpPr>
@@ -864,7 +1188,7 @@
       </p:grpSpPr>
       <p:sp>
         <p:nvSpPr>
-          <p:cNvPr id="189" name="TextShape 1"/>
+          <p:cNvPr id="153" name="TextShape 1"/>
           <p:cNvSpPr txBox="1"/>
           <p:nvPr/>
         </p:nvSpPr>
@@ -882,23 +1206,24 @@
           </a:ln>
         </p:spPr>
         <p:txBody>
-          <a:bodyPr lIns="0" rIns="0" tIns="0" bIns="0" anchor="b">
+          <a:bodyPr lIns="0" tIns="0" rIns="0" bIns="0" anchor="b">
             <a:noAutofit/>
           </a:bodyPr>
+          <a:lstStyle/>
           <a:p>
             <a:pPr algn="r">
               <a:lnSpc>
                 <a:spcPct val="100000"/>
               </a:lnSpc>
             </a:pPr>
-            <a:fld id="{C8B28ABD-6EED-42E5-B991-6181503EB32E}" type="slidenum">
-              <a:rPr b="0" lang="fr-FR" sz="1400" spc="-1" strike="noStrike">
+            <a:fld id="{0C87DEAF-8AF1-4F99-AAE7-96B14F045D62}" type="slidenum">
+              <a:rPr lang="fr-FR" sz="1400" b="0" strike="noStrike" spc="-1">
                 <a:latin typeface="Times New Roman"/>
                 <a:ea typeface="DejaVu Sans"/>
               </a:rPr>
-              <a:t>&lt;numéro&gt;</a:t>
+              <a:t>2</a:t>
             </a:fld>
-            <a:endParaRPr b="0" lang="fr-FR" sz="1400" spc="-1" strike="noStrike">
+            <a:endParaRPr lang="fr-FR" sz="1400" b="0" strike="noStrike" spc="-1">
               <a:latin typeface="Times New Roman"/>
             </a:endParaRPr>
           </a:p>
@@ -906,9 +1231,9 @@
       </p:sp>
       <p:sp>
         <p:nvSpPr>
-          <p:cNvPr id="190" name="PlaceHolder 2"/>
+          <p:cNvPr id="154" name="PlaceHolder 2"/>
           <p:cNvSpPr>
-            <a:spLocks noGrp="1"/>
+            <a:spLocks noGrp="1" noRot="1" noChangeAspect="1"/>
           </p:cNvSpPr>
           <p:nvPr>
             <p:ph type="sldImg"/>
@@ -926,7 +1251,7 @@
       </p:sp>
       <p:sp>
         <p:nvSpPr>
-          <p:cNvPr id="191" name="PlaceHolder 3"/>
+          <p:cNvPr id="155" name="PlaceHolder 3"/>
           <p:cNvSpPr>
             <a:spLocks noGrp="1"/>
           </p:cNvSpPr>
@@ -944,11 +1269,12 @@
           </a:prstGeom>
         </p:spPr>
         <p:txBody>
-          <a:bodyPr lIns="0" rIns="0" tIns="0" bIns="0">
+          <a:bodyPr lIns="0" tIns="0" rIns="0" bIns="0">
             <a:noAutofit/>
           </a:bodyPr>
-          <a:p>
-            <a:endParaRPr b="0" lang="fr-FR" sz="2000" spc="-1" strike="noStrike">
+          <a:lstStyle/>
+          <a:p>
+            <a:endParaRPr lang="fr-FR" sz="2000" b="0" strike="noStrike" spc="-1">
               <a:latin typeface="Arial"/>
             </a:endParaRPr>
           </a:p>
@@ -956,11 +1282,14 @@
       </p:sp>
     </p:spTree>
   </p:cSld>
+  <p:clrMapOvr>
+    <a:masterClrMapping/>
+  </p:clrMapOvr>
 </p:notes>
 </file>
 
-<file path=ppt/notesSlides/notesSlide2.xml><?xml version="1.0" encoding="utf-8"?>
-<p:notes xmlns:a="http://schemas.openxmlformats.org/drawingml/2006/main" xmlns:p="http://schemas.openxmlformats.org/presentationml/2006/main" xmlns:r="http://schemas.openxmlformats.org/officeDocument/2006/relationships" xmlns:p14="http://schemas.microsoft.com/office/powerpoint/2010/main" xmlns:p15="http://schemas.microsoft.com/office/powerpoint/2012/main" xmlns:mc="http://schemas.openxmlformats.org/markup-compatibility/2006">
+<file path=ppt/notesSlides/notesSlide3.xml><?xml version="1.0" encoding="utf-8"?>
+<p:notes xmlns:a="http://schemas.openxmlformats.org/drawingml/2006/main" xmlns:r="http://schemas.openxmlformats.org/officeDocument/2006/relationships" xmlns:p="http://schemas.openxmlformats.org/presentationml/2006/main">
   <p:cSld>
     <p:spTree>
       <p:nvGrpSpPr>
@@ -978,7 +1307,7 @@
       </p:grpSpPr>
       <p:sp>
         <p:nvSpPr>
-          <p:cNvPr id="153" name="TextShape 1"/>
+          <p:cNvPr id="156" name="TextShape 1"/>
           <p:cNvSpPr txBox="1"/>
           <p:nvPr/>
         </p:nvSpPr>
@@ -996,23 +1325,24 @@
           </a:ln>
         </p:spPr>
         <p:txBody>
-          <a:bodyPr lIns="0" rIns="0" tIns="0" bIns="0" anchor="b">
+          <a:bodyPr lIns="0" tIns="0" rIns="0" bIns="0" anchor="b">
             <a:noAutofit/>
           </a:bodyPr>
+          <a:lstStyle/>
           <a:p>
             <a:pPr algn="r">
               <a:lnSpc>
                 <a:spcPct val="100000"/>
               </a:lnSpc>
             </a:pPr>
-            <a:fld id="{0C87DEAF-8AF1-4F99-AAE7-96B14F045D62}" type="slidenum">
-              <a:rPr b="0" lang="fr-FR" sz="1400" spc="-1" strike="noStrike">
+            <a:fld id="{160AF55E-1F93-4E29-B540-DB5822A418FB}" type="slidenum">
+              <a:rPr lang="fr-FR" sz="1400" b="0" strike="noStrike" spc="-1">
                 <a:latin typeface="Times New Roman"/>
                 <a:ea typeface="DejaVu Sans"/>
               </a:rPr>
-              <a:t>1</a:t>
+              <a:t>3</a:t>
             </a:fld>
-            <a:endParaRPr b="0" lang="fr-FR" sz="1400" spc="-1" strike="noStrike">
+            <a:endParaRPr lang="fr-FR" sz="1400" b="0" strike="noStrike" spc="-1">
               <a:latin typeface="Times New Roman"/>
             </a:endParaRPr>
           </a:p>
@@ -1020,9 +1350,9 @@
       </p:sp>
       <p:sp>
         <p:nvSpPr>
-          <p:cNvPr id="154" name="PlaceHolder 2"/>
+          <p:cNvPr id="157" name="PlaceHolder 2"/>
           <p:cNvSpPr>
-            <a:spLocks noGrp="1"/>
+            <a:spLocks noGrp="1" noRot="1" noChangeAspect="1"/>
           </p:cNvSpPr>
           <p:nvPr>
             <p:ph type="sldImg"/>
@@ -1040,7 +1370,7 @@
       </p:sp>
       <p:sp>
         <p:nvSpPr>
-          <p:cNvPr id="155" name="PlaceHolder 3"/>
+          <p:cNvPr id="158" name="PlaceHolder 3"/>
           <p:cNvSpPr>
             <a:spLocks noGrp="1"/>
           </p:cNvSpPr>
@@ -1058,11 +1388,12 @@
           </a:prstGeom>
         </p:spPr>
         <p:txBody>
-          <a:bodyPr lIns="0" rIns="0" tIns="0" bIns="0">
+          <a:bodyPr lIns="0" tIns="0" rIns="0" bIns="0">
             <a:noAutofit/>
           </a:bodyPr>
-          <a:p>
-            <a:endParaRPr b="0" lang="fr-FR" sz="2000" spc="-1" strike="noStrike">
+          <a:lstStyle/>
+          <a:p>
+            <a:endParaRPr lang="fr-FR" sz="2000" b="0" strike="noStrike" spc="-1">
               <a:latin typeface="Arial"/>
             </a:endParaRPr>
           </a:p>
@@ -1070,11 +1401,14 @@
       </p:sp>
     </p:spTree>
   </p:cSld>
+  <p:clrMapOvr>
+    <a:masterClrMapping/>
+  </p:clrMapOvr>
 </p:notes>
 </file>
 
-<file path=ppt/notesSlides/notesSlide3.xml><?xml version="1.0" encoding="utf-8"?>
-<p:notes xmlns:a="http://schemas.openxmlformats.org/drawingml/2006/main" xmlns:p="http://schemas.openxmlformats.org/presentationml/2006/main" xmlns:r="http://schemas.openxmlformats.org/officeDocument/2006/relationships" xmlns:p14="http://schemas.microsoft.com/office/powerpoint/2010/main" xmlns:p15="http://schemas.microsoft.com/office/powerpoint/2012/main" xmlns:mc="http://schemas.openxmlformats.org/markup-compatibility/2006">
+<file path=ppt/notesSlides/notesSlide4.xml><?xml version="1.0" encoding="utf-8"?>
+<p:notes xmlns:a="http://schemas.openxmlformats.org/drawingml/2006/main" xmlns:r="http://schemas.openxmlformats.org/officeDocument/2006/relationships" xmlns:p="http://schemas.openxmlformats.org/presentationml/2006/main">
   <p:cSld>
     <p:spTree>
       <p:nvGrpSpPr>
@@ -1092,7 +1426,7 @@
       </p:grpSpPr>
       <p:sp>
         <p:nvSpPr>
-          <p:cNvPr id="156" name="TextShape 1"/>
+          <p:cNvPr id="159" name="TextShape 1"/>
           <p:cNvSpPr txBox="1"/>
           <p:nvPr/>
         </p:nvSpPr>
@@ -1110,23 +1444,24 @@
           </a:ln>
         </p:spPr>
         <p:txBody>
-          <a:bodyPr lIns="0" rIns="0" tIns="0" bIns="0" anchor="b">
+          <a:bodyPr lIns="0" tIns="0" rIns="0" bIns="0" anchor="b">
             <a:noAutofit/>
           </a:bodyPr>
+          <a:lstStyle/>
           <a:p>
             <a:pPr algn="r">
               <a:lnSpc>
                 <a:spcPct val="100000"/>
               </a:lnSpc>
             </a:pPr>
-            <a:fld id="{160AF55E-1F93-4E29-B540-DB5822A418FB}" type="slidenum">
-              <a:rPr b="0" lang="fr-FR" sz="1400" spc="-1" strike="noStrike">
+            <a:fld id="{CDAAF760-E643-4FBC-8290-88249E915F0B}" type="slidenum">
+              <a:rPr lang="fr-FR" sz="1400" b="0" strike="noStrike" spc="-1">
                 <a:latin typeface="Times New Roman"/>
                 <a:ea typeface="DejaVu Sans"/>
               </a:rPr>
-              <a:t>1</a:t>
+              <a:t>4</a:t>
             </a:fld>
-            <a:endParaRPr b="0" lang="fr-FR" sz="1400" spc="-1" strike="noStrike">
+            <a:endParaRPr lang="fr-FR" sz="1400" b="0" strike="noStrike" spc="-1">
               <a:latin typeface="Times New Roman"/>
             </a:endParaRPr>
           </a:p>
@@ -1134,9 +1469,9 @@
       </p:sp>
       <p:sp>
         <p:nvSpPr>
-          <p:cNvPr id="157" name="PlaceHolder 2"/>
+          <p:cNvPr id="160" name="PlaceHolder 2"/>
           <p:cNvSpPr>
-            <a:spLocks noGrp="1"/>
+            <a:spLocks noGrp="1" noRot="1" noChangeAspect="1"/>
           </p:cNvSpPr>
           <p:nvPr>
             <p:ph type="sldImg"/>
@@ -1154,7 +1489,7 @@
       </p:sp>
       <p:sp>
         <p:nvSpPr>
-          <p:cNvPr id="158" name="PlaceHolder 3"/>
+          <p:cNvPr id="161" name="PlaceHolder 3"/>
           <p:cNvSpPr>
             <a:spLocks noGrp="1"/>
           </p:cNvSpPr>
@@ -1172,11 +1507,12 @@
           </a:prstGeom>
         </p:spPr>
         <p:txBody>
-          <a:bodyPr lIns="0" rIns="0" tIns="0" bIns="0">
+          <a:bodyPr lIns="0" tIns="0" rIns="0" bIns="0">
             <a:noAutofit/>
           </a:bodyPr>
-          <a:p>
-            <a:endParaRPr b="0" lang="fr-FR" sz="2000" spc="-1" strike="noStrike">
+          <a:lstStyle/>
+          <a:p>
+            <a:endParaRPr lang="fr-FR" sz="2000" b="0" strike="noStrike" spc="-1">
               <a:latin typeface="Arial"/>
             </a:endParaRPr>
           </a:p>
@@ -1184,11 +1520,14 @@
       </p:sp>
     </p:spTree>
   </p:cSld>
+  <p:clrMapOvr>
+    <a:masterClrMapping/>
+  </p:clrMapOvr>
 </p:notes>
 </file>
 
-<file path=ppt/notesSlides/notesSlide4.xml><?xml version="1.0" encoding="utf-8"?>
-<p:notes xmlns:a="http://schemas.openxmlformats.org/drawingml/2006/main" xmlns:p="http://schemas.openxmlformats.org/presentationml/2006/main" xmlns:r="http://schemas.openxmlformats.org/officeDocument/2006/relationships" xmlns:p14="http://schemas.microsoft.com/office/powerpoint/2010/main" xmlns:p15="http://schemas.microsoft.com/office/powerpoint/2012/main" xmlns:mc="http://schemas.openxmlformats.org/markup-compatibility/2006">
+<file path=ppt/notesSlides/notesSlide5.xml><?xml version="1.0" encoding="utf-8"?>
+<p:notes xmlns:a="http://schemas.openxmlformats.org/drawingml/2006/main" xmlns:r="http://schemas.openxmlformats.org/officeDocument/2006/relationships" xmlns:p="http://schemas.openxmlformats.org/presentationml/2006/main">
   <p:cSld>
     <p:spTree>
       <p:nvGrpSpPr>
@@ -1206,7 +1545,7 @@
       </p:grpSpPr>
       <p:sp>
         <p:nvSpPr>
-          <p:cNvPr id="159" name="TextShape 1"/>
+          <p:cNvPr id="162" name="TextShape 1"/>
           <p:cNvSpPr txBox="1"/>
           <p:nvPr/>
         </p:nvSpPr>
@@ -1224,23 +1563,24 @@
           </a:ln>
         </p:spPr>
         <p:txBody>
-          <a:bodyPr lIns="0" rIns="0" tIns="0" bIns="0" anchor="b">
+          <a:bodyPr lIns="0" tIns="0" rIns="0" bIns="0" anchor="b">
             <a:noAutofit/>
           </a:bodyPr>
+          <a:lstStyle/>
           <a:p>
             <a:pPr algn="r">
               <a:lnSpc>
                 <a:spcPct val="100000"/>
               </a:lnSpc>
             </a:pPr>
-            <a:fld id="{CDAAF760-E643-4FBC-8290-88249E915F0B}" type="slidenum">
-              <a:rPr b="0" lang="fr-FR" sz="1400" spc="-1" strike="noStrike">
+            <a:fld id="{6A4C81C6-CA98-4857-8EBA-D92B402E0114}" type="slidenum">
+              <a:rPr lang="fr-FR" sz="1400" b="0" strike="noStrike" spc="-1">
                 <a:latin typeface="Times New Roman"/>
                 <a:ea typeface="DejaVu Sans"/>
               </a:rPr>
-              <a:t>1</a:t>
+              <a:t>5</a:t>
             </a:fld>
-            <a:endParaRPr b="0" lang="fr-FR" sz="1400" spc="-1" strike="noStrike">
+            <a:endParaRPr lang="fr-FR" sz="1400" b="0" strike="noStrike" spc="-1">
               <a:latin typeface="Times New Roman"/>
             </a:endParaRPr>
           </a:p>
@@ -1248,9 +1588,9 @@
       </p:sp>
       <p:sp>
         <p:nvSpPr>
-          <p:cNvPr id="160" name="PlaceHolder 2"/>
+          <p:cNvPr id="163" name="PlaceHolder 2"/>
           <p:cNvSpPr>
-            <a:spLocks noGrp="1"/>
+            <a:spLocks noGrp="1" noRot="1" noChangeAspect="1"/>
           </p:cNvSpPr>
           <p:nvPr>
             <p:ph type="sldImg"/>
@@ -1268,7 +1608,7 @@
       </p:sp>
       <p:sp>
         <p:nvSpPr>
-          <p:cNvPr id="161" name="PlaceHolder 3"/>
+          <p:cNvPr id="164" name="PlaceHolder 3"/>
           <p:cNvSpPr>
             <a:spLocks noGrp="1"/>
           </p:cNvSpPr>
@@ -1286,11 +1626,12 @@
           </a:prstGeom>
         </p:spPr>
         <p:txBody>
-          <a:bodyPr lIns="0" rIns="0" tIns="0" bIns="0">
+          <a:bodyPr lIns="0" tIns="0" rIns="0" bIns="0">
             <a:noAutofit/>
           </a:bodyPr>
-          <a:p>
-            <a:endParaRPr b="0" lang="fr-FR" sz="2000" spc="-1" strike="noStrike">
+          <a:lstStyle/>
+          <a:p>
+            <a:endParaRPr lang="fr-FR" sz="2000" b="0" strike="noStrike" spc="-1">
               <a:latin typeface="Arial"/>
             </a:endParaRPr>
           </a:p>
@@ -1298,11 +1639,14 @@
       </p:sp>
     </p:spTree>
   </p:cSld>
+  <p:clrMapOvr>
+    <a:masterClrMapping/>
+  </p:clrMapOvr>
 </p:notes>
 </file>
 
-<file path=ppt/notesSlides/notesSlide5.xml><?xml version="1.0" encoding="utf-8"?>
-<p:notes xmlns:a="http://schemas.openxmlformats.org/drawingml/2006/main" xmlns:p="http://schemas.openxmlformats.org/presentationml/2006/main" xmlns:r="http://schemas.openxmlformats.org/officeDocument/2006/relationships" xmlns:p14="http://schemas.microsoft.com/office/powerpoint/2010/main" xmlns:p15="http://schemas.microsoft.com/office/powerpoint/2012/main" xmlns:mc="http://schemas.openxmlformats.org/markup-compatibility/2006">
+<file path=ppt/notesSlides/notesSlide6.xml><?xml version="1.0" encoding="utf-8"?>
+<p:notes xmlns:a="http://schemas.openxmlformats.org/drawingml/2006/main" xmlns:r="http://schemas.openxmlformats.org/officeDocument/2006/relationships" xmlns:p="http://schemas.openxmlformats.org/presentationml/2006/main">
   <p:cSld>
     <p:spTree>
       <p:nvGrpSpPr>
@@ -1320,7 +1664,7 @@
       </p:grpSpPr>
       <p:sp>
         <p:nvSpPr>
-          <p:cNvPr id="162" name="TextShape 1"/>
+          <p:cNvPr id="165" name="TextShape 1"/>
           <p:cNvSpPr txBox="1"/>
           <p:nvPr/>
         </p:nvSpPr>
@@ -1338,23 +1682,24 @@
           </a:ln>
         </p:spPr>
         <p:txBody>
-          <a:bodyPr lIns="0" rIns="0" tIns="0" bIns="0" anchor="b">
+          <a:bodyPr lIns="0" tIns="0" rIns="0" bIns="0" anchor="b">
             <a:noAutofit/>
           </a:bodyPr>
+          <a:lstStyle/>
           <a:p>
             <a:pPr algn="r">
               <a:lnSpc>
                 <a:spcPct val="100000"/>
               </a:lnSpc>
             </a:pPr>
-            <a:fld id="{6A4C81C6-CA98-4857-8EBA-D92B402E0114}" type="slidenum">
-              <a:rPr b="0" lang="fr-FR" sz="1400" spc="-1" strike="noStrike">
+            <a:fld id="{22529A58-D037-40EC-8597-1DAAB94C2DA9}" type="slidenum">
+              <a:rPr lang="fr-FR" sz="1400" b="0" strike="noStrike" spc="-1">
                 <a:latin typeface="Times New Roman"/>
                 <a:ea typeface="DejaVu Sans"/>
               </a:rPr>
-              <a:t>1</a:t>
+              <a:t>6</a:t>
             </a:fld>
-            <a:endParaRPr b="0" lang="fr-FR" sz="1400" spc="-1" strike="noStrike">
+            <a:endParaRPr lang="fr-FR" sz="1400" b="0" strike="noStrike" spc="-1">
               <a:latin typeface="Times New Roman"/>
             </a:endParaRPr>
           </a:p>
@@ -1362,9 +1707,9 @@
       </p:sp>
       <p:sp>
         <p:nvSpPr>
-          <p:cNvPr id="163" name="PlaceHolder 2"/>
+          <p:cNvPr id="166" name="PlaceHolder 2"/>
           <p:cNvSpPr>
-            <a:spLocks noGrp="1"/>
+            <a:spLocks noGrp="1" noRot="1" noChangeAspect="1"/>
           </p:cNvSpPr>
           <p:nvPr>
             <p:ph type="sldImg"/>
@@ -1382,7 +1727,7 @@
       </p:sp>
       <p:sp>
         <p:nvSpPr>
-          <p:cNvPr id="164" name="PlaceHolder 3"/>
+          <p:cNvPr id="167" name="PlaceHolder 3"/>
           <p:cNvSpPr>
             <a:spLocks noGrp="1"/>
           </p:cNvSpPr>
@@ -1400,11 +1745,12 @@
           </a:prstGeom>
         </p:spPr>
         <p:txBody>
-          <a:bodyPr lIns="0" rIns="0" tIns="0" bIns="0">
+          <a:bodyPr lIns="0" tIns="0" rIns="0" bIns="0">
             <a:noAutofit/>
           </a:bodyPr>
-          <a:p>
-            <a:endParaRPr b="0" lang="fr-FR" sz="2000" spc="-1" strike="noStrike">
+          <a:lstStyle/>
+          <a:p>
+            <a:endParaRPr lang="fr-FR" sz="2000" b="0" strike="noStrike" spc="-1">
               <a:latin typeface="Arial"/>
             </a:endParaRPr>
           </a:p>
@@ -1412,11 +1758,14 @@
       </p:sp>
     </p:spTree>
   </p:cSld>
+  <p:clrMapOvr>
+    <a:masterClrMapping/>
+  </p:clrMapOvr>
 </p:notes>
 </file>
 
-<file path=ppt/notesSlides/notesSlide6.xml><?xml version="1.0" encoding="utf-8"?>
-<p:notes xmlns:a="http://schemas.openxmlformats.org/drawingml/2006/main" xmlns:p="http://schemas.openxmlformats.org/presentationml/2006/main" xmlns:r="http://schemas.openxmlformats.org/officeDocument/2006/relationships" xmlns:p14="http://schemas.microsoft.com/office/powerpoint/2010/main" xmlns:p15="http://schemas.microsoft.com/office/powerpoint/2012/main" xmlns:mc="http://schemas.openxmlformats.org/markup-compatibility/2006">
+<file path=ppt/notesSlides/notesSlide7.xml><?xml version="1.0" encoding="utf-8"?>
+<p:notes xmlns:a="http://schemas.openxmlformats.org/drawingml/2006/main" xmlns:r="http://schemas.openxmlformats.org/officeDocument/2006/relationships" xmlns:p="http://schemas.openxmlformats.org/presentationml/2006/main">
   <p:cSld>
     <p:spTree>
       <p:nvGrpSpPr>
@@ -1434,7 +1783,7 @@
       </p:grpSpPr>
       <p:sp>
         <p:nvSpPr>
-          <p:cNvPr id="165" name="TextShape 1"/>
+          <p:cNvPr id="168" name="TextShape 1"/>
           <p:cNvSpPr txBox="1"/>
           <p:nvPr/>
         </p:nvSpPr>
@@ -1452,23 +1801,24 @@
           </a:ln>
         </p:spPr>
         <p:txBody>
-          <a:bodyPr lIns="0" rIns="0" tIns="0" bIns="0" anchor="b">
+          <a:bodyPr lIns="0" tIns="0" rIns="0" bIns="0" anchor="b">
             <a:noAutofit/>
           </a:bodyPr>
+          <a:lstStyle/>
           <a:p>
             <a:pPr algn="r">
               <a:lnSpc>
                 <a:spcPct val="100000"/>
               </a:lnSpc>
             </a:pPr>
-            <a:fld id="{22529A58-D037-40EC-8597-1DAAB94C2DA9}" type="slidenum">
-              <a:rPr b="0" lang="fr-FR" sz="1400" spc="-1" strike="noStrike">
+            <a:fld id="{2A4789C9-8CFD-4B88-BACC-81E7C3B1D796}" type="slidenum">
+              <a:rPr lang="fr-FR" sz="1400" b="0" strike="noStrike" spc="-1">
                 <a:latin typeface="Times New Roman"/>
                 <a:ea typeface="DejaVu Sans"/>
               </a:rPr>
-              <a:t>1</a:t>
+              <a:t>7</a:t>
             </a:fld>
-            <a:endParaRPr b="0" lang="fr-FR" sz="1400" spc="-1" strike="noStrike">
+            <a:endParaRPr lang="fr-FR" sz="1400" b="0" strike="noStrike" spc="-1">
               <a:latin typeface="Times New Roman"/>
             </a:endParaRPr>
           </a:p>
@@ -1476,9 +1826,9 @@
       </p:sp>
       <p:sp>
         <p:nvSpPr>
-          <p:cNvPr id="166" name="PlaceHolder 2"/>
+          <p:cNvPr id="169" name="PlaceHolder 2"/>
           <p:cNvSpPr>
-            <a:spLocks noGrp="1"/>
+            <a:spLocks noGrp="1" noRot="1" noChangeAspect="1"/>
           </p:cNvSpPr>
           <p:nvPr>
             <p:ph type="sldImg"/>
@@ -1496,7 +1846,7 @@
       </p:sp>
       <p:sp>
         <p:nvSpPr>
-          <p:cNvPr id="167" name="PlaceHolder 3"/>
+          <p:cNvPr id="170" name="PlaceHolder 3"/>
           <p:cNvSpPr>
             <a:spLocks noGrp="1"/>
           </p:cNvSpPr>
@@ -1514,11 +1864,12 @@
           </a:prstGeom>
         </p:spPr>
         <p:txBody>
-          <a:bodyPr lIns="0" rIns="0" tIns="0" bIns="0">
+          <a:bodyPr lIns="0" tIns="0" rIns="0" bIns="0">
             <a:noAutofit/>
           </a:bodyPr>
-          <a:p>
-            <a:endParaRPr b="0" lang="fr-FR" sz="2000" spc="-1" strike="noStrike">
+          <a:lstStyle/>
+          <a:p>
+            <a:endParaRPr lang="fr-FR" sz="2000" b="0" strike="noStrike" spc="-1">
               <a:latin typeface="Arial"/>
             </a:endParaRPr>
           </a:p>
@@ -1526,11 +1877,14 @@
       </p:sp>
     </p:spTree>
   </p:cSld>
+  <p:clrMapOvr>
+    <a:masterClrMapping/>
+  </p:clrMapOvr>
 </p:notes>
 </file>
 
-<file path=ppt/notesSlides/notesSlide7.xml><?xml version="1.0" encoding="utf-8"?>
-<p:notes xmlns:a="http://schemas.openxmlformats.org/drawingml/2006/main" xmlns:p="http://schemas.openxmlformats.org/presentationml/2006/main" xmlns:r="http://schemas.openxmlformats.org/officeDocument/2006/relationships" xmlns:p14="http://schemas.microsoft.com/office/powerpoint/2010/main" xmlns:p15="http://schemas.microsoft.com/office/powerpoint/2012/main" xmlns:mc="http://schemas.openxmlformats.org/markup-compatibility/2006">
+<file path=ppt/notesSlides/notesSlide8.xml><?xml version="1.0" encoding="utf-8"?>
+<p:notes xmlns:a="http://schemas.openxmlformats.org/drawingml/2006/main" xmlns:r="http://schemas.openxmlformats.org/officeDocument/2006/relationships" xmlns:p="http://schemas.openxmlformats.org/presentationml/2006/main">
   <p:cSld>
     <p:spTree>
       <p:nvGrpSpPr>
@@ -1548,7 +1902,7 @@
       </p:grpSpPr>
       <p:sp>
         <p:nvSpPr>
-          <p:cNvPr id="168" name="TextShape 1"/>
+          <p:cNvPr id="171" name="TextShape 1"/>
           <p:cNvSpPr txBox="1"/>
           <p:nvPr/>
         </p:nvSpPr>
@@ -1566,23 +1920,24 @@
           </a:ln>
         </p:spPr>
         <p:txBody>
-          <a:bodyPr lIns="0" rIns="0" tIns="0" bIns="0" anchor="b">
+          <a:bodyPr lIns="0" tIns="0" rIns="0" bIns="0" anchor="b">
             <a:noAutofit/>
           </a:bodyPr>
+          <a:lstStyle/>
           <a:p>
             <a:pPr algn="r">
               <a:lnSpc>
                 <a:spcPct val="100000"/>
               </a:lnSpc>
             </a:pPr>
-            <a:fld id="{2A4789C9-8CFD-4B88-BACC-81E7C3B1D796}" type="slidenum">
-              <a:rPr b="0" lang="fr-FR" sz="1400" spc="-1" strike="noStrike">
+            <a:fld id="{4B127CC2-087C-409E-8A9A-411E7A35765B}" type="slidenum">
+              <a:rPr lang="fr-FR" sz="1400" b="0" strike="noStrike" spc="-1">
                 <a:latin typeface="Times New Roman"/>
                 <a:ea typeface="DejaVu Sans"/>
               </a:rPr>
-              <a:t>1</a:t>
+              <a:t>8</a:t>
             </a:fld>
-            <a:endParaRPr b="0" lang="fr-FR" sz="1400" spc="-1" strike="noStrike">
+            <a:endParaRPr lang="fr-FR" sz="1400" b="0" strike="noStrike" spc="-1">
               <a:latin typeface="Times New Roman"/>
             </a:endParaRPr>
           </a:p>
@@ -1590,9 +1945,9 @@
       </p:sp>
       <p:sp>
         <p:nvSpPr>
-          <p:cNvPr id="169" name="PlaceHolder 2"/>
+          <p:cNvPr id="172" name="PlaceHolder 2"/>
           <p:cNvSpPr>
-            <a:spLocks noGrp="1"/>
+            <a:spLocks noGrp="1" noRot="1" noChangeAspect="1"/>
           </p:cNvSpPr>
           <p:nvPr>
             <p:ph type="sldImg"/>
@@ -1610,7 +1965,7 @@
       </p:sp>
       <p:sp>
         <p:nvSpPr>
-          <p:cNvPr id="170" name="PlaceHolder 3"/>
+          <p:cNvPr id="173" name="PlaceHolder 3"/>
           <p:cNvSpPr>
             <a:spLocks noGrp="1"/>
           </p:cNvSpPr>
@@ -1628,11 +1983,12 @@
           </a:prstGeom>
         </p:spPr>
         <p:txBody>
-          <a:bodyPr lIns="0" rIns="0" tIns="0" bIns="0">
+          <a:bodyPr lIns="0" tIns="0" rIns="0" bIns="0">
             <a:noAutofit/>
           </a:bodyPr>
-          <a:p>
-            <a:endParaRPr b="0" lang="fr-FR" sz="2000" spc="-1" strike="noStrike">
+          <a:lstStyle/>
+          <a:p>
+            <a:endParaRPr lang="fr-FR" sz="2000" b="0" strike="noStrike" spc="-1">
               <a:latin typeface="Arial"/>
             </a:endParaRPr>
           </a:p>
@@ -1640,11 +1996,14 @@
       </p:sp>
     </p:spTree>
   </p:cSld>
+  <p:clrMapOvr>
+    <a:masterClrMapping/>
+  </p:clrMapOvr>
 </p:notes>
 </file>
 
-<file path=ppt/notesSlides/notesSlide8.xml><?xml version="1.0" encoding="utf-8"?>
-<p:notes xmlns:a="http://schemas.openxmlformats.org/drawingml/2006/main" xmlns:p="http://schemas.openxmlformats.org/presentationml/2006/main" xmlns:r="http://schemas.openxmlformats.org/officeDocument/2006/relationships" xmlns:p14="http://schemas.microsoft.com/office/powerpoint/2010/main" xmlns:p15="http://schemas.microsoft.com/office/powerpoint/2012/main" xmlns:mc="http://schemas.openxmlformats.org/markup-compatibility/2006">
+<file path=ppt/notesSlides/notesSlide9.xml><?xml version="1.0" encoding="utf-8"?>
+<p:notes xmlns:a="http://schemas.openxmlformats.org/drawingml/2006/main" xmlns:r="http://schemas.openxmlformats.org/officeDocument/2006/relationships" xmlns:p="http://schemas.openxmlformats.org/presentationml/2006/main">
   <p:cSld>
     <p:spTree>
       <p:nvGrpSpPr>
@@ -1662,7 +2021,7 @@
       </p:grpSpPr>
       <p:sp>
         <p:nvSpPr>
-          <p:cNvPr id="171" name="TextShape 1"/>
+          <p:cNvPr id="174" name="TextShape 1"/>
           <p:cNvSpPr txBox="1"/>
           <p:nvPr/>
         </p:nvSpPr>
@@ -1680,137 +2039,24 @@
           </a:ln>
         </p:spPr>
         <p:txBody>
-          <a:bodyPr lIns="0" rIns="0" tIns="0" bIns="0" anchor="b">
+          <a:bodyPr lIns="0" tIns="0" rIns="0" bIns="0" anchor="b">
             <a:noAutofit/>
           </a:bodyPr>
+          <a:lstStyle/>
           <a:p>
             <a:pPr algn="r">
               <a:lnSpc>
                 <a:spcPct val="100000"/>
               </a:lnSpc>
             </a:pPr>
-            <a:fld id="{4B127CC2-087C-409E-8A9A-411E7A35765B}" type="slidenum">
-              <a:rPr b="0" lang="fr-FR" sz="1400" spc="-1" strike="noStrike">
+            <a:fld id="{D9559799-F9A1-4D68-AC24-36F43CC47F11}" type="slidenum">
+              <a:rPr lang="fr-FR" sz="1400" b="0" strike="noStrike" spc="-1">
                 <a:latin typeface="Times New Roman"/>
                 <a:ea typeface="DejaVu Sans"/>
               </a:rPr>
-              <a:t>1</a:t>
+              <a:t>9</a:t>
             </a:fld>
-            <a:endParaRPr b="0" lang="fr-FR" sz="1400" spc="-1" strike="noStrike">
-              <a:latin typeface="Times New Roman"/>
-            </a:endParaRPr>
-          </a:p>
-        </p:txBody>
-      </p:sp>
-      <p:sp>
-        <p:nvSpPr>
-          <p:cNvPr id="172" name="PlaceHolder 2"/>
-          <p:cNvSpPr>
-            <a:spLocks noGrp="1"/>
-          </p:cNvSpPr>
-          <p:nvPr>
-            <p:ph type="sldImg"/>
-          </p:nvPr>
-        </p:nvSpPr>
-        <p:spPr>
-          <a:xfrm>
-            <a:off x="217440" y="812880"/>
-            <a:ext cx="7124400" cy="4008240"/>
-          </a:xfrm>
-          <a:prstGeom prst="rect">
-            <a:avLst/>
-          </a:prstGeom>
-        </p:spPr>
-      </p:sp>
-      <p:sp>
-        <p:nvSpPr>
-          <p:cNvPr id="173" name="PlaceHolder 3"/>
-          <p:cNvSpPr>
-            <a:spLocks noGrp="1"/>
-          </p:cNvSpPr>
-          <p:nvPr>
-            <p:ph type="body"/>
-          </p:nvPr>
-        </p:nvSpPr>
-        <p:spPr>
-          <a:xfrm>
-            <a:off x="756000" y="5078520"/>
-            <a:ext cx="6047280" cy="4810680"/>
-          </a:xfrm>
-          <a:prstGeom prst="rect">
-            <a:avLst/>
-          </a:prstGeom>
-        </p:spPr>
-        <p:txBody>
-          <a:bodyPr lIns="0" rIns="0" tIns="0" bIns="0">
-            <a:noAutofit/>
-          </a:bodyPr>
-          <a:p>
-            <a:endParaRPr b="0" lang="fr-FR" sz="2000" spc="-1" strike="noStrike">
-              <a:latin typeface="Arial"/>
-            </a:endParaRPr>
-          </a:p>
-        </p:txBody>
-      </p:sp>
-    </p:spTree>
-  </p:cSld>
-</p:notes>
-</file>
-
-<file path=ppt/notesSlides/notesSlide9.xml><?xml version="1.0" encoding="utf-8"?>
-<p:notes xmlns:a="http://schemas.openxmlformats.org/drawingml/2006/main" xmlns:p="http://schemas.openxmlformats.org/presentationml/2006/main" xmlns:r="http://schemas.openxmlformats.org/officeDocument/2006/relationships" xmlns:p14="http://schemas.microsoft.com/office/powerpoint/2010/main" xmlns:p15="http://schemas.microsoft.com/office/powerpoint/2012/main" xmlns:mc="http://schemas.openxmlformats.org/markup-compatibility/2006">
-  <p:cSld>
-    <p:spTree>
-      <p:nvGrpSpPr>
-        <p:cNvPr id="1" name=""/>
-        <p:cNvGrpSpPr/>
-        <p:nvPr/>
-      </p:nvGrpSpPr>
-      <p:grpSpPr>
-        <a:xfrm>
-          <a:off x="0" y="0"/>
-          <a:ext cx="0" cy="0"/>
-          <a:chOff x="0" y="0"/>
-          <a:chExt cx="0" cy="0"/>
-        </a:xfrm>
-      </p:grpSpPr>
-      <p:sp>
-        <p:nvSpPr>
-          <p:cNvPr id="174" name="TextShape 1"/>
-          <p:cNvSpPr txBox="1"/>
-          <p:nvPr/>
-        </p:nvSpPr>
-        <p:spPr>
-          <a:xfrm>
-            <a:off x="4278960" y="10157400"/>
-            <a:ext cx="3280320" cy="533880"/>
-          </a:xfrm>
-          <a:prstGeom prst="rect">
-            <a:avLst/>
-          </a:prstGeom>
-          <a:noFill/>
-          <a:ln>
-            <a:noFill/>
-          </a:ln>
-        </p:spPr>
-        <p:txBody>
-          <a:bodyPr lIns="0" rIns="0" tIns="0" bIns="0" anchor="b">
-            <a:noAutofit/>
-          </a:bodyPr>
-          <a:p>
-            <a:pPr algn="r">
-              <a:lnSpc>
-                <a:spcPct val="100000"/>
-              </a:lnSpc>
-            </a:pPr>
-            <a:fld id="{D9559799-F9A1-4D68-AC24-36F43CC47F11}" type="slidenum">
-              <a:rPr b="0" lang="fr-FR" sz="1400" spc="-1" strike="noStrike">
-                <a:latin typeface="Times New Roman"/>
-                <a:ea typeface="DejaVu Sans"/>
-              </a:rPr>
-              <a:t>1</a:t>
-            </a:fld>
-            <a:endParaRPr b="0" lang="fr-FR" sz="1400" spc="-1" strike="noStrike">
+            <a:endParaRPr lang="fr-FR" sz="1400" b="0" strike="noStrike" spc="-1">
               <a:latin typeface="Times New Roman"/>
             </a:endParaRPr>
           </a:p>
@@ -1820,7 +2066,7 @@
         <p:nvSpPr>
           <p:cNvPr id="175" name="PlaceHolder 2"/>
           <p:cNvSpPr>
-            <a:spLocks noGrp="1"/>
+            <a:spLocks noGrp="1" noRot="1" noChangeAspect="1"/>
           </p:cNvSpPr>
           <p:nvPr>
             <p:ph type="sldImg"/>
@@ -1856,11 +2102,12 @@
           </a:prstGeom>
         </p:spPr>
         <p:txBody>
-          <a:bodyPr lIns="0" rIns="0" tIns="0" bIns="0">
+          <a:bodyPr lIns="0" tIns="0" rIns="0" bIns="0">
             <a:noAutofit/>
           </a:bodyPr>
-          <a:p>
-            <a:endParaRPr b="0" lang="fr-FR" sz="2000" spc="-1" strike="noStrike">
+          <a:lstStyle/>
+          <a:p>
+            <a:endParaRPr lang="fr-FR" sz="2000" b="0" strike="noStrike" spc="-1">
               <a:latin typeface="Arial"/>
             </a:endParaRPr>
           </a:p>
@@ -1868,11 +2115,14 @@
       </p:sp>
     </p:spTree>
   </p:cSld>
+  <p:clrMapOvr>
+    <a:masterClrMapping/>
+  </p:clrMapOvr>
 </p:notes>
 </file>
 
 <file path=ppt/slideLayouts/slideLayout1.xml><?xml version="1.0" encoding="utf-8"?>
-<p:sldLayout xmlns:a="http://schemas.openxmlformats.org/drawingml/2006/main" xmlns:p="http://schemas.openxmlformats.org/presentationml/2006/main" xmlns:r="http://schemas.openxmlformats.org/officeDocument/2006/relationships" xmlns:p14="http://schemas.microsoft.com/office/powerpoint/2010/main" xmlns:p15="http://schemas.microsoft.com/office/powerpoint/2012/main" xmlns:mc="http://schemas.openxmlformats.org/markup-compatibility/2006" type="blank" preserve="1">
+<p:sldLayout xmlns:a="http://schemas.openxmlformats.org/drawingml/2006/main" xmlns:r="http://schemas.openxmlformats.org/officeDocument/2006/relationships" xmlns:p="http://schemas.openxmlformats.org/presentationml/2006/main" type="blank" preserve="1">
   <p:cSld name="Blank Slide">
     <p:spTree>
       <p:nvGrpSpPr>
@@ -1890,11 +2140,14 @@
       </p:grpSpPr>
     </p:spTree>
   </p:cSld>
+  <p:clrMapOvr>
+    <a:masterClrMapping/>
+  </p:clrMapOvr>
 </p:sldLayout>
 </file>
 
 <file path=ppt/slideLayouts/slideLayout10.xml><?xml version="1.0" encoding="utf-8"?>
-<p:sldLayout xmlns:a="http://schemas.openxmlformats.org/drawingml/2006/main" xmlns:p="http://schemas.openxmlformats.org/presentationml/2006/main" xmlns:r="http://schemas.openxmlformats.org/officeDocument/2006/relationships" xmlns:p14="http://schemas.microsoft.com/office/powerpoint/2010/main" xmlns:p15="http://schemas.microsoft.com/office/powerpoint/2012/main" xmlns:mc="http://schemas.openxmlformats.org/markup-compatibility/2006" type="objOverTx" preserve="1">
+<p:sldLayout xmlns:a="http://schemas.openxmlformats.org/drawingml/2006/main" xmlns:r="http://schemas.openxmlformats.org/officeDocument/2006/relationships" xmlns:p="http://schemas.openxmlformats.org/presentationml/2006/main" type="objOverTx" preserve="1">
   <p:cSld name="Title, Content over Content">
     <p:spTree>
       <p:nvGrpSpPr>
@@ -1930,13 +2183,14 @@
           </a:prstGeom>
         </p:spPr>
         <p:txBody>
-          <a:bodyPr lIns="0" rIns="0" tIns="0" bIns="0" anchor="ctr">
+          <a:bodyPr lIns="0" tIns="0" rIns="0" bIns="0" anchor="ctr">
             <a:noAutofit/>
           </a:bodyPr>
-          <a:p>
-            <a:endParaRPr b="0" lang="en-US" sz="1800" spc="-1" strike="noStrike">
+          <a:lstStyle/>
+          <a:p>
+            <a:endParaRPr lang="en-US" sz="1800" b="0" strike="noStrike" spc="-1">
               <a:solidFill>
-                <a:srgbClr val="ffffff"/>
+                <a:srgbClr val="FFFFFF"/>
               </a:solidFill>
               <a:latin typeface="Tw Cen MT"/>
             </a:endParaRPr>
@@ -1963,13 +2217,14 @@
           </a:prstGeom>
         </p:spPr>
         <p:txBody>
-          <a:bodyPr lIns="0" rIns="0" tIns="0" bIns="0">
+          <a:bodyPr lIns="0" tIns="0" rIns="0" bIns="0">
             <a:normAutofit/>
           </a:bodyPr>
-          <a:p>
-            <a:endParaRPr b="0" lang="en-US" sz="1990" spc="-1" strike="noStrike">
+          <a:lstStyle/>
+          <a:p>
+            <a:endParaRPr lang="en-US" sz="1990" b="0" strike="noStrike" spc="-1">
               <a:solidFill>
-                <a:srgbClr val="ffffff"/>
+                <a:srgbClr val="FFFFFF"/>
               </a:solidFill>
               <a:latin typeface="Tw Cen MT"/>
             </a:endParaRPr>
@@ -1996,13 +2251,14 @@
           </a:prstGeom>
         </p:spPr>
         <p:txBody>
-          <a:bodyPr lIns="0" rIns="0" tIns="0" bIns="0">
+          <a:bodyPr lIns="0" tIns="0" rIns="0" bIns="0">
             <a:normAutofit/>
           </a:bodyPr>
-          <a:p>
-            <a:endParaRPr b="0" lang="en-US" sz="1990" spc="-1" strike="noStrike">
+          <a:lstStyle/>
+          <a:p>
+            <a:endParaRPr lang="en-US" sz="1990" b="0" strike="noStrike" spc="-1">
               <a:solidFill>
-                <a:srgbClr val="ffffff"/>
+                <a:srgbClr val="FFFFFF"/>
               </a:solidFill>
               <a:latin typeface="Tw Cen MT"/>
             </a:endParaRPr>
@@ -2011,11 +2267,14 @@
       </p:sp>
     </p:spTree>
   </p:cSld>
+  <p:clrMapOvr>
+    <a:masterClrMapping/>
+  </p:clrMapOvr>
 </p:sldLayout>
 </file>
 
 <file path=ppt/slideLayouts/slideLayout11.xml><?xml version="1.0" encoding="utf-8"?>
-<p:sldLayout xmlns:a="http://schemas.openxmlformats.org/drawingml/2006/main" xmlns:p="http://schemas.openxmlformats.org/presentationml/2006/main" xmlns:r="http://schemas.openxmlformats.org/officeDocument/2006/relationships" xmlns:p14="http://schemas.microsoft.com/office/powerpoint/2010/main" xmlns:p15="http://schemas.microsoft.com/office/powerpoint/2012/main" xmlns:mc="http://schemas.openxmlformats.org/markup-compatibility/2006" type="fourObj" preserve="1">
+<p:sldLayout xmlns:a="http://schemas.openxmlformats.org/drawingml/2006/main" xmlns:r="http://schemas.openxmlformats.org/officeDocument/2006/relationships" xmlns:p="http://schemas.openxmlformats.org/presentationml/2006/main" type="fourObj" preserve="1">
   <p:cSld name="Title, 4 Content">
     <p:spTree>
       <p:nvGrpSpPr>
@@ -2051,13 +2310,14 @@
           </a:prstGeom>
         </p:spPr>
         <p:txBody>
-          <a:bodyPr lIns="0" rIns="0" tIns="0" bIns="0" anchor="ctr">
+          <a:bodyPr lIns="0" tIns="0" rIns="0" bIns="0" anchor="ctr">
             <a:noAutofit/>
           </a:bodyPr>
-          <a:p>
-            <a:endParaRPr b="0" lang="en-US" sz="1800" spc="-1" strike="noStrike">
+          <a:lstStyle/>
+          <a:p>
+            <a:endParaRPr lang="en-US" sz="1800" b="0" strike="noStrike" spc="-1">
               <a:solidFill>
-                <a:srgbClr val="ffffff"/>
+                <a:srgbClr val="FFFFFF"/>
               </a:solidFill>
               <a:latin typeface="Tw Cen MT"/>
             </a:endParaRPr>
@@ -2084,13 +2344,14 @@
           </a:prstGeom>
         </p:spPr>
         <p:txBody>
-          <a:bodyPr lIns="0" rIns="0" tIns="0" bIns="0">
+          <a:bodyPr lIns="0" tIns="0" rIns="0" bIns="0">
             <a:normAutofit/>
           </a:bodyPr>
-          <a:p>
-            <a:endParaRPr b="0" lang="en-US" sz="1990" spc="-1" strike="noStrike">
+          <a:lstStyle/>
+          <a:p>
+            <a:endParaRPr lang="en-US" sz="1990" b="0" strike="noStrike" spc="-1">
               <a:solidFill>
-                <a:srgbClr val="ffffff"/>
+                <a:srgbClr val="FFFFFF"/>
               </a:solidFill>
               <a:latin typeface="Tw Cen MT"/>
             </a:endParaRPr>
@@ -2117,13 +2378,14 @@
           </a:prstGeom>
         </p:spPr>
         <p:txBody>
-          <a:bodyPr lIns="0" rIns="0" tIns="0" bIns="0">
+          <a:bodyPr lIns="0" tIns="0" rIns="0" bIns="0">
             <a:normAutofit/>
           </a:bodyPr>
-          <a:p>
-            <a:endParaRPr b="0" lang="en-US" sz="1990" spc="-1" strike="noStrike">
+          <a:lstStyle/>
+          <a:p>
+            <a:endParaRPr lang="en-US" sz="1990" b="0" strike="noStrike" spc="-1">
               <a:solidFill>
-                <a:srgbClr val="ffffff"/>
+                <a:srgbClr val="FFFFFF"/>
               </a:solidFill>
               <a:latin typeface="Tw Cen MT"/>
             </a:endParaRPr>
@@ -2150,13 +2412,14 @@
           </a:prstGeom>
         </p:spPr>
         <p:txBody>
-          <a:bodyPr lIns="0" rIns="0" tIns="0" bIns="0">
+          <a:bodyPr lIns="0" tIns="0" rIns="0" bIns="0">
             <a:normAutofit/>
           </a:bodyPr>
-          <a:p>
-            <a:endParaRPr b="0" lang="en-US" sz="1990" spc="-1" strike="noStrike">
+          <a:lstStyle/>
+          <a:p>
+            <a:endParaRPr lang="en-US" sz="1990" b="0" strike="noStrike" spc="-1">
               <a:solidFill>
-                <a:srgbClr val="ffffff"/>
+                <a:srgbClr val="FFFFFF"/>
               </a:solidFill>
               <a:latin typeface="Tw Cen MT"/>
             </a:endParaRPr>
@@ -2183,13 +2446,14 @@
           </a:prstGeom>
         </p:spPr>
         <p:txBody>
-          <a:bodyPr lIns="0" rIns="0" tIns="0" bIns="0">
+          <a:bodyPr lIns="0" tIns="0" rIns="0" bIns="0">
             <a:normAutofit/>
           </a:bodyPr>
-          <a:p>
-            <a:endParaRPr b="0" lang="en-US" sz="1990" spc="-1" strike="noStrike">
+          <a:lstStyle/>
+          <a:p>
+            <a:endParaRPr lang="en-US" sz="1990" b="0" strike="noStrike" spc="-1">
               <a:solidFill>
-                <a:srgbClr val="ffffff"/>
+                <a:srgbClr val="FFFFFF"/>
               </a:solidFill>
               <a:latin typeface="Tw Cen MT"/>
             </a:endParaRPr>
@@ -2198,11 +2462,14 @@
       </p:sp>
     </p:spTree>
   </p:cSld>
+  <p:clrMapOvr>
+    <a:masterClrMapping/>
+  </p:clrMapOvr>
 </p:sldLayout>
 </file>
 
 <file path=ppt/slideLayouts/slideLayout12.xml><?xml version="1.0" encoding="utf-8"?>
-<p:sldLayout xmlns:a="http://schemas.openxmlformats.org/drawingml/2006/main" xmlns:p="http://schemas.openxmlformats.org/presentationml/2006/main" xmlns:r="http://schemas.openxmlformats.org/officeDocument/2006/relationships" xmlns:p14="http://schemas.microsoft.com/office/powerpoint/2010/main" xmlns:p15="http://schemas.microsoft.com/office/powerpoint/2012/main" xmlns:mc="http://schemas.openxmlformats.org/markup-compatibility/2006" type="blank" preserve="1">
+<p:sldLayout xmlns:a="http://schemas.openxmlformats.org/drawingml/2006/main" xmlns:r="http://schemas.openxmlformats.org/officeDocument/2006/relationships" xmlns:p="http://schemas.openxmlformats.org/presentationml/2006/main" type="blank" preserve="1">
   <p:cSld name="Title, 6 Content">
     <p:spTree>
       <p:nvGrpSpPr>
@@ -2238,13 +2505,14 @@
           </a:prstGeom>
         </p:spPr>
         <p:txBody>
-          <a:bodyPr lIns="0" rIns="0" tIns="0" bIns="0" anchor="ctr">
+          <a:bodyPr lIns="0" tIns="0" rIns="0" bIns="0" anchor="ctr">
             <a:noAutofit/>
           </a:bodyPr>
-          <a:p>
-            <a:endParaRPr b="0" lang="en-US" sz="1800" spc="-1" strike="noStrike">
+          <a:lstStyle/>
+          <a:p>
+            <a:endParaRPr lang="en-US" sz="1800" b="0" strike="noStrike" spc="-1">
               <a:solidFill>
-                <a:srgbClr val="ffffff"/>
+                <a:srgbClr val="FFFFFF"/>
               </a:solidFill>
               <a:latin typeface="Tw Cen MT"/>
             </a:endParaRPr>
@@ -2271,13 +2539,14 @@
           </a:prstGeom>
         </p:spPr>
         <p:txBody>
-          <a:bodyPr lIns="0" rIns="0" tIns="0" bIns="0">
+          <a:bodyPr lIns="0" tIns="0" rIns="0" bIns="0">
             <a:normAutofit/>
           </a:bodyPr>
-          <a:p>
-            <a:endParaRPr b="0" lang="en-US" sz="1990" spc="-1" strike="noStrike">
+          <a:lstStyle/>
+          <a:p>
+            <a:endParaRPr lang="en-US" sz="1990" b="0" strike="noStrike" spc="-1">
               <a:solidFill>
-                <a:srgbClr val="ffffff"/>
+                <a:srgbClr val="FFFFFF"/>
               </a:solidFill>
               <a:latin typeface="Tw Cen MT"/>
             </a:endParaRPr>
@@ -2304,13 +2573,14 @@
           </a:prstGeom>
         </p:spPr>
         <p:txBody>
-          <a:bodyPr lIns="0" rIns="0" tIns="0" bIns="0">
+          <a:bodyPr lIns="0" tIns="0" rIns="0" bIns="0">
             <a:normAutofit/>
           </a:bodyPr>
-          <a:p>
-            <a:endParaRPr b="0" lang="en-US" sz="1990" spc="-1" strike="noStrike">
+          <a:lstStyle/>
+          <a:p>
+            <a:endParaRPr lang="en-US" sz="1990" b="0" strike="noStrike" spc="-1">
               <a:solidFill>
-                <a:srgbClr val="ffffff"/>
+                <a:srgbClr val="FFFFFF"/>
               </a:solidFill>
               <a:latin typeface="Tw Cen MT"/>
             </a:endParaRPr>
@@ -2337,13 +2607,14 @@
           </a:prstGeom>
         </p:spPr>
         <p:txBody>
-          <a:bodyPr lIns="0" rIns="0" tIns="0" bIns="0">
+          <a:bodyPr lIns="0" tIns="0" rIns="0" bIns="0">
             <a:normAutofit/>
           </a:bodyPr>
-          <a:p>
-            <a:endParaRPr b="0" lang="en-US" sz="1990" spc="-1" strike="noStrike">
+          <a:lstStyle/>
+          <a:p>
+            <a:endParaRPr lang="en-US" sz="1990" b="0" strike="noStrike" spc="-1">
               <a:solidFill>
-                <a:srgbClr val="ffffff"/>
+                <a:srgbClr val="FFFFFF"/>
               </a:solidFill>
               <a:latin typeface="Tw Cen MT"/>
             </a:endParaRPr>
@@ -2370,13 +2641,14 @@
           </a:prstGeom>
         </p:spPr>
         <p:txBody>
-          <a:bodyPr lIns="0" rIns="0" tIns="0" bIns="0">
+          <a:bodyPr lIns="0" tIns="0" rIns="0" bIns="0">
             <a:normAutofit/>
           </a:bodyPr>
-          <a:p>
-            <a:endParaRPr b="0" lang="en-US" sz="1990" spc="-1" strike="noStrike">
+          <a:lstStyle/>
+          <a:p>
+            <a:endParaRPr lang="en-US" sz="1990" b="0" strike="noStrike" spc="-1">
               <a:solidFill>
-                <a:srgbClr val="ffffff"/>
+                <a:srgbClr val="FFFFFF"/>
               </a:solidFill>
               <a:latin typeface="Tw Cen MT"/>
             </a:endParaRPr>
@@ -2403,13 +2675,14 @@
           </a:prstGeom>
         </p:spPr>
         <p:txBody>
-          <a:bodyPr lIns="0" rIns="0" tIns="0" bIns="0">
+          <a:bodyPr lIns="0" tIns="0" rIns="0" bIns="0">
             <a:normAutofit/>
           </a:bodyPr>
-          <a:p>
-            <a:endParaRPr b="0" lang="en-US" sz="1990" spc="-1" strike="noStrike">
+          <a:lstStyle/>
+          <a:p>
+            <a:endParaRPr lang="en-US" sz="1990" b="0" strike="noStrike" spc="-1">
               <a:solidFill>
-                <a:srgbClr val="ffffff"/>
+                <a:srgbClr val="FFFFFF"/>
               </a:solidFill>
               <a:latin typeface="Tw Cen MT"/>
             </a:endParaRPr>
@@ -2436,13 +2709,14 @@
           </a:prstGeom>
         </p:spPr>
         <p:txBody>
-          <a:bodyPr lIns="0" rIns="0" tIns="0" bIns="0">
+          <a:bodyPr lIns="0" tIns="0" rIns="0" bIns="0">
             <a:normAutofit/>
           </a:bodyPr>
-          <a:p>
-            <a:endParaRPr b="0" lang="en-US" sz="1990" spc="-1" strike="noStrike">
+          <a:lstStyle/>
+          <a:p>
+            <a:endParaRPr lang="en-US" sz="1990" b="0" strike="noStrike" spc="-1">
               <a:solidFill>
-                <a:srgbClr val="ffffff"/>
+                <a:srgbClr val="FFFFFF"/>
               </a:solidFill>
               <a:latin typeface="Tw Cen MT"/>
             </a:endParaRPr>
@@ -2451,11 +2725,14 @@
       </p:sp>
     </p:spTree>
   </p:cSld>
+  <p:clrMapOvr>
+    <a:masterClrMapping/>
+  </p:clrMapOvr>
 </p:sldLayout>
 </file>
 
 <file path=ppt/slideLayouts/slideLayout2.xml><?xml version="1.0" encoding="utf-8"?>
-<p:sldLayout xmlns:a="http://schemas.openxmlformats.org/drawingml/2006/main" xmlns:p="http://schemas.openxmlformats.org/presentationml/2006/main" xmlns:r="http://schemas.openxmlformats.org/officeDocument/2006/relationships" xmlns:p14="http://schemas.microsoft.com/office/powerpoint/2010/main" xmlns:p15="http://schemas.microsoft.com/office/powerpoint/2012/main" xmlns:mc="http://schemas.openxmlformats.org/markup-compatibility/2006" type="tx" preserve="1">
+<p:sldLayout xmlns:a="http://schemas.openxmlformats.org/drawingml/2006/main" xmlns:r="http://schemas.openxmlformats.org/officeDocument/2006/relationships" xmlns:p="http://schemas.openxmlformats.org/presentationml/2006/main" type="tx" preserve="1">
   <p:cSld name="Title Slide">
     <p:spTree>
       <p:nvGrpSpPr>
@@ -2491,13 +2768,14 @@
           </a:prstGeom>
         </p:spPr>
         <p:txBody>
-          <a:bodyPr lIns="0" rIns="0" tIns="0" bIns="0" anchor="ctr">
+          <a:bodyPr lIns="0" tIns="0" rIns="0" bIns="0" anchor="ctr">
             <a:noAutofit/>
           </a:bodyPr>
-          <a:p>
-            <a:endParaRPr b="0" lang="en-US" sz="1800" spc="-1" strike="noStrike">
+          <a:lstStyle/>
+          <a:p>
+            <a:endParaRPr lang="en-US" sz="1800" b="0" strike="noStrike" spc="-1">
               <a:solidFill>
-                <a:srgbClr val="ffffff"/>
+                <a:srgbClr val="FFFFFF"/>
               </a:solidFill>
               <a:latin typeface="Tw Cen MT"/>
             </a:endParaRPr>
@@ -2524,12 +2802,13 @@
           </a:prstGeom>
         </p:spPr>
         <p:txBody>
-          <a:bodyPr lIns="0" rIns="0" tIns="0" bIns="0" anchor="ctr">
+          <a:bodyPr lIns="0" tIns="0" rIns="0" bIns="0" anchor="ctr">
             <a:noAutofit/>
           </a:bodyPr>
+          <a:lstStyle/>
           <a:p>
             <a:pPr algn="ctr"/>
-            <a:endParaRPr b="0" lang="fr-FR" sz="3200" spc="-1" strike="noStrike">
+            <a:endParaRPr lang="fr-FR" sz="3200" b="0" strike="noStrike" spc="-1">
               <a:latin typeface="Arial"/>
             </a:endParaRPr>
           </a:p>
@@ -2537,11 +2816,14 @@
       </p:sp>
     </p:spTree>
   </p:cSld>
+  <p:clrMapOvr>
+    <a:masterClrMapping/>
+  </p:clrMapOvr>
 </p:sldLayout>
 </file>
 
 <file path=ppt/slideLayouts/slideLayout3.xml><?xml version="1.0" encoding="utf-8"?>
-<p:sldLayout xmlns:a="http://schemas.openxmlformats.org/drawingml/2006/main" xmlns:p="http://schemas.openxmlformats.org/presentationml/2006/main" xmlns:r="http://schemas.openxmlformats.org/officeDocument/2006/relationships" xmlns:p14="http://schemas.microsoft.com/office/powerpoint/2010/main" xmlns:p15="http://schemas.microsoft.com/office/powerpoint/2012/main" xmlns:mc="http://schemas.openxmlformats.org/markup-compatibility/2006" type="obj" preserve="1">
+<p:sldLayout xmlns:a="http://schemas.openxmlformats.org/drawingml/2006/main" xmlns:r="http://schemas.openxmlformats.org/officeDocument/2006/relationships" xmlns:p="http://schemas.openxmlformats.org/presentationml/2006/main" type="obj" preserve="1">
   <p:cSld name="Title, Content">
     <p:spTree>
       <p:nvGrpSpPr>
@@ -2577,13 +2859,14 @@
           </a:prstGeom>
         </p:spPr>
         <p:txBody>
-          <a:bodyPr lIns="0" rIns="0" tIns="0" bIns="0" anchor="ctr">
+          <a:bodyPr lIns="0" tIns="0" rIns="0" bIns="0" anchor="ctr">
             <a:noAutofit/>
           </a:bodyPr>
-          <a:p>
-            <a:endParaRPr b="0" lang="en-US" sz="1800" spc="-1" strike="noStrike">
+          <a:lstStyle/>
+          <a:p>
+            <a:endParaRPr lang="en-US" sz="1800" b="0" strike="noStrike" spc="-1">
               <a:solidFill>
-                <a:srgbClr val="ffffff"/>
+                <a:srgbClr val="FFFFFF"/>
               </a:solidFill>
               <a:latin typeface="Tw Cen MT"/>
             </a:endParaRPr>
@@ -2610,13 +2893,14 @@
           </a:prstGeom>
         </p:spPr>
         <p:txBody>
-          <a:bodyPr lIns="0" rIns="0" tIns="0" bIns="0">
+          <a:bodyPr lIns="0" tIns="0" rIns="0" bIns="0">
             <a:normAutofit/>
           </a:bodyPr>
-          <a:p>
-            <a:endParaRPr b="0" lang="en-US" sz="1990" spc="-1" strike="noStrike">
+          <a:lstStyle/>
+          <a:p>
+            <a:endParaRPr lang="en-US" sz="1990" b="0" strike="noStrike" spc="-1">
               <a:solidFill>
-                <a:srgbClr val="ffffff"/>
+                <a:srgbClr val="FFFFFF"/>
               </a:solidFill>
               <a:latin typeface="Tw Cen MT"/>
             </a:endParaRPr>
@@ -2625,11 +2909,14 @@
       </p:sp>
     </p:spTree>
   </p:cSld>
+  <p:clrMapOvr>
+    <a:masterClrMapping/>
+  </p:clrMapOvr>
 </p:sldLayout>
 </file>
 
 <file path=ppt/slideLayouts/slideLayout4.xml><?xml version="1.0" encoding="utf-8"?>
-<p:sldLayout xmlns:a="http://schemas.openxmlformats.org/drawingml/2006/main" xmlns:p="http://schemas.openxmlformats.org/presentationml/2006/main" xmlns:r="http://schemas.openxmlformats.org/officeDocument/2006/relationships" xmlns:p14="http://schemas.microsoft.com/office/powerpoint/2010/main" xmlns:p15="http://schemas.microsoft.com/office/powerpoint/2012/main" xmlns:mc="http://schemas.openxmlformats.org/markup-compatibility/2006" type="twoObj" preserve="1">
+<p:sldLayout xmlns:a="http://schemas.openxmlformats.org/drawingml/2006/main" xmlns:r="http://schemas.openxmlformats.org/officeDocument/2006/relationships" xmlns:p="http://schemas.openxmlformats.org/presentationml/2006/main" type="twoObj" preserve="1">
   <p:cSld name="Title, 2 Content">
     <p:spTree>
       <p:nvGrpSpPr>
@@ -2665,13 +2952,14 @@
           </a:prstGeom>
         </p:spPr>
         <p:txBody>
-          <a:bodyPr lIns="0" rIns="0" tIns="0" bIns="0" anchor="ctr">
+          <a:bodyPr lIns="0" tIns="0" rIns="0" bIns="0" anchor="ctr">
             <a:noAutofit/>
           </a:bodyPr>
-          <a:p>
-            <a:endParaRPr b="0" lang="en-US" sz="1800" spc="-1" strike="noStrike">
+          <a:lstStyle/>
+          <a:p>
+            <a:endParaRPr lang="en-US" sz="1800" b="0" strike="noStrike" spc="-1">
               <a:solidFill>
-                <a:srgbClr val="ffffff"/>
+                <a:srgbClr val="FFFFFF"/>
               </a:solidFill>
               <a:latin typeface="Tw Cen MT"/>
             </a:endParaRPr>
@@ -2698,13 +2986,14 @@
           </a:prstGeom>
         </p:spPr>
         <p:txBody>
-          <a:bodyPr lIns="0" rIns="0" tIns="0" bIns="0">
+          <a:bodyPr lIns="0" tIns="0" rIns="0" bIns="0">
             <a:normAutofit/>
           </a:bodyPr>
-          <a:p>
-            <a:endParaRPr b="0" lang="en-US" sz="1990" spc="-1" strike="noStrike">
+          <a:lstStyle/>
+          <a:p>
+            <a:endParaRPr lang="en-US" sz="1990" b="0" strike="noStrike" spc="-1">
               <a:solidFill>
-                <a:srgbClr val="ffffff"/>
+                <a:srgbClr val="FFFFFF"/>
               </a:solidFill>
               <a:latin typeface="Tw Cen MT"/>
             </a:endParaRPr>
@@ -2731,13 +3020,14 @@
           </a:prstGeom>
         </p:spPr>
         <p:txBody>
-          <a:bodyPr lIns="0" rIns="0" tIns="0" bIns="0">
+          <a:bodyPr lIns="0" tIns="0" rIns="0" bIns="0">
             <a:normAutofit/>
           </a:bodyPr>
-          <a:p>
-            <a:endParaRPr b="0" lang="en-US" sz="1990" spc="-1" strike="noStrike">
+          <a:lstStyle/>
+          <a:p>
+            <a:endParaRPr lang="en-US" sz="1990" b="0" strike="noStrike" spc="-1">
               <a:solidFill>
-                <a:srgbClr val="ffffff"/>
+                <a:srgbClr val="FFFFFF"/>
               </a:solidFill>
               <a:latin typeface="Tw Cen MT"/>
             </a:endParaRPr>
@@ -2746,11 +3036,14 @@
       </p:sp>
     </p:spTree>
   </p:cSld>
+  <p:clrMapOvr>
+    <a:masterClrMapping/>
+  </p:clrMapOvr>
 </p:sldLayout>
 </file>
 
 <file path=ppt/slideLayouts/slideLayout5.xml><?xml version="1.0" encoding="utf-8"?>
-<p:sldLayout xmlns:a="http://schemas.openxmlformats.org/drawingml/2006/main" xmlns:p="http://schemas.openxmlformats.org/presentationml/2006/main" xmlns:r="http://schemas.openxmlformats.org/officeDocument/2006/relationships" xmlns:p14="http://schemas.microsoft.com/office/powerpoint/2010/main" xmlns:p15="http://schemas.microsoft.com/office/powerpoint/2012/main" xmlns:mc="http://schemas.openxmlformats.org/markup-compatibility/2006" type="titleOnly" preserve="1">
+<p:sldLayout xmlns:a="http://schemas.openxmlformats.org/drawingml/2006/main" xmlns:r="http://schemas.openxmlformats.org/officeDocument/2006/relationships" xmlns:p="http://schemas.openxmlformats.org/presentationml/2006/main" type="titleOnly" preserve="1">
   <p:cSld name="Title Only">
     <p:spTree>
       <p:nvGrpSpPr>
@@ -2786,13 +3079,14 @@
           </a:prstGeom>
         </p:spPr>
         <p:txBody>
-          <a:bodyPr lIns="0" rIns="0" tIns="0" bIns="0" anchor="ctr">
+          <a:bodyPr lIns="0" tIns="0" rIns="0" bIns="0" anchor="ctr">
             <a:noAutofit/>
           </a:bodyPr>
-          <a:p>
-            <a:endParaRPr b="0" lang="en-US" sz="1800" spc="-1" strike="noStrike">
+          <a:lstStyle/>
+          <a:p>
+            <a:endParaRPr lang="en-US" sz="1800" b="0" strike="noStrike" spc="-1">
               <a:solidFill>
-                <a:srgbClr val="ffffff"/>
+                <a:srgbClr val="FFFFFF"/>
               </a:solidFill>
               <a:latin typeface="Tw Cen MT"/>
             </a:endParaRPr>
@@ -2801,11 +3095,14 @@
       </p:sp>
     </p:spTree>
   </p:cSld>
+  <p:clrMapOvr>
+    <a:masterClrMapping/>
+  </p:clrMapOvr>
 </p:sldLayout>
 </file>
 
 <file path=ppt/slideLayouts/slideLayout6.xml><?xml version="1.0" encoding="utf-8"?>
-<p:sldLayout xmlns:a="http://schemas.openxmlformats.org/drawingml/2006/main" xmlns:p="http://schemas.openxmlformats.org/presentationml/2006/main" xmlns:r="http://schemas.openxmlformats.org/officeDocument/2006/relationships" xmlns:p14="http://schemas.microsoft.com/office/powerpoint/2010/main" xmlns:p15="http://schemas.microsoft.com/office/powerpoint/2012/main" xmlns:mc="http://schemas.openxmlformats.org/markup-compatibility/2006" type="objOnly" preserve="1">
+<p:sldLayout xmlns:a="http://schemas.openxmlformats.org/drawingml/2006/main" xmlns:r="http://schemas.openxmlformats.org/officeDocument/2006/relationships" xmlns:p="http://schemas.openxmlformats.org/presentationml/2006/main" type="objOnly" preserve="1">
   <p:cSld name="Centered Text">
     <p:spTree>
       <p:nvGrpSpPr>
@@ -2841,12 +3138,13 @@
           </a:prstGeom>
         </p:spPr>
         <p:txBody>
-          <a:bodyPr lIns="0" rIns="0" tIns="0" bIns="0" anchor="ctr">
+          <a:bodyPr lIns="0" tIns="0" rIns="0" bIns="0" anchor="ctr">
             <a:noAutofit/>
           </a:bodyPr>
+          <a:lstStyle/>
           <a:p>
             <a:pPr algn="ctr"/>
-            <a:endParaRPr b="0" lang="fr-FR" sz="3200" spc="-1" strike="noStrike">
+            <a:endParaRPr lang="fr-FR" sz="3200" b="0" strike="noStrike" spc="-1">
               <a:latin typeface="Arial"/>
             </a:endParaRPr>
           </a:p>
@@ -2854,11 +3152,14 @@
       </p:sp>
     </p:spTree>
   </p:cSld>
+  <p:clrMapOvr>
+    <a:masterClrMapping/>
+  </p:clrMapOvr>
 </p:sldLayout>
 </file>
 
 <file path=ppt/slideLayouts/slideLayout7.xml><?xml version="1.0" encoding="utf-8"?>
-<p:sldLayout xmlns:a="http://schemas.openxmlformats.org/drawingml/2006/main" xmlns:p="http://schemas.openxmlformats.org/presentationml/2006/main" xmlns:r="http://schemas.openxmlformats.org/officeDocument/2006/relationships" xmlns:p14="http://schemas.microsoft.com/office/powerpoint/2010/main" xmlns:p15="http://schemas.microsoft.com/office/powerpoint/2012/main" xmlns:mc="http://schemas.openxmlformats.org/markup-compatibility/2006" type="twoObjAndObj" preserve="1">
+<p:sldLayout xmlns:a="http://schemas.openxmlformats.org/drawingml/2006/main" xmlns:r="http://schemas.openxmlformats.org/officeDocument/2006/relationships" xmlns:p="http://schemas.openxmlformats.org/presentationml/2006/main" type="twoObjAndObj" preserve="1">
   <p:cSld name="Title, 2 Content and Content">
     <p:spTree>
       <p:nvGrpSpPr>
@@ -2894,13 +3195,14 @@
           </a:prstGeom>
         </p:spPr>
         <p:txBody>
-          <a:bodyPr lIns="0" rIns="0" tIns="0" bIns="0" anchor="ctr">
+          <a:bodyPr lIns="0" tIns="0" rIns="0" bIns="0" anchor="ctr">
             <a:noAutofit/>
           </a:bodyPr>
-          <a:p>
-            <a:endParaRPr b="0" lang="en-US" sz="1800" spc="-1" strike="noStrike">
+          <a:lstStyle/>
+          <a:p>
+            <a:endParaRPr lang="en-US" sz="1800" b="0" strike="noStrike" spc="-1">
               <a:solidFill>
-                <a:srgbClr val="ffffff"/>
+                <a:srgbClr val="FFFFFF"/>
               </a:solidFill>
               <a:latin typeface="Tw Cen MT"/>
             </a:endParaRPr>
@@ -2927,13 +3229,14 @@
           </a:prstGeom>
         </p:spPr>
         <p:txBody>
-          <a:bodyPr lIns="0" rIns="0" tIns="0" bIns="0">
+          <a:bodyPr lIns="0" tIns="0" rIns="0" bIns="0">
             <a:normAutofit/>
           </a:bodyPr>
-          <a:p>
-            <a:endParaRPr b="0" lang="en-US" sz="1990" spc="-1" strike="noStrike">
+          <a:lstStyle/>
+          <a:p>
+            <a:endParaRPr lang="en-US" sz="1990" b="0" strike="noStrike" spc="-1">
               <a:solidFill>
-                <a:srgbClr val="ffffff"/>
+                <a:srgbClr val="FFFFFF"/>
               </a:solidFill>
               <a:latin typeface="Tw Cen MT"/>
             </a:endParaRPr>
@@ -2960,13 +3263,14 @@
           </a:prstGeom>
         </p:spPr>
         <p:txBody>
-          <a:bodyPr lIns="0" rIns="0" tIns="0" bIns="0">
+          <a:bodyPr lIns="0" tIns="0" rIns="0" bIns="0">
             <a:normAutofit/>
           </a:bodyPr>
-          <a:p>
-            <a:endParaRPr b="0" lang="en-US" sz="1990" spc="-1" strike="noStrike">
+          <a:lstStyle/>
+          <a:p>
+            <a:endParaRPr lang="en-US" sz="1990" b="0" strike="noStrike" spc="-1">
               <a:solidFill>
-                <a:srgbClr val="ffffff"/>
+                <a:srgbClr val="FFFFFF"/>
               </a:solidFill>
               <a:latin typeface="Tw Cen MT"/>
             </a:endParaRPr>
@@ -2993,13 +3297,14 @@
           </a:prstGeom>
         </p:spPr>
         <p:txBody>
-          <a:bodyPr lIns="0" rIns="0" tIns="0" bIns="0">
+          <a:bodyPr lIns="0" tIns="0" rIns="0" bIns="0">
             <a:normAutofit/>
           </a:bodyPr>
-          <a:p>
-            <a:endParaRPr b="0" lang="en-US" sz="1990" spc="-1" strike="noStrike">
+          <a:lstStyle/>
+          <a:p>
+            <a:endParaRPr lang="en-US" sz="1990" b="0" strike="noStrike" spc="-1">
               <a:solidFill>
-                <a:srgbClr val="ffffff"/>
+                <a:srgbClr val="FFFFFF"/>
               </a:solidFill>
               <a:latin typeface="Tw Cen MT"/>
             </a:endParaRPr>
@@ -3008,11 +3313,14 @@
       </p:sp>
     </p:spTree>
   </p:cSld>
+  <p:clrMapOvr>
+    <a:masterClrMapping/>
+  </p:clrMapOvr>
 </p:sldLayout>
 </file>
 
 <file path=ppt/slideLayouts/slideLayout8.xml><?xml version="1.0" encoding="utf-8"?>
-<p:sldLayout xmlns:a="http://schemas.openxmlformats.org/drawingml/2006/main" xmlns:p="http://schemas.openxmlformats.org/presentationml/2006/main" xmlns:r="http://schemas.openxmlformats.org/officeDocument/2006/relationships" xmlns:p14="http://schemas.microsoft.com/office/powerpoint/2010/main" xmlns:p15="http://schemas.microsoft.com/office/powerpoint/2012/main" xmlns:mc="http://schemas.openxmlformats.org/markup-compatibility/2006" type="objAndTwoObj" preserve="1">
+<p:sldLayout xmlns:a="http://schemas.openxmlformats.org/drawingml/2006/main" xmlns:r="http://schemas.openxmlformats.org/officeDocument/2006/relationships" xmlns:p="http://schemas.openxmlformats.org/presentationml/2006/main" type="objAndTwoObj" preserve="1">
   <p:cSld name="Title Content and 2 Content">
     <p:spTree>
       <p:nvGrpSpPr>
@@ -3048,13 +3356,14 @@
           </a:prstGeom>
         </p:spPr>
         <p:txBody>
-          <a:bodyPr lIns="0" rIns="0" tIns="0" bIns="0" anchor="ctr">
+          <a:bodyPr lIns="0" tIns="0" rIns="0" bIns="0" anchor="ctr">
             <a:noAutofit/>
           </a:bodyPr>
-          <a:p>
-            <a:endParaRPr b="0" lang="en-US" sz="1800" spc="-1" strike="noStrike">
+          <a:lstStyle/>
+          <a:p>
+            <a:endParaRPr lang="en-US" sz="1800" b="0" strike="noStrike" spc="-1">
               <a:solidFill>
-                <a:srgbClr val="ffffff"/>
+                <a:srgbClr val="FFFFFF"/>
               </a:solidFill>
               <a:latin typeface="Tw Cen MT"/>
             </a:endParaRPr>
@@ -3081,13 +3390,14 @@
           </a:prstGeom>
         </p:spPr>
         <p:txBody>
-          <a:bodyPr lIns="0" rIns="0" tIns="0" bIns="0">
+          <a:bodyPr lIns="0" tIns="0" rIns="0" bIns="0">
             <a:normAutofit/>
           </a:bodyPr>
-          <a:p>
-            <a:endParaRPr b="0" lang="en-US" sz="1990" spc="-1" strike="noStrike">
+          <a:lstStyle/>
+          <a:p>
+            <a:endParaRPr lang="en-US" sz="1990" b="0" strike="noStrike" spc="-1">
               <a:solidFill>
-                <a:srgbClr val="ffffff"/>
+                <a:srgbClr val="FFFFFF"/>
               </a:solidFill>
               <a:latin typeface="Tw Cen MT"/>
             </a:endParaRPr>
@@ -3114,13 +3424,14 @@
           </a:prstGeom>
         </p:spPr>
         <p:txBody>
-          <a:bodyPr lIns="0" rIns="0" tIns="0" bIns="0">
+          <a:bodyPr lIns="0" tIns="0" rIns="0" bIns="0">
             <a:normAutofit/>
           </a:bodyPr>
-          <a:p>
-            <a:endParaRPr b="0" lang="en-US" sz="1990" spc="-1" strike="noStrike">
+          <a:lstStyle/>
+          <a:p>
+            <a:endParaRPr lang="en-US" sz="1990" b="0" strike="noStrike" spc="-1">
               <a:solidFill>
-                <a:srgbClr val="ffffff"/>
+                <a:srgbClr val="FFFFFF"/>
               </a:solidFill>
               <a:latin typeface="Tw Cen MT"/>
             </a:endParaRPr>
@@ -3147,13 +3458,14 @@
           </a:prstGeom>
         </p:spPr>
         <p:txBody>
-          <a:bodyPr lIns="0" rIns="0" tIns="0" bIns="0">
+          <a:bodyPr lIns="0" tIns="0" rIns="0" bIns="0">
             <a:normAutofit/>
           </a:bodyPr>
-          <a:p>
-            <a:endParaRPr b="0" lang="en-US" sz="1990" spc="-1" strike="noStrike">
+          <a:lstStyle/>
+          <a:p>
+            <a:endParaRPr lang="en-US" sz="1990" b="0" strike="noStrike" spc="-1">
               <a:solidFill>
-                <a:srgbClr val="ffffff"/>
+                <a:srgbClr val="FFFFFF"/>
               </a:solidFill>
               <a:latin typeface="Tw Cen MT"/>
             </a:endParaRPr>
@@ -3162,11 +3474,14 @@
       </p:sp>
     </p:spTree>
   </p:cSld>
+  <p:clrMapOvr>
+    <a:masterClrMapping/>
+  </p:clrMapOvr>
 </p:sldLayout>
 </file>
 
 <file path=ppt/slideLayouts/slideLayout9.xml><?xml version="1.0" encoding="utf-8"?>
-<p:sldLayout xmlns:a="http://schemas.openxmlformats.org/drawingml/2006/main" xmlns:p="http://schemas.openxmlformats.org/presentationml/2006/main" xmlns:r="http://schemas.openxmlformats.org/officeDocument/2006/relationships" xmlns:p14="http://schemas.microsoft.com/office/powerpoint/2010/main" xmlns:p15="http://schemas.microsoft.com/office/powerpoint/2012/main" xmlns:mc="http://schemas.openxmlformats.org/markup-compatibility/2006" type="twoObjOverTx" preserve="1">
+<p:sldLayout xmlns:a="http://schemas.openxmlformats.org/drawingml/2006/main" xmlns:r="http://schemas.openxmlformats.org/officeDocument/2006/relationships" xmlns:p="http://schemas.openxmlformats.org/presentationml/2006/main" type="twoObjOverTx" preserve="1">
   <p:cSld name="Title, 2 Content over Content">
     <p:spTree>
       <p:nvGrpSpPr>
@@ -3202,13 +3517,14 @@
           </a:prstGeom>
         </p:spPr>
         <p:txBody>
-          <a:bodyPr lIns="0" rIns="0" tIns="0" bIns="0" anchor="ctr">
+          <a:bodyPr lIns="0" tIns="0" rIns="0" bIns="0" anchor="ctr">
             <a:noAutofit/>
           </a:bodyPr>
-          <a:p>
-            <a:endParaRPr b="0" lang="en-US" sz="1800" spc="-1" strike="noStrike">
+          <a:lstStyle/>
+          <a:p>
+            <a:endParaRPr lang="en-US" sz="1800" b="0" strike="noStrike" spc="-1">
               <a:solidFill>
-                <a:srgbClr val="ffffff"/>
+                <a:srgbClr val="FFFFFF"/>
               </a:solidFill>
               <a:latin typeface="Tw Cen MT"/>
             </a:endParaRPr>
@@ -3235,13 +3551,14 @@
           </a:prstGeom>
         </p:spPr>
         <p:txBody>
-          <a:bodyPr lIns="0" rIns="0" tIns="0" bIns="0">
+          <a:bodyPr lIns="0" tIns="0" rIns="0" bIns="0">
             <a:normAutofit/>
           </a:bodyPr>
-          <a:p>
-            <a:endParaRPr b="0" lang="en-US" sz="1990" spc="-1" strike="noStrike">
+          <a:lstStyle/>
+          <a:p>
+            <a:endParaRPr lang="en-US" sz="1990" b="0" strike="noStrike" spc="-1">
               <a:solidFill>
-                <a:srgbClr val="ffffff"/>
+                <a:srgbClr val="FFFFFF"/>
               </a:solidFill>
               <a:latin typeface="Tw Cen MT"/>
             </a:endParaRPr>
@@ -3268,13 +3585,14 @@
           </a:prstGeom>
         </p:spPr>
         <p:txBody>
-          <a:bodyPr lIns="0" rIns="0" tIns="0" bIns="0">
+          <a:bodyPr lIns="0" tIns="0" rIns="0" bIns="0">
             <a:normAutofit/>
           </a:bodyPr>
-          <a:p>
-            <a:endParaRPr b="0" lang="en-US" sz="1990" spc="-1" strike="noStrike">
+          <a:lstStyle/>
+          <a:p>
+            <a:endParaRPr lang="en-US" sz="1990" b="0" strike="noStrike" spc="-1">
               <a:solidFill>
-                <a:srgbClr val="ffffff"/>
+                <a:srgbClr val="FFFFFF"/>
               </a:solidFill>
               <a:latin typeface="Tw Cen MT"/>
             </a:endParaRPr>
@@ -3301,13 +3619,14 @@
           </a:prstGeom>
         </p:spPr>
         <p:txBody>
-          <a:bodyPr lIns="0" rIns="0" tIns="0" bIns="0">
+          <a:bodyPr lIns="0" tIns="0" rIns="0" bIns="0">
             <a:normAutofit/>
           </a:bodyPr>
-          <a:p>
-            <a:endParaRPr b="0" lang="en-US" sz="1990" spc="-1" strike="noStrike">
+          <a:lstStyle/>
+          <a:p>
+            <a:endParaRPr lang="en-US" sz="1990" b="0" strike="noStrike" spc="-1">
               <a:solidFill>
-                <a:srgbClr val="ffffff"/>
+                <a:srgbClr val="FFFFFF"/>
               </a:solidFill>
               <a:latin typeface="Tw Cen MT"/>
             </a:endParaRPr>
@@ -3316,20 +3635,24 @@
       </p:sp>
     </p:spTree>
   </p:cSld>
+  <p:clrMapOvr>
+    <a:masterClrMapping/>
+  </p:clrMapOvr>
 </p:sldLayout>
 </file>
 
 <file path=ppt/slideMasters/slideMaster1.xml><?xml version="1.0" encoding="utf-8"?>
-<p:sldMaster xmlns:a="http://schemas.openxmlformats.org/drawingml/2006/main" xmlns:p="http://schemas.openxmlformats.org/presentationml/2006/main" xmlns:r="http://schemas.openxmlformats.org/officeDocument/2006/relationships" xmlns:p14="http://schemas.microsoft.com/office/powerpoint/2010/main" xmlns:p15="http://schemas.microsoft.com/office/powerpoint/2012/main" xmlns:mc="http://schemas.openxmlformats.org/markup-compatibility/2006">
+<p:sldMaster xmlns:a="http://schemas.openxmlformats.org/drawingml/2006/main" xmlns:r="http://schemas.openxmlformats.org/officeDocument/2006/relationships" xmlns:p="http://schemas.openxmlformats.org/presentationml/2006/main">
   <p:cSld>
     <p:bg>
       <p:bgPr>
         <a:blipFill rotWithShape="0">
-          <a:blip r:embed="rId2"/>
+          <a:blip r:embed="rId14"/>
           <a:stretch>
             <a:fillRect/>
           </a:stretch>
         </a:blipFill>
+        <a:effectLst/>
       </p:bgPr>
     </p:bg>
     <p:spTree>
@@ -3348,12 +3671,12 @@
       </p:grpSpPr>
       <p:pic>
         <p:nvPicPr>
-          <p:cNvPr id="0" name="Picture 2" descr="\\DROBO-FS\QuickDrops\JB\PPTX NG\Droplets\LightingOverlay.png"/>
+          <p:cNvPr id="46" name="Picture 2" descr="\\DROBO-FS\QuickDrops\JB\PPTX NG\Droplets\LightingOverlay.png"/>
           <p:cNvPicPr/>
           <p:nvPr/>
         </p:nvPicPr>
         <p:blipFill>
-          <a:blip r:embed="rId3">
+          <a:blip r:embed="rId15">
             <a:alphaModFix amt="30000"/>
           </a:blip>
           <a:stretch/>
@@ -3373,7 +3696,7 @@
       </p:pic>
       <p:grpSp>
         <p:nvGrpSpPr>
-          <p:cNvPr id="1" name="Group 1"/>
+          <p:cNvPr id="47" name="Group 1"/>
           <p:cNvGrpSpPr/>
           <p:nvPr/>
         </p:nvGrpSpPr>
@@ -3416,10 +3739,10 @@
               <a:gradFill rotWithShape="0">
                 <a:gsLst>
                   <a:gs pos="0">
-                    <a:srgbClr val="82ffff"/>
+                    <a:srgbClr val="82FFFF"/>
                   </a:gs>
                   <a:gs pos="100000">
-                    <a:srgbClr val="3d97de"/>
+                    <a:srgbClr val="3D97DE"/>
                   </a:gs>
                 </a:gsLst>
                 <a:lin ang="5400000"/>
@@ -3429,9 +3752,15 @@
               </a:ln>
             </p:spPr>
             <p:style>
-              <a:lnRef idx="0"/>
-              <a:fillRef idx="0"/>
-              <a:effectRef idx="0"/>
+              <a:lnRef idx="0">
+                <a:scrgbClr r="0" g="0" b="0"/>
+              </a:lnRef>
+              <a:fillRef idx="0">
+                <a:scrgbClr r="0" g="0" b="0"/>
+              </a:fillRef>
+              <a:effectRef idx="0">
+                <a:scrgbClr r="0" g="0" b="0"/>
+              </a:effectRef>
               <a:fontRef idx="minor"/>
             </p:style>
           </p:sp>
@@ -3450,6 +3779,7 @@
                 <a:avLst/>
                 <a:gdLst/>
                 <a:ahLst/>
+                <a:cxnLst/>
                 <a:rect l="l" t="t" r="r" b="b"/>
                 <a:pathLst>
                   <a:path w="40" h="40">
@@ -3507,10 +3837,10 @@
               <a:gradFill rotWithShape="0">
                 <a:gsLst>
                   <a:gs pos="0">
-                    <a:srgbClr val="82ffff"/>
+                    <a:srgbClr val="82FFFF"/>
                   </a:gs>
                   <a:gs pos="100000">
-                    <a:srgbClr val="3d97de"/>
+                    <a:srgbClr val="3D97DE"/>
                   </a:gs>
                 </a:gsLst>
                 <a:lin ang="5400000"/>
@@ -3520,9 +3850,15 @@
               </a:ln>
             </p:spPr>
             <p:style>
-              <a:lnRef idx="0"/>
-              <a:fillRef idx="0"/>
-              <a:effectRef idx="0"/>
+              <a:lnRef idx="0">
+                <a:scrgbClr r="0" g="0" b="0"/>
+              </a:lnRef>
+              <a:fillRef idx="0">
+                <a:scrgbClr r="0" g="0" b="0"/>
+              </a:fillRef>
+              <a:effectRef idx="0">
+                <a:scrgbClr r="0" g="0" b="0"/>
+              </a:effectRef>
               <a:fontRef idx="minor"/>
             </p:style>
           </p:sp>
@@ -3541,6 +3877,7 @@
                 <a:avLst/>
                 <a:gdLst/>
                 <a:ahLst/>
+                <a:cxnLst/>
                 <a:rect l="l" t="t" r="r" b="b"/>
                 <a:pathLst>
                   <a:path w="40" h="40">
@@ -3598,10 +3935,10 @@
               <a:gradFill rotWithShape="0">
                 <a:gsLst>
                   <a:gs pos="0">
-                    <a:srgbClr val="82ffff"/>
+                    <a:srgbClr val="82FFFF"/>
                   </a:gs>
                   <a:gs pos="100000">
-                    <a:srgbClr val="3d97de"/>
+                    <a:srgbClr val="3D97DE"/>
                   </a:gs>
                 </a:gsLst>
                 <a:lin ang="5400000"/>
@@ -3611,9 +3948,15 @@
               </a:ln>
             </p:spPr>
             <p:style>
-              <a:lnRef idx="0"/>
-              <a:fillRef idx="0"/>
-              <a:effectRef idx="0"/>
+              <a:lnRef idx="0">
+                <a:scrgbClr r="0" g="0" b="0"/>
+              </a:lnRef>
+              <a:fillRef idx="0">
+                <a:scrgbClr r="0" g="0" b="0"/>
+              </a:fillRef>
+              <a:effectRef idx="0">
+                <a:scrgbClr r="0" g="0" b="0"/>
+              </a:effectRef>
               <a:fontRef idx="minor"/>
             </p:style>
           </p:sp>
@@ -3632,6 +3975,7 @@
                 <a:avLst/>
                 <a:gdLst/>
                 <a:ahLst/>
+                <a:cxnLst/>
                 <a:rect l="l" t="t" r="r" b="b"/>
                 <a:pathLst>
                   <a:path w="233" h="1141">
@@ -3663,10 +4007,10 @@
               <a:gradFill rotWithShape="0">
                 <a:gsLst>
                   <a:gs pos="0">
-                    <a:srgbClr val="82ffff"/>
+                    <a:srgbClr val="82FFFF"/>
                   </a:gs>
                   <a:gs pos="100000">
-                    <a:srgbClr val="3d97de"/>
+                    <a:srgbClr val="3D97DE"/>
                   </a:gs>
                 </a:gsLst>
                 <a:lin ang="5400000"/>
@@ -3676,9 +4020,15 @@
               </a:ln>
             </p:spPr>
             <p:style>
-              <a:lnRef idx="0"/>
-              <a:fillRef idx="0"/>
-              <a:effectRef idx="0"/>
+              <a:lnRef idx="0">
+                <a:scrgbClr r="0" g="0" b="0"/>
+              </a:lnRef>
+              <a:fillRef idx="0">
+                <a:scrgbClr r="0" g="0" b="0"/>
+              </a:fillRef>
+              <a:effectRef idx="0">
+                <a:scrgbClr r="0" g="0" b="0"/>
+              </a:effectRef>
               <a:fontRef idx="minor"/>
             </p:style>
           </p:sp>
@@ -3697,6 +4047,7 @@
                 <a:avLst/>
                 <a:gdLst/>
                 <a:ahLst/>
+                <a:cxnLst/>
                 <a:rect l="l" t="t" r="r" b="b"/>
                 <a:pathLst>
                   <a:path w="40" h="40">
@@ -3754,10 +4105,10 @@
               <a:gradFill rotWithShape="0">
                 <a:gsLst>
                   <a:gs pos="0">
-                    <a:srgbClr val="82ffff"/>
+                    <a:srgbClr val="82FFFF"/>
                   </a:gs>
                   <a:gs pos="100000">
-                    <a:srgbClr val="3d97de"/>
+                    <a:srgbClr val="3D97DE"/>
                   </a:gs>
                 </a:gsLst>
                 <a:lin ang="5400000"/>
@@ -3767,9 +4118,15 @@
               </a:ln>
             </p:spPr>
             <p:style>
-              <a:lnRef idx="0"/>
-              <a:fillRef idx="0"/>
-              <a:effectRef idx="0"/>
+              <a:lnRef idx="0">
+                <a:scrgbClr r="0" g="0" b="0"/>
+              </a:lnRef>
+              <a:fillRef idx="0">
+                <a:scrgbClr r="0" g="0" b="0"/>
+              </a:fillRef>
+              <a:effectRef idx="0">
+                <a:scrgbClr r="0" g="0" b="0"/>
+              </a:effectRef>
               <a:fontRef idx="minor"/>
             </p:style>
           </p:sp>
@@ -3788,6 +4145,7 @@
                 <a:avLst/>
                 <a:gdLst/>
                 <a:ahLst/>
+                <a:cxnLst/>
                 <a:rect l="l" t="t" r="r" b="b"/>
                 <a:pathLst>
                   <a:path w="233" h="901">
@@ -3819,10 +4177,10 @@
               <a:gradFill rotWithShape="0">
                 <a:gsLst>
                   <a:gs pos="0">
-                    <a:srgbClr val="82ffff"/>
+                    <a:srgbClr val="82FFFF"/>
                   </a:gs>
                   <a:gs pos="100000">
-                    <a:srgbClr val="3d97de"/>
+                    <a:srgbClr val="3D97DE"/>
                   </a:gs>
                 </a:gsLst>
                 <a:lin ang="5400000"/>
@@ -3832,9 +4190,15 @@
               </a:ln>
             </p:spPr>
             <p:style>
-              <a:lnRef idx="0"/>
-              <a:fillRef idx="0"/>
-              <a:effectRef idx="0"/>
+              <a:lnRef idx="0">
+                <a:scrgbClr r="0" g="0" b="0"/>
+              </a:lnRef>
+              <a:fillRef idx="0">
+                <a:scrgbClr r="0" g="0" b="0"/>
+              </a:fillRef>
+              <a:effectRef idx="0">
+                <a:scrgbClr r="0" g="0" b="0"/>
+              </a:effectRef>
               <a:fontRef idx="minor"/>
             </p:style>
           </p:sp>
@@ -3853,6 +4217,7 @@
                 <a:avLst/>
                 <a:gdLst/>
                 <a:ahLst/>
+                <a:cxnLst/>
                 <a:rect l="l" t="t" r="r" b="b"/>
                 <a:pathLst>
                   <a:path w="96" h="575">
@@ -3884,10 +4249,10 @@
               <a:gradFill rotWithShape="0">
                 <a:gsLst>
                   <a:gs pos="0">
-                    <a:srgbClr val="82ffff"/>
+                    <a:srgbClr val="82FFFF"/>
                   </a:gs>
                   <a:gs pos="100000">
-                    <a:srgbClr val="3d97de"/>
+                    <a:srgbClr val="3D97DE"/>
                   </a:gs>
                 </a:gsLst>
                 <a:lin ang="5400000"/>
@@ -3897,9 +4262,15 @@
               </a:ln>
             </p:spPr>
             <p:style>
-              <a:lnRef idx="0"/>
-              <a:fillRef idx="0"/>
-              <a:effectRef idx="0"/>
+              <a:lnRef idx="0">
+                <a:scrgbClr r="0" g="0" b="0"/>
+              </a:lnRef>
+              <a:fillRef idx="0">
+                <a:scrgbClr r="0" g="0" b="0"/>
+              </a:fillRef>
+              <a:effectRef idx="0">
+                <a:scrgbClr r="0" g="0" b="0"/>
+              </a:effectRef>
               <a:fontRef idx="minor"/>
             </p:style>
           </p:sp>
@@ -3918,6 +4289,7 @@
                 <a:avLst/>
                 <a:gdLst/>
                 <a:ahLst/>
+                <a:cxnLst/>
                 <a:rect l="l" t="t" r="r" b="b"/>
                 <a:pathLst>
                   <a:path w="40" h="40">
@@ -3975,10 +4347,10 @@
               <a:gradFill rotWithShape="0">
                 <a:gsLst>
                   <a:gs pos="0">
-                    <a:srgbClr val="82ffff"/>
+                    <a:srgbClr val="82FFFF"/>
                   </a:gs>
                   <a:gs pos="100000">
-                    <a:srgbClr val="3d97de"/>
+                    <a:srgbClr val="3D97DE"/>
                   </a:gs>
                 </a:gsLst>
                 <a:lin ang="5400000"/>
@@ -3988,9 +4360,15 @@
               </a:ln>
             </p:spPr>
             <p:style>
-              <a:lnRef idx="0"/>
-              <a:fillRef idx="0"/>
-              <a:effectRef idx="0"/>
+              <a:lnRef idx="0">
+                <a:scrgbClr r="0" g="0" b="0"/>
+              </a:lnRef>
+              <a:fillRef idx="0">
+                <a:scrgbClr r="0" g="0" b="0"/>
+              </a:fillRef>
+              <a:effectRef idx="0">
+                <a:scrgbClr r="0" g="0" b="0"/>
+              </a:effectRef>
               <a:fontRef idx="minor"/>
             </p:style>
           </p:sp>
@@ -4009,6 +4387,7 @@
                 <a:avLst/>
                 <a:gdLst/>
                 <a:ahLst/>
+                <a:cxnLst/>
                 <a:rect l="l" t="t" r="r" b="b"/>
                 <a:pathLst>
                   <a:path w="40" h="40">
@@ -4066,10 +4445,10 @@
               <a:gradFill rotWithShape="0">
                 <a:gsLst>
                   <a:gs pos="0">
-                    <a:srgbClr val="82ffff"/>
+                    <a:srgbClr val="82FFFF"/>
                   </a:gs>
                   <a:gs pos="100000">
-                    <a:srgbClr val="3d97de"/>
+                    <a:srgbClr val="3D97DE"/>
                   </a:gs>
                 </a:gsLst>
                 <a:lin ang="5400000"/>
@@ -4079,9 +4458,15 @@
               </a:ln>
             </p:spPr>
             <p:style>
-              <a:lnRef idx="0"/>
-              <a:fillRef idx="0"/>
-              <a:effectRef idx="0"/>
+              <a:lnRef idx="0">
+                <a:scrgbClr r="0" g="0" b="0"/>
+              </a:lnRef>
+              <a:fillRef idx="0">
+                <a:scrgbClr r="0" g="0" b="0"/>
+              </a:fillRef>
+              <a:effectRef idx="0">
+                <a:scrgbClr r="0" g="0" b="0"/>
+              </a:effectRef>
               <a:fontRef idx="minor"/>
             </p:style>
           </p:sp>
@@ -4100,6 +4485,7 @@
                 <a:avLst/>
                 <a:gdLst/>
                 <a:ahLst/>
+                <a:cxnLst/>
                 <a:rect l="l" t="t" r="r" b="b"/>
                 <a:pathLst>
                   <a:path w="266" h="332">
@@ -4131,10 +4517,10 @@
               <a:gradFill rotWithShape="0">
                 <a:gsLst>
                   <a:gs pos="0">
-                    <a:srgbClr val="82ffff"/>
+                    <a:srgbClr val="82FFFF"/>
                   </a:gs>
                   <a:gs pos="100000">
-                    <a:srgbClr val="3d97de"/>
+                    <a:srgbClr val="3D97DE"/>
                   </a:gs>
                 </a:gsLst>
                 <a:lin ang="5400000"/>
@@ -4144,9 +4530,15 @@
               </a:ln>
             </p:spPr>
             <p:style>
-              <a:lnRef idx="0"/>
-              <a:fillRef idx="0"/>
-              <a:effectRef idx="0"/>
+              <a:lnRef idx="0">
+                <a:scrgbClr r="0" g="0" b="0"/>
+              </a:lnRef>
+              <a:fillRef idx="0">
+                <a:scrgbClr r="0" g="0" b="0"/>
+              </a:fillRef>
+              <a:effectRef idx="0">
+                <a:scrgbClr r="0" g="0" b="0"/>
+              </a:effectRef>
               <a:fontRef idx="minor"/>
             </p:style>
           </p:sp>
@@ -4165,6 +4557,7 @@
                 <a:avLst/>
                 <a:gdLst/>
                 <a:ahLst/>
+                <a:cxnLst/>
                 <a:rect l="l" t="t" r="r" b="b"/>
                 <a:pathLst>
                   <a:path w="34" h="31">
@@ -4242,10 +4635,10 @@
               <a:gradFill rotWithShape="0">
                 <a:gsLst>
                   <a:gs pos="0">
-                    <a:srgbClr val="82ffff"/>
+                    <a:srgbClr val="82FFFF"/>
                   </a:gs>
                   <a:gs pos="100000">
-                    <a:srgbClr val="3d97de"/>
+                    <a:srgbClr val="3D97DE"/>
                   </a:gs>
                 </a:gsLst>
                 <a:lin ang="5400000"/>
@@ -4255,9 +4648,15 @@
               </a:ln>
             </p:spPr>
             <p:style>
-              <a:lnRef idx="0"/>
-              <a:fillRef idx="0"/>
-              <a:effectRef idx="0"/>
+              <a:lnRef idx="0">
+                <a:scrgbClr r="0" g="0" b="0"/>
+              </a:lnRef>
+              <a:fillRef idx="0">
+                <a:scrgbClr r="0" g="0" b="0"/>
+              </a:fillRef>
+              <a:effectRef idx="0">
+                <a:scrgbClr r="0" g="0" b="0"/>
+              </a:effectRef>
               <a:fontRef idx="minor"/>
             </p:style>
           </p:sp>
@@ -4276,6 +4675,7 @@
                 <a:avLst/>
                 <a:gdLst/>
                 <a:ahLst/>
+                <a:cxnLst/>
                 <a:rect l="0" t="0" r="r" b="b"/>
                 <a:pathLst>
                   <a:path w="1" h="1">
@@ -4290,7 +4690,7 @@
               </a:custGeom>
               <a:ln>
                 <a:solidFill>
-                  <a:srgbClr val="ffffff"/>
+                  <a:srgbClr val="FFFFFF"/>
                 </a:solidFill>
               </a:ln>
             </p:spPr>
@@ -4310,6 +4710,7 @@
                 <a:avLst/>
                 <a:gdLst/>
                 <a:ahLst/>
+                <a:cxnLst/>
                 <a:rect l="l" t="t" r="r" b="b"/>
                 <a:pathLst>
                   <a:path w="78" h="80">
@@ -4335,10 +4736,10 @@
               <a:gradFill rotWithShape="0">
                 <a:gsLst>
                   <a:gs pos="0">
-                    <a:srgbClr val="82ffff"/>
+                    <a:srgbClr val="82FFFF"/>
                   </a:gs>
                   <a:gs pos="100000">
-                    <a:srgbClr val="3d97de"/>
+                    <a:srgbClr val="3D97DE"/>
                   </a:gs>
                 </a:gsLst>
                 <a:lin ang="5400000"/>
@@ -4348,9 +4749,15 @@
               </a:ln>
             </p:spPr>
             <p:style>
-              <a:lnRef idx="0"/>
-              <a:fillRef idx="0"/>
-              <a:effectRef idx="0"/>
+              <a:lnRef idx="0">
+                <a:scrgbClr r="0" g="0" b="0"/>
+              </a:lnRef>
+              <a:fillRef idx="0">
+                <a:scrgbClr r="0" g="0" b="0"/>
+              </a:fillRef>
+              <a:effectRef idx="0">
+                <a:scrgbClr r="0" g="0" b="0"/>
+              </a:effectRef>
               <a:fontRef idx="minor"/>
             </p:style>
           </p:sp>
@@ -4369,6 +4776,7 @@
                 <a:avLst/>
                 <a:gdLst/>
                 <a:ahLst/>
+                <a:cxnLst/>
                 <a:rect l="l" t="t" r="r" b="b"/>
                 <a:pathLst>
                   <a:path w="93" h="303">
@@ -4400,10 +4808,10 @@
               <a:gradFill rotWithShape="0">
                 <a:gsLst>
                   <a:gs pos="0">
-                    <a:srgbClr val="82ffff"/>
+                    <a:srgbClr val="82FFFF"/>
                   </a:gs>
                   <a:gs pos="100000">
-                    <a:srgbClr val="3d97de"/>
+                    <a:srgbClr val="3D97DE"/>
                   </a:gs>
                 </a:gsLst>
                 <a:lin ang="5400000"/>
@@ -4413,9 +4821,15 @@
               </a:ln>
             </p:spPr>
             <p:style>
-              <a:lnRef idx="0"/>
-              <a:fillRef idx="0"/>
-              <a:effectRef idx="0"/>
+              <a:lnRef idx="0">
+                <a:scrgbClr r="0" g="0" b="0"/>
+              </a:lnRef>
+              <a:fillRef idx="0">
+                <a:scrgbClr r="0" g="0" b="0"/>
+              </a:fillRef>
+              <a:effectRef idx="0">
+                <a:scrgbClr r="0" g="0" b="0"/>
+              </a:effectRef>
               <a:fontRef idx="minor"/>
             </p:style>
           </p:sp>
@@ -4434,6 +4848,7 @@
                 <a:avLst/>
                 <a:gdLst/>
                 <a:ahLst/>
+                <a:cxnLst/>
                 <a:rect l="l" t="t" r="r" b="b"/>
                 <a:pathLst>
                   <a:path w="90" h="300">
@@ -4465,10 +4880,10 @@
               <a:gradFill rotWithShape="0">
                 <a:gsLst>
                   <a:gs pos="0">
-                    <a:srgbClr val="82ffff"/>
+                    <a:srgbClr val="82FFFF"/>
                   </a:gs>
                   <a:gs pos="100000">
-                    <a:srgbClr val="3d97de"/>
+                    <a:srgbClr val="3D97DE"/>
                   </a:gs>
                 </a:gsLst>
                 <a:lin ang="5400000"/>
@@ -4478,9 +4893,15 @@
               </a:ln>
             </p:spPr>
             <p:style>
-              <a:lnRef idx="0"/>
-              <a:fillRef idx="0"/>
-              <a:effectRef idx="0"/>
+              <a:lnRef idx="0">
+                <a:scrgbClr r="0" g="0" b="0"/>
+              </a:lnRef>
+              <a:fillRef idx="0">
+                <a:scrgbClr r="0" g="0" b="0"/>
+              </a:fillRef>
+              <a:effectRef idx="0">
+                <a:scrgbClr r="0" g="0" b="0"/>
+              </a:effectRef>
               <a:fontRef idx="minor"/>
             </p:style>
           </p:sp>
@@ -4499,6 +4920,7 @@
                 <a:avLst/>
                 <a:gdLst/>
                 <a:ahLst/>
+                <a:cxnLst/>
                 <a:rect l="l" t="t" r="r" b="b"/>
                 <a:pathLst>
                   <a:path w="24" h="23">
@@ -4556,10 +4978,10 @@
               <a:gradFill rotWithShape="0">
                 <a:gsLst>
                   <a:gs pos="0">
-                    <a:srgbClr val="82ffff"/>
+                    <a:srgbClr val="82FFFF"/>
                   </a:gs>
                   <a:gs pos="100000">
-                    <a:srgbClr val="3d97de"/>
+                    <a:srgbClr val="3D97DE"/>
                   </a:gs>
                 </a:gsLst>
                 <a:lin ang="5400000"/>
@@ -4569,9 +4991,15 @@
               </a:ln>
             </p:spPr>
             <p:style>
-              <a:lnRef idx="0"/>
-              <a:fillRef idx="0"/>
-              <a:effectRef idx="0"/>
+              <a:lnRef idx="0">
+                <a:scrgbClr r="0" g="0" b="0"/>
+              </a:lnRef>
+              <a:fillRef idx="0">
+                <a:scrgbClr r="0" g="0" b="0"/>
+              </a:fillRef>
+              <a:effectRef idx="0">
+                <a:scrgbClr r="0" g="0" b="0"/>
+              </a:effectRef>
               <a:fontRef idx="minor"/>
             </p:style>
           </p:sp>
@@ -4592,10 +5020,10 @@
               <a:gradFill rotWithShape="0">
                 <a:gsLst>
                   <a:gs pos="0">
-                    <a:srgbClr val="82ffff"/>
+                    <a:srgbClr val="82FFFF"/>
                   </a:gs>
                   <a:gs pos="100000">
-                    <a:srgbClr val="3d97de"/>
+                    <a:srgbClr val="3D97DE"/>
                   </a:gs>
                 </a:gsLst>
                 <a:lin ang="5400000"/>
@@ -4605,9 +5033,15 @@
               </a:ln>
             </p:spPr>
             <p:style>
-              <a:lnRef idx="0"/>
-              <a:fillRef idx="0"/>
-              <a:effectRef idx="0"/>
+              <a:lnRef idx="0">
+                <a:scrgbClr r="0" g="0" b="0"/>
+              </a:lnRef>
+              <a:fillRef idx="0">
+                <a:scrgbClr r="0" g="0" b="0"/>
+              </a:fillRef>
+              <a:effectRef idx="0">
+                <a:scrgbClr r="0" g="0" b="0"/>
+              </a:effectRef>
               <a:fontRef idx="minor"/>
             </p:style>
           </p:sp>
@@ -4626,6 +5060,7 @@
                 <a:avLst/>
                 <a:gdLst/>
                 <a:ahLst/>
+                <a:cxnLst/>
                 <a:rect l="l" t="t" r="r" b="b"/>
                 <a:pathLst>
                   <a:path w="233" h="1135">
@@ -4660,10 +5095,10 @@
               <a:gradFill rotWithShape="0">
                 <a:gsLst>
                   <a:gs pos="0">
-                    <a:srgbClr val="82ffff"/>
+                    <a:srgbClr val="82FFFF"/>
                   </a:gs>
                   <a:gs pos="100000">
-                    <a:srgbClr val="3d97de"/>
+                    <a:srgbClr val="3D97DE"/>
                   </a:gs>
                 </a:gsLst>
                 <a:lin ang="5400000"/>
@@ -4673,9 +5108,15 @@
               </a:ln>
             </p:spPr>
             <p:style>
-              <a:lnRef idx="0"/>
-              <a:fillRef idx="0"/>
-              <a:effectRef idx="0"/>
+              <a:lnRef idx="0">
+                <a:scrgbClr r="0" g="0" b="0"/>
+              </a:lnRef>
+              <a:fillRef idx="0">
+                <a:scrgbClr r="0" g="0" b="0"/>
+              </a:fillRef>
+              <a:effectRef idx="0">
+                <a:scrgbClr r="0" g="0" b="0"/>
+              </a:effectRef>
               <a:fontRef idx="minor"/>
             </p:style>
           </p:sp>
@@ -4694,6 +5135,7 @@
                 <a:avLst/>
                 <a:gdLst/>
                 <a:ahLst/>
+                <a:cxnLst/>
                 <a:rect l="l" t="t" r="r" b="b"/>
                 <a:pathLst>
                   <a:path w="40" h="40">
@@ -4751,10 +5193,10 @@
               <a:gradFill rotWithShape="0">
                 <a:gsLst>
                   <a:gs pos="0">
-                    <a:srgbClr val="82ffff"/>
+                    <a:srgbClr val="82FFFF"/>
                   </a:gs>
                   <a:gs pos="100000">
-                    <a:srgbClr val="3d97de"/>
+                    <a:srgbClr val="3D97DE"/>
                   </a:gs>
                 </a:gsLst>
                 <a:lin ang="5400000"/>
@@ -4764,9 +5206,15 @@
               </a:ln>
             </p:spPr>
             <p:style>
-              <a:lnRef idx="0"/>
-              <a:fillRef idx="0"/>
-              <a:effectRef idx="0"/>
+              <a:lnRef idx="0">
+                <a:scrgbClr r="0" g="0" b="0"/>
+              </a:lnRef>
+              <a:fillRef idx="0">
+                <a:scrgbClr r="0" g="0" b="0"/>
+              </a:fillRef>
+              <a:effectRef idx="0">
+                <a:scrgbClr r="0" g="0" b="0"/>
+              </a:effectRef>
               <a:fontRef idx="minor"/>
             </p:style>
           </p:sp>
@@ -4785,6 +5233,7 @@
                 <a:avLst/>
                 <a:gdLst/>
                 <a:ahLst/>
+                <a:cxnLst/>
                 <a:rect l="l" t="t" r="r" b="b"/>
                 <a:pathLst>
                   <a:path w="54" h="766">
@@ -4816,10 +5265,10 @@
               <a:gradFill rotWithShape="0">
                 <a:gsLst>
                   <a:gs pos="0">
-                    <a:srgbClr val="82ffff"/>
+                    <a:srgbClr val="82FFFF"/>
                   </a:gs>
                   <a:gs pos="100000">
-                    <a:srgbClr val="3d97de"/>
+                    <a:srgbClr val="3D97DE"/>
                   </a:gs>
                 </a:gsLst>
                 <a:lin ang="5400000"/>
@@ -4829,9 +5278,15 @@
               </a:ln>
             </p:spPr>
             <p:style>
-              <a:lnRef idx="0"/>
-              <a:fillRef idx="0"/>
-              <a:effectRef idx="0"/>
+              <a:lnRef idx="0">
+                <a:scrgbClr r="0" g="0" b="0"/>
+              </a:lnRef>
+              <a:fillRef idx="0">
+                <a:scrgbClr r="0" g="0" b="0"/>
+              </a:fillRef>
+              <a:effectRef idx="0">
+                <a:scrgbClr r="0" g="0" b="0"/>
+              </a:effectRef>
               <a:fontRef idx="minor"/>
             </p:style>
           </p:sp>
@@ -4850,6 +5305,7 @@
                 <a:avLst/>
                 <a:gdLst/>
                 <a:ahLst/>
+                <a:cxnLst/>
                 <a:rect l="l" t="t" r="r" b="b"/>
                 <a:pathLst>
                   <a:path w="40" h="40">
@@ -4907,10 +5363,10 @@
               <a:gradFill rotWithShape="0">
                 <a:gsLst>
                   <a:gs pos="0">
-                    <a:srgbClr val="82ffff"/>
+                    <a:srgbClr val="82FFFF"/>
                   </a:gs>
                   <a:gs pos="100000">
-                    <a:srgbClr val="3d97de"/>
+                    <a:srgbClr val="3D97DE"/>
                   </a:gs>
                 </a:gsLst>
                 <a:lin ang="5400000"/>
@@ -4920,9 +5376,15 @@
               </a:ln>
             </p:spPr>
             <p:style>
-              <a:lnRef idx="0"/>
-              <a:fillRef idx="0"/>
-              <a:effectRef idx="0"/>
+              <a:lnRef idx="0">
+                <a:scrgbClr r="0" g="0" b="0"/>
+              </a:lnRef>
+              <a:fillRef idx="0">
+                <a:scrgbClr r="0" g="0" b="0"/>
+              </a:fillRef>
+              <a:effectRef idx="0">
+                <a:scrgbClr r="0" g="0" b="0"/>
+              </a:effectRef>
               <a:fontRef idx="minor"/>
             </p:style>
           </p:sp>
@@ -4941,6 +5403,7 @@
                 <a:avLst/>
                 <a:gdLst/>
                 <a:ahLst/>
+                <a:cxnLst/>
                 <a:rect l="l" t="t" r="r" b="b"/>
                 <a:pathLst>
                   <a:path w="236" h="898">
@@ -4975,10 +5438,10 @@
               <a:gradFill rotWithShape="0">
                 <a:gsLst>
                   <a:gs pos="0">
-                    <a:srgbClr val="82ffff"/>
+                    <a:srgbClr val="82FFFF"/>
                   </a:gs>
                   <a:gs pos="100000">
-                    <a:srgbClr val="3d97de"/>
+                    <a:srgbClr val="3D97DE"/>
                   </a:gs>
                 </a:gsLst>
                 <a:lin ang="5400000"/>
@@ -4988,9 +5451,15 @@
               </a:ln>
             </p:spPr>
             <p:style>
-              <a:lnRef idx="0"/>
-              <a:fillRef idx="0"/>
-              <a:effectRef idx="0"/>
+              <a:lnRef idx="0">
+                <a:scrgbClr r="0" g="0" b="0"/>
+              </a:lnRef>
+              <a:fillRef idx="0">
+                <a:scrgbClr r="0" g="0" b="0"/>
+              </a:fillRef>
+              <a:effectRef idx="0">
+                <a:scrgbClr r="0" g="0" b="0"/>
+              </a:effectRef>
               <a:fontRef idx="minor"/>
             </p:style>
           </p:sp>
@@ -5009,6 +5478,7 @@
                 <a:avLst/>
                 <a:gdLst/>
                 <a:ahLst/>
+                <a:cxnLst/>
                 <a:rect l="l" t="t" r="r" b="b"/>
                 <a:pathLst>
                   <a:path w="96" h="575">
@@ -5040,10 +5510,10 @@
               <a:gradFill rotWithShape="0">
                 <a:gsLst>
                   <a:gs pos="0">
-                    <a:srgbClr val="82ffff"/>
+                    <a:srgbClr val="82FFFF"/>
                   </a:gs>
                   <a:gs pos="100000">
-                    <a:srgbClr val="3d97de"/>
+                    <a:srgbClr val="3D97DE"/>
                   </a:gs>
                 </a:gsLst>
                 <a:lin ang="5400000"/>
@@ -5053,9 +5523,15 @@
               </a:ln>
             </p:spPr>
             <p:style>
-              <a:lnRef idx="0"/>
-              <a:fillRef idx="0"/>
-              <a:effectRef idx="0"/>
+              <a:lnRef idx="0">
+                <a:scrgbClr r="0" g="0" b="0"/>
+              </a:lnRef>
+              <a:fillRef idx="0">
+                <a:scrgbClr r="0" g="0" b="0"/>
+              </a:fillRef>
+              <a:effectRef idx="0">
+                <a:scrgbClr r="0" g="0" b="0"/>
+              </a:effectRef>
               <a:fontRef idx="minor"/>
             </p:style>
           </p:sp>
@@ -5074,6 +5550,7 @@
                 <a:avLst/>
                 <a:gdLst/>
                 <a:ahLst/>
+                <a:cxnLst/>
                 <a:rect l="l" t="t" r="r" b="b"/>
                 <a:pathLst>
                   <a:path w="40" h="40">
@@ -5131,10 +5608,10 @@
               <a:gradFill rotWithShape="0">
                 <a:gsLst>
                   <a:gs pos="0">
-                    <a:srgbClr val="82ffff"/>
+                    <a:srgbClr val="82FFFF"/>
                   </a:gs>
                   <a:gs pos="100000">
-                    <a:srgbClr val="3d97de"/>
+                    <a:srgbClr val="3D97DE"/>
                   </a:gs>
                 </a:gsLst>
                 <a:lin ang="5400000"/>
@@ -5144,9 +5621,15 @@
               </a:ln>
             </p:spPr>
             <p:style>
-              <a:lnRef idx="0"/>
-              <a:fillRef idx="0"/>
-              <a:effectRef idx="0"/>
+              <a:lnRef idx="0">
+                <a:scrgbClr r="0" g="0" b="0"/>
+              </a:lnRef>
+              <a:fillRef idx="0">
+                <a:scrgbClr r="0" g="0" b="0"/>
+              </a:fillRef>
+              <a:effectRef idx="0">
+                <a:scrgbClr r="0" g="0" b="0"/>
+              </a:effectRef>
               <a:fontRef idx="minor"/>
             </p:style>
           </p:sp>
@@ -5165,6 +5648,7 @@
                 <a:avLst/>
                 <a:gdLst/>
                 <a:ahLst/>
+                <a:cxnLst/>
                 <a:rect l="l" t="t" r="r" b="b"/>
                 <a:pathLst>
                   <a:path w="40" h="40">
@@ -5222,10 +5706,10 @@
               <a:gradFill rotWithShape="0">
                 <a:gsLst>
                   <a:gs pos="0">
-                    <a:srgbClr val="82ffff"/>
+                    <a:srgbClr val="82FFFF"/>
                   </a:gs>
                   <a:gs pos="100000">
-                    <a:srgbClr val="3d97de"/>
+                    <a:srgbClr val="3D97DE"/>
                   </a:gs>
                 </a:gsLst>
                 <a:lin ang="5400000"/>
@@ -5235,9 +5719,15 @@
               </a:ln>
             </p:spPr>
             <p:style>
-              <a:lnRef idx="0"/>
-              <a:fillRef idx="0"/>
-              <a:effectRef idx="0"/>
+              <a:lnRef idx="0">
+                <a:scrgbClr r="0" g="0" b="0"/>
+              </a:lnRef>
+              <a:fillRef idx="0">
+                <a:scrgbClr r="0" g="0" b="0"/>
+              </a:fillRef>
+              <a:effectRef idx="0">
+                <a:scrgbClr r="0" g="0" b="0"/>
+              </a:effectRef>
               <a:fontRef idx="minor"/>
             </p:style>
           </p:sp>
@@ -5256,6 +5746,7 @@
                 <a:avLst/>
                 <a:gdLst/>
                 <a:ahLst/>
+                <a:cxnLst/>
                 <a:rect l="l" t="t" r="r" b="b"/>
                 <a:pathLst>
                   <a:path w="263" h="326">
@@ -5290,10 +5781,10 @@
               <a:gradFill rotWithShape="0">
                 <a:gsLst>
                   <a:gs pos="0">
-                    <a:srgbClr val="82ffff"/>
+                    <a:srgbClr val="82FFFF"/>
                   </a:gs>
                   <a:gs pos="100000">
-                    <a:srgbClr val="3d97de"/>
+                    <a:srgbClr val="3D97DE"/>
                   </a:gs>
                 </a:gsLst>
                 <a:lin ang="5400000"/>
@@ -5303,9 +5794,15 @@
               </a:ln>
             </p:spPr>
             <p:style>
-              <a:lnRef idx="0"/>
-              <a:fillRef idx="0"/>
-              <a:effectRef idx="0"/>
+              <a:lnRef idx="0">
+                <a:scrgbClr r="0" g="0" b="0"/>
+              </a:lnRef>
+              <a:fillRef idx="0">
+                <a:scrgbClr r="0" g="0" b="0"/>
+              </a:fillRef>
+              <a:effectRef idx="0">
+                <a:scrgbClr r="0" g="0" b="0"/>
+              </a:effectRef>
               <a:fontRef idx="minor"/>
             </p:style>
           </p:sp>
@@ -5324,6 +5821,7 @@
                 <a:avLst/>
                 <a:gdLst/>
                 <a:ahLst/>
+                <a:cxnLst/>
                 <a:rect l="l" t="t" r="r" b="b"/>
                 <a:pathLst>
                   <a:path w="33" h="31">
@@ -5411,10 +5909,10 @@
               <a:gradFill rotWithShape="0">
                 <a:gsLst>
                   <a:gs pos="0">
-                    <a:srgbClr val="82ffff"/>
+                    <a:srgbClr val="82FFFF"/>
                   </a:gs>
                   <a:gs pos="100000">
-                    <a:srgbClr val="3d97de"/>
+                    <a:srgbClr val="3D97DE"/>
                   </a:gs>
                 </a:gsLst>
                 <a:lin ang="5400000"/>
@@ -5424,9 +5922,15 @@
               </a:ln>
             </p:spPr>
             <p:style>
-              <a:lnRef idx="0"/>
-              <a:fillRef idx="0"/>
-              <a:effectRef idx="0"/>
+              <a:lnRef idx="0">
+                <a:scrgbClr r="0" g="0" b="0"/>
+              </a:lnRef>
+              <a:fillRef idx="0">
+                <a:scrgbClr r="0" g="0" b="0"/>
+              </a:fillRef>
+              <a:effectRef idx="0">
+                <a:scrgbClr r="0" g="0" b="0"/>
+              </a:effectRef>
               <a:fontRef idx="minor"/>
             </p:style>
           </p:sp>
@@ -5460,6 +5964,7 @@
                 <a:avLst/>
                 <a:gdLst/>
                 <a:ahLst/>
+                <a:cxnLst/>
                 <a:rect l="l" t="t" r="r" b="b"/>
                 <a:pathLst>
                   <a:path w="263" h="323">
@@ -5494,12 +5999,12 @@
               <a:gradFill rotWithShape="0">
                 <a:gsLst>
                   <a:gs pos="0">
-                    <a:srgbClr val="82ffff">
+                    <a:srgbClr val="82FFFF">
                       <a:alpha val="80000"/>
                     </a:srgbClr>
                   </a:gs>
                   <a:gs pos="100000">
-                    <a:srgbClr val="3d97de">
+                    <a:srgbClr val="3D97DE">
                       <a:alpha val="60000"/>
                     </a:srgbClr>
                   </a:gs>
@@ -5511,9 +6016,15 @@
               </a:ln>
             </p:spPr>
             <p:style>
-              <a:lnRef idx="0"/>
-              <a:fillRef idx="0"/>
-              <a:effectRef idx="0"/>
+              <a:lnRef idx="0">
+                <a:scrgbClr r="0" g="0" b="0"/>
+              </a:lnRef>
+              <a:fillRef idx="0">
+                <a:scrgbClr r="0" g="0" b="0"/>
+              </a:fillRef>
+              <a:effectRef idx="0">
+                <a:scrgbClr r="0" g="0" b="0"/>
+              </a:effectRef>
               <a:fontRef idx="minor"/>
             </p:style>
           </p:sp>
@@ -5532,6 +6043,7 @@
                 <a:avLst/>
                 <a:gdLst/>
                 <a:ahLst/>
+                <a:cxnLst/>
                 <a:rect l="l" t="t" r="r" b="b"/>
                 <a:pathLst>
                   <a:path w="33" h="32">
@@ -5614,12 +6126,12 @@
               <a:gradFill rotWithShape="0">
                 <a:gsLst>
                   <a:gs pos="0">
-                    <a:srgbClr val="82ffff">
+                    <a:srgbClr val="82FFFF">
                       <a:alpha val="80000"/>
                     </a:srgbClr>
                   </a:gs>
                   <a:gs pos="100000">
-                    <a:srgbClr val="3d97de">
+                    <a:srgbClr val="3D97DE">
                       <a:alpha val="60000"/>
                     </a:srgbClr>
                   </a:gs>
@@ -5631,9 +6143,15 @@
               </a:ln>
             </p:spPr>
             <p:style>
-              <a:lnRef idx="0"/>
-              <a:fillRef idx="0"/>
-              <a:effectRef idx="0"/>
+              <a:lnRef idx="0">
+                <a:scrgbClr r="0" g="0" b="0"/>
+              </a:lnRef>
+              <a:fillRef idx="0">
+                <a:scrgbClr r="0" g="0" b="0"/>
+              </a:fillRef>
+              <a:effectRef idx="0">
+                <a:scrgbClr r="0" g="0" b="0"/>
+              </a:effectRef>
               <a:fontRef idx="minor"/>
             </p:style>
           </p:sp>
@@ -5652,6 +6170,7 @@
                 <a:avLst/>
                 <a:gdLst/>
                 <a:ahLst/>
+                <a:cxnLst/>
                 <a:rect l="l" t="t" r="r" b="b"/>
                 <a:pathLst>
                   <a:path w="40" h="40">
@@ -5709,12 +6228,12 @@
               <a:gradFill rotWithShape="0">
                 <a:gsLst>
                   <a:gs pos="0">
-                    <a:srgbClr val="82ffff">
+                    <a:srgbClr val="82FFFF">
                       <a:alpha val="80000"/>
                     </a:srgbClr>
                   </a:gs>
                   <a:gs pos="100000">
-                    <a:srgbClr val="3d97de">
+                    <a:srgbClr val="3D97DE">
                       <a:alpha val="60000"/>
                     </a:srgbClr>
                   </a:gs>
@@ -5726,9 +6245,15 @@
               </a:ln>
             </p:spPr>
             <p:style>
-              <a:lnRef idx="0"/>
-              <a:fillRef idx="0"/>
-              <a:effectRef idx="0"/>
+              <a:lnRef idx="0">
+                <a:scrgbClr r="0" g="0" b="0"/>
+              </a:lnRef>
+              <a:fillRef idx="0">
+                <a:scrgbClr r="0" g="0" b="0"/>
+              </a:fillRef>
+              <a:effectRef idx="0">
+                <a:scrgbClr r="0" g="0" b="0"/>
+              </a:effectRef>
               <a:fontRef idx="minor"/>
             </p:style>
           </p:sp>
@@ -5747,6 +6272,7 @@
                 <a:avLst/>
                 <a:gdLst/>
                 <a:ahLst/>
+                <a:cxnLst/>
                 <a:rect l="l" t="t" r="r" b="b"/>
                 <a:pathLst>
                   <a:path w="188" h="727">
@@ -5781,12 +6307,12 @@
               <a:gradFill rotWithShape="0">
                 <a:gsLst>
                   <a:gs pos="0">
-                    <a:srgbClr val="82ffff">
+                    <a:srgbClr val="82FFFF">
                       <a:alpha val="80000"/>
                     </a:srgbClr>
                   </a:gs>
                   <a:gs pos="100000">
-                    <a:srgbClr val="3d97de">
+                    <a:srgbClr val="3D97DE">
                       <a:alpha val="60000"/>
                     </a:srgbClr>
                   </a:gs>
@@ -5798,9 +6324,15 @@
               </a:ln>
             </p:spPr>
             <p:style>
-              <a:lnRef idx="0"/>
-              <a:fillRef idx="0"/>
-              <a:effectRef idx="0"/>
+              <a:lnRef idx="0">
+                <a:scrgbClr r="0" g="0" b="0"/>
+              </a:lnRef>
+              <a:fillRef idx="0">
+                <a:scrgbClr r="0" g="0" b="0"/>
+              </a:fillRef>
+              <a:effectRef idx="0">
+                <a:scrgbClr r="0" g="0" b="0"/>
+              </a:effectRef>
               <a:fontRef idx="minor"/>
             </p:style>
           </p:sp>
@@ -5819,6 +6351,7 @@
                 <a:avLst/>
                 <a:gdLst/>
                 <a:ahLst/>
+                <a:cxnLst/>
                 <a:rect l="l" t="t" r="r" b="b"/>
                 <a:pathLst>
                   <a:path w="33" h="33">
@@ -5876,12 +6409,12 @@
               <a:gradFill rotWithShape="0">
                 <a:gsLst>
                   <a:gs pos="0">
-                    <a:srgbClr val="82ffff">
+                    <a:srgbClr val="82FFFF">
                       <a:alpha val="80000"/>
                     </a:srgbClr>
                   </a:gs>
                   <a:gs pos="100000">
-                    <a:srgbClr val="3d97de">
+                    <a:srgbClr val="3D97DE">
                       <a:alpha val="60000"/>
                     </a:srgbClr>
                   </a:gs>
@@ -5893,9 +6426,15 @@
               </a:ln>
             </p:spPr>
             <p:style>
-              <a:lnRef idx="0"/>
-              <a:fillRef idx="0"/>
-              <a:effectRef idx="0"/>
+              <a:lnRef idx="0">
+                <a:scrgbClr r="0" g="0" b="0"/>
+              </a:lnRef>
+              <a:fillRef idx="0">
+                <a:scrgbClr r="0" g="0" b="0"/>
+              </a:fillRef>
+              <a:effectRef idx="0">
+                <a:scrgbClr r="0" g="0" b="0"/>
+              </a:effectRef>
               <a:fontRef idx="minor"/>
             </p:style>
           </p:sp>
@@ -5914,6 +6453,7 @@
                 <a:avLst/>
                 <a:gdLst/>
                 <a:ahLst/>
+                <a:cxnLst/>
                 <a:rect l="l" t="t" r="r" b="b"/>
                 <a:pathLst>
                   <a:path w="192" h="973">
@@ -5951,12 +6491,12 @@
               <a:gradFill rotWithShape="0">
                 <a:gsLst>
                   <a:gs pos="0">
-                    <a:srgbClr val="82ffff">
+                    <a:srgbClr val="82FFFF">
                       <a:alpha val="80000"/>
                     </a:srgbClr>
                   </a:gs>
                   <a:gs pos="100000">
-                    <a:srgbClr val="3d97de">
+                    <a:srgbClr val="3D97DE">
                       <a:alpha val="60000"/>
                     </a:srgbClr>
                   </a:gs>
@@ -5968,9 +6508,15 @@
               </a:ln>
             </p:spPr>
             <p:style>
-              <a:lnRef idx="0"/>
-              <a:fillRef idx="0"/>
-              <a:effectRef idx="0"/>
+              <a:lnRef idx="0">
+                <a:scrgbClr r="0" g="0" b="0"/>
+              </a:lnRef>
+              <a:fillRef idx="0">
+                <a:scrgbClr r="0" g="0" b="0"/>
+              </a:fillRef>
+              <a:effectRef idx="0">
+                <a:scrgbClr r="0" g="0" b="0"/>
+              </a:effectRef>
               <a:fontRef idx="minor"/>
             </p:style>
           </p:sp>
@@ -5989,6 +6535,7 @@
                 <a:avLst/>
                 <a:gdLst/>
                 <a:ahLst/>
+                <a:cxnLst/>
                 <a:rect l="l" t="t" r="r" b="b"/>
                 <a:pathLst>
                   <a:path w="40" h="40">
@@ -6046,12 +6593,12 @@
               <a:gradFill rotWithShape="0">
                 <a:gsLst>
                   <a:gs pos="0">
-                    <a:srgbClr val="82ffff">
+                    <a:srgbClr val="82FFFF">
                       <a:alpha val="80000"/>
                     </a:srgbClr>
                   </a:gs>
                   <a:gs pos="100000">
-                    <a:srgbClr val="3d97de">
+                    <a:srgbClr val="3D97DE">
                       <a:alpha val="60000"/>
                     </a:srgbClr>
                   </a:gs>
@@ -6063,9 +6610,15 @@
               </a:ln>
             </p:spPr>
             <p:style>
-              <a:lnRef idx="0"/>
-              <a:fillRef idx="0"/>
-              <a:effectRef idx="0"/>
+              <a:lnRef idx="0">
+                <a:scrgbClr r="0" g="0" b="0"/>
+              </a:lnRef>
+              <a:fillRef idx="0">
+                <a:scrgbClr r="0" g="0" b="0"/>
+              </a:fillRef>
+              <a:effectRef idx="0">
+                <a:scrgbClr r="0" g="0" b="0"/>
+              </a:effectRef>
               <a:fontRef idx="minor"/>
             </p:style>
           </p:sp>
@@ -6084,6 +6637,7 @@
                 <a:avLst/>
                 <a:gdLst/>
                 <a:ahLst/>
+                <a:cxnLst/>
                 <a:rect l="l" t="t" r="r" b="b"/>
                 <a:pathLst>
                   <a:path w="194" h="1135">
@@ -6121,12 +6675,12 @@
               <a:gradFill rotWithShape="0">
                 <a:gsLst>
                   <a:gs pos="0">
-                    <a:srgbClr val="82ffff">
+                    <a:srgbClr val="82FFFF">
                       <a:alpha val="80000"/>
                     </a:srgbClr>
                   </a:gs>
                   <a:gs pos="100000">
-                    <a:srgbClr val="3d97de">
+                    <a:srgbClr val="3D97DE">
                       <a:alpha val="60000"/>
                     </a:srgbClr>
                   </a:gs>
@@ -6138,9 +6692,15 @@
               </a:ln>
             </p:spPr>
             <p:style>
-              <a:lnRef idx="0"/>
-              <a:fillRef idx="0"/>
-              <a:effectRef idx="0"/>
+              <a:lnRef idx="0">
+                <a:scrgbClr r="0" g="0" b="0"/>
+              </a:lnRef>
+              <a:fillRef idx="0">
+                <a:scrgbClr r="0" g="0" b="0"/>
+              </a:fillRef>
+              <a:effectRef idx="0">
+                <a:scrgbClr r="0" g="0" b="0"/>
+              </a:effectRef>
               <a:fontRef idx="minor"/>
             </p:style>
           </p:sp>
@@ -6159,6 +6719,7 @@
                 <a:avLst/>
                 <a:gdLst/>
                 <a:ahLst/>
+                <a:cxnLst/>
                 <a:rect l="l" t="t" r="r" b="b"/>
                 <a:pathLst>
                   <a:path w="40" h="40">
@@ -6216,12 +6777,12 @@
               <a:gradFill rotWithShape="0">
                 <a:gsLst>
                   <a:gs pos="0">
-                    <a:srgbClr val="82ffff">
+                    <a:srgbClr val="82FFFF">
                       <a:alpha val="80000"/>
                     </a:srgbClr>
                   </a:gs>
                   <a:gs pos="100000">
-                    <a:srgbClr val="3d97de">
+                    <a:srgbClr val="3D97DE">
                       <a:alpha val="60000"/>
                     </a:srgbClr>
                   </a:gs>
@@ -6233,9 +6794,15 @@
               </a:ln>
             </p:spPr>
             <p:style>
-              <a:lnRef idx="0"/>
-              <a:fillRef idx="0"/>
-              <a:effectRef idx="0"/>
+              <a:lnRef idx="0">
+                <a:scrgbClr r="0" g="0" b="0"/>
+              </a:lnRef>
+              <a:fillRef idx="0">
+                <a:scrgbClr r="0" g="0" b="0"/>
+              </a:fillRef>
+              <a:effectRef idx="0">
+                <a:scrgbClr r="0" g="0" b="0"/>
+              </a:effectRef>
               <a:fontRef idx="minor"/>
             </p:style>
           </p:sp>
@@ -6256,12 +6823,12 @@
               <a:gradFill rotWithShape="0">
                 <a:gsLst>
                   <a:gs pos="0">
-                    <a:srgbClr val="82ffff">
+                    <a:srgbClr val="82FFFF">
                       <a:alpha val="80000"/>
                     </a:srgbClr>
                   </a:gs>
                   <a:gs pos="100000">
-                    <a:srgbClr val="3d97de">
+                    <a:srgbClr val="3D97DE">
                       <a:alpha val="60000"/>
                     </a:srgbClr>
                   </a:gs>
@@ -6273,9 +6840,15 @@
               </a:ln>
             </p:spPr>
             <p:style>
-              <a:lnRef idx="0"/>
-              <a:fillRef idx="0"/>
-              <a:effectRef idx="0"/>
+              <a:lnRef idx="0">
+                <a:scrgbClr r="0" g="0" b="0"/>
+              </a:lnRef>
+              <a:fillRef idx="0">
+                <a:scrgbClr r="0" g="0" b="0"/>
+              </a:fillRef>
+              <a:effectRef idx="0">
+                <a:scrgbClr r="0" g="0" b="0"/>
+              </a:effectRef>
               <a:fontRef idx="minor"/>
             </p:style>
           </p:sp>
@@ -6304,8 +6877,9 @@
           <a:bodyPr anchor="ctr">
             <a:noAutofit/>
           </a:bodyPr>
-          <a:p>
-            <a:endParaRPr b="0" lang="fr-FR" sz="2400" spc="-1" strike="noStrike">
+          <a:lstStyle/>
+          <a:p>
+            <a:endParaRPr lang="fr-FR" sz="2400" b="0" strike="noStrike" spc="-1">
               <a:latin typeface="Times New Roman"/>
             </a:endParaRPr>
           </a:p>
@@ -6334,8 +6908,9 @@
           <a:bodyPr anchor="ctr">
             <a:noAutofit/>
           </a:bodyPr>
-          <a:p>
-            <a:endParaRPr b="0" lang="fr-FR" sz="2400" spc="-1" strike="noStrike">
+          <a:lstStyle/>
+          <a:p>
+            <a:endParaRPr lang="fr-FR" sz="2400" b="0" strike="noStrike" spc="-1">
               <a:latin typeface="Times New Roman"/>
             </a:endParaRPr>
           </a:p>
@@ -6364,6 +6939,7 @@
           <a:bodyPr anchor="ctr">
             <a:noAutofit/>
           </a:bodyPr>
+          <a:lstStyle/>
           <a:p>
             <a:pPr algn="r">
               <a:lnSpc>
@@ -6371,15 +6947,15 @@
               </a:lnSpc>
             </a:pPr>
             <a:fld id="{7E0770C3-20D4-435D-A2DA-0E526790F9ED}" type="slidenum">
-              <a:rPr b="0" lang="fr-FR" sz="870" spc="-1" strike="noStrike">
+              <a:rPr lang="fr-FR" sz="870" b="0" strike="noStrike" spc="-1">
                 <a:solidFill>
-                  <a:srgbClr val="ffffff"/>
+                  <a:srgbClr val="FFFFFF"/>
                 </a:solidFill>
                 <a:latin typeface="Tw Cen MT"/>
               </a:rPr>
-              <a:t>&lt;numéro&gt;</a:t>
+              <a:t>‹N°›</a:t>
             </a:fld>
-            <a:endParaRPr b="0" lang="fr-FR" sz="870" spc="-1" strike="noStrike">
+            <a:endParaRPr lang="fr-FR" sz="870" b="0" strike="noStrike" spc="-1">
               <a:latin typeface="Times New Roman"/>
             </a:endParaRPr>
           </a:p>
@@ -6405,25 +6981,20 @@
           </a:prstGeom>
         </p:spPr>
         <p:txBody>
-          <a:bodyPr lIns="0" rIns="0" tIns="0" bIns="0" anchor="ctr">
+          <a:bodyPr lIns="0" tIns="0" rIns="0" bIns="0" anchor="ctr">
             <a:noAutofit/>
           </a:bodyPr>
+          <a:lstStyle/>
           <a:p>
             <a:r>
-              <a:rPr b="0" lang="en-US" sz="1800" spc="-1" strike="noStrike">
+              <a:rPr lang="en-US" sz="1800" b="0" strike="noStrike" spc="-1">
                 <a:solidFill>
-                  <a:srgbClr val="ffffff"/>
+                  <a:srgbClr val="FFFFFF"/>
                 </a:solidFill>
                 <a:latin typeface="Tw Cen MT"/>
               </a:rPr>
               <a:t>Cliquez pour éditer le format du texte-titre</a:t>
             </a:r>
-            <a:endParaRPr b="0" lang="en-US" sz="1800" spc="-1" strike="noStrike">
-              <a:solidFill>
-                <a:srgbClr val="ffffff"/>
-              </a:solidFill>
-              <a:latin typeface="Tw Cen MT"/>
-            </a:endParaRPr>
           </a:p>
         </p:txBody>
       </p:sp>
@@ -6447,9 +7018,10 @@
           </a:prstGeom>
         </p:spPr>
         <p:txBody>
-          <a:bodyPr lIns="0" rIns="0" tIns="0" bIns="0">
+          <a:bodyPr lIns="0" tIns="0" rIns="0" bIns="0">
             <a:normAutofit/>
           </a:bodyPr>
+          <a:lstStyle/>
           <a:p>
             <a:pPr marL="432000" indent="-324000">
               <a:spcBef>
@@ -6463,23 +7035,17 @@
               <a:buChar char=""/>
             </a:pPr>
             <a:r>
-              <a:rPr b="0" lang="en-US" sz="1990" spc="-1" strike="noStrike">
+              <a:rPr lang="en-US" sz="1990" b="0" strike="noStrike" spc="-1">
                 <a:solidFill>
-                  <a:srgbClr val="ffffff"/>
+                  <a:srgbClr val="FFFFFF"/>
                 </a:solidFill>
                 <a:latin typeface="Tw Cen MT"/>
               </a:rPr>
               <a:t>Cliquez pour éditer le format du plan de texte</a:t>
             </a:r>
-            <a:endParaRPr b="0" lang="en-US" sz="1990" spc="-1" strike="noStrike">
-              <a:solidFill>
-                <a:srgbClr val="ffffff"/>
-              </a:solidFill>
-              <a:latin typeface="Tw Cen MT"/>
-            </a:endParaRPr>
-          </a:p>
-          <a:p>
-            <a:pPr lvl="1" marL="864000" indent="-324000">
+          </a:p>
+          <a:p>
+            <a:pPr marL="864000" lvl="1" indent="-324000">
               <a:spcBef>
                 <a:spcPts val="1134"/>
               </a:spcBef>
@@ -6491,23 +7057,17 @@
               <a:buChar char=""/>
             </a:pPr>
             <a:r>
-              <a:rPr b="0" lang="en-US" sz="1490" spc="-1" strike="noStrike">
+              <a:rPr lang="en-US" sz="1490" b="0" strike="noStrike" spc="-1">
                 <a:solidFill>
-                  <a:srgbClr val="ffffff"/>
+                  <a:srgbClr val="FFFFFF"/>
                 </a:solidFill>
                 <a:latin typeface="Tw Cen MT"/>
               </a:rPr>
               <a:t>Second niveau de plan</a:t>
             </a:r>
-            <a:endParaRPr b="0" lang="en-US" sz="1490" spc="-1" strike="noStrike">
-              <a:solidFill>
-                <a:srgbClr val="ffffff"/>
-              </a:solidFill>
-              <a:latin typeface="Tw Cen MT"/>
-            </a:endParaRPr>
-          </a:p>
-          <a:p>
-            <a:pPr lvl="2" marL="1296000" indent="-288000">
+          </a:p>
+          <a:p>
+            <a:pPr marL="1296000" lvl="2" indent="-288000">
               <a:spcBef>
                 <a:spcPts val="850"/>
               </a:spcBef>
@@ -6519,23 +7079,17 @@
               <a:buChar char=""/>
             </a:pPr>
             <a:r>
-              <a:rPr b="0" lang="en-US" sz="1330" spc="-1" strike="noStrike">
+              <a:rPr lang="en-US" sz="1330" b="0" strike="noStrike" spc="-1">
                 <a:solidFill>
-                  <a:srgbClr val="ffffff"/>
+                  <a:srgbClr val="FFFFFF"/>
                 </a:solidFill>
                 <a:latin typeface="Tw Cen MT"/>
               </a:rPr>
               <a:t>Troisième niveau de plan</a:t>
             </a:r>
-            <a:endParaRPr b="0" lang="en-US" sz="1330" spc="-1" strike="noStrike">
-              <a:solidFill>
-                <a:srgbClr val="ffffff"/>
-              </a:solidFill>
-              <a:latin typeface="Tw Cen MT"/>
-            </a:endParaRPr>
-          </a:p>
-          <a:p>
-            <a:pPr lvl="3" marL="1728000" indent="-216000">
+          </a:p>
+          <a:p>
+            <a:pPr marL="1728000" lvl="3" indent="-216000">
               <a:spcBef>
                 <a:spcPts val="567"/>
               </a:spcBef>
@@ -6547,23 +7101,17 @@
               <a:buChar char=""/>
             </a:pPr>
             <a:r>
-              <a:rPr b="0" lang="en-US" sz="1330" spc="-1" strike="noStrike">
+              <a:rPr lang="en-US" sz="1330" b="0" strike="noStrike" spc="-1">
                 <a:solidFill>
-                  <a:srgbClr val="ffffff"/>
+                  <a:srgbClr val="FFFFFF"/>
                 </a:solidFill>
                 <a:latin typeface="Tw Cen MT"/>
               </a:rPr>
               <a:t>Quatrième niveau de plan</a:t>
             </a:r>
-            <a:endParaRPr b="0" lang="en-US" sz="1330" spc="-1" strike="noStrike">
-              <a:solidFill>
-                <a:srgbClr val="ffffff"/>
-              </a:solidFill>
-              <a:latin typeface="Tw Cen MT"/>
-            </a:endParaRPr>
-          </a:p>
-          <a:p>
-            <a:pPr lvl="4" marL="2160000" indent="-216000">
+          </a:p>
+          <a:p>
+            <a:pPr marL="2160000" lvl="4" indent="-216000">
               <a:spcBef>
                 <a:spcPts val="283"/>
               </a:spcBef>
@@ -6575,23 +7123,17 @@
               <a:buChar char=""/>
             </a:pPr>
             <a:r>
-              <a:rPr b="0" lang="en-US" sz="2000" spc="-1" strike="noStrike">
+              <a:rPr lang="en-US" sz="2000" b="0" strike="noStrike" spc="-1">
                 <a:solidFill>
-                  <a:srgbClr val="ffffff"/>
+                  <a:srgbClr val="FFFFFF"/>
                 </a:solidFill>
                 <a:latin typeface="Tw Cen MT"/>
               </a:rPr>
               <a:t>Cinquième niveau de plan</a:t>
             </a:r>
-            <a:endParaRPr b="0" lang="en-US" sz="2000" spc="-1" strike="noStrike">
-              <a:solidFill>
-                <a:srgbClr val="ffffff"/>
-              </a:solidFill>
-              <a:latin typeface="Tw Cen MT"/>
-            </a:endParaRPr>
-          </a:p>
-          <a:p>
-            <a:pPr lvl="5" marL="2592000" indent="-216000">
+          </a:p>
+          <a:p>
+            <a:pPr marL="2592000" lvl="5" indent="-216000">
               <a:spcBef>
                 <a:spcPts val="283"/>
               </a:spcBef>
@@ -6603,23 +7145,17 @@
               <a:buChar char=""/>
             </a:pPr>
             <a:r>
-              <a:rPr b="0" lang="en-US" sz="2000" spc="-1" strike="noStrike">
+              <a:rPr lang="en-US" sz="2000" b="0" strike="noStrike" spc="-1">
                 <a:solidFill>
-                  <a:srgbClr val="ffffff"/>
+                  <a:srgbClr val="FFFFFF"/>
                 </a:solidFill>
                 <a:latin typeface="Tw Cen MT"/>
               </a:rPr>
               <a:t>Sixième niveau de plan</a:t>
             </a:r>
-            <a:endParaRPr b="0" lang="en-US" sz="2000" spc="-1" strike="noStrike">
-              <a:solidFill>
-                <a:srgbClr val="ffffff"/>
-              </a:solidFill>
-              <a:latin typeface="Tw Cen MT"/>
-            </a:endParaRPr>
-          </a:p>
-          <a:p>
-            <a:pPr lvl="6" marL="3024000" indent="-216000">
+          </a:p>
+          <a:p>
+            <a:pPr marL="3024000" lvl="6" indent="-216000">
               <a:spcBef>
                 <a:spcPts val="283"/>
               </a:spcBef>
@@ -6631,45 +7167,319 @@
               <a:buChar char=""/>
             </a:pPr>
             <a:r>
-              <a:rPr b="0" lang="en-US" sz="2000" spc="-1" strike="noStrike">
+              <a:rPr lang="en-US" sz="2000" b="0" strike="noStrike" spc="-1">
                 <a:solidFill>
-                  <a:srgbClr val="ffffff"/>
+                  <a:srgbClr val="FFFFFF"/>
                 </a:solidFill>
                 <a:latin typeface="Tw Cen MT"/>
               </a:rPr>
               <a:t>Septième niveau de plan</a:t>
             </a:r>
-            <a:endParaRPr b="0" lang="en-US" sz="2000" spc="-1" strike="noStrike">
-              <a:solidFill>
-                <a:srgbClr val="ffffff"/>
-              </a:solidFill>
-              <a:latin typeface="Tw Cen MT"/>
-            </a:endParaRPr>
           </a:p>
         </p:txBody>
       </p:sp>
     </p:spTree>
   </p:cSld>
-  <p:clrMap bg1="lt1" bg2="lt2" tx1="dk1" tx2="dk2" accent1="accent1" accent2="accent2" accent3="accent3" accent4="accent4" accent5="accent5" accent6="accent6" hlink="hlink" folHlink="folHlink"/>
+  <p:clrMap bg1="lt1" tx1="dk1" bg2="lt2" tx2="dk2" accent1="accent1" accent2="accent2" accent3="accent3" accent4="accent4" accent5="accent5" accent6="accent6" hlink="hlink" folHlink="folHlink"/>
   <p:sldLayoutIdLst>
-    <p:sldLayoutId id="2147483649" r:id="rId4"/>
-    <p:sldLayoutId id="2147483650" r:id="rId5"/>
-    <p:sldLayoutId id="2147483651" r:id="rId6"/>
-    <p:sldLayoutId id="2147483652" r:id="rId7"/>
-    <p:sldLayoutId id="2147483653" r:id="rId8"/>
-    <p:sldLayoutId id="2147483654" r:id="rId9"/>
-    <p:sldLayoutId id="2147483655" r:id="rId10"/>
-    <p:sldLayoutId id="2147483656" r:id="rId11"/>
-    <p:sldLayoutId id="2147483657" r:id="rId12"/>
-    <p:sldLayoutId id="2147483658" r:id="rId13"/>
-    <p:sldLayoutId id="2147483659" r:id="rId14"/>
-    <p:sldLayoutId id="2147483660" r:id="rId15"/>
+    <p:sldLayoutId id="2147483649" r:id="rId1"/>
+    <p:sldLayoutId id="2147483650" r:id="rId2"/>
+    <p:sldLayoutId id="2147483651" r:id="rId3"/>
+    <p:sldLayoutId id="2147483652" r:id="rId4"/>
+    <p:sldLayoutId id="2147483653" r:id="rId5"/>
+    <p:sldLayoutId id="2147483654" r:id="rId6"/>
+    <p:sldLayoutId id="2147483655" r:id="rId7"/>
+    <p:sldLayoutId id="2147483656" r:id="rId8"/>
+    <p:sldLayoutId id="2147483657" r:id="rId9"/>
+    <p:sldLayoutId id="2147483658" r:id="rId10"/>
+    <p:sldLayoutId id="2147483659" r:id="rId11"/>
+    <p:sldLayoutId id="2147483660" r:id="rId12"/>
   </p:sldLayoutIdLst>
+  <p:txStyles>
+    <p:titleStyle>
+      <a:lvl1pPr algn="l" defTabSz="914400" rtl="0" eaLnBrk="1" latinLnBrk="0" hangingPunct="1">
+        <a:lnSpc>
+          <a:spcPct val="90000"/>
+        </a:lnSpc>
+        <a:spcBef>
+          <a:spcPct val="0"/>
+        </a:spcBef>
+        <a:buNone/>
+        <a:defRPr sz="4400" kern="1200">
+          <a:solidFill>
+            <a:schemeClr val="tx1"/>
+          </a:solidFill>
+          <a:latin typeface="+mj-lt"/>
+          <a:ea typeface="+mj-ea"/>
+          <a:cs typeface="+mj-cs"/>
+        </a:defRPr>
+      </a:lvl1pPr>
+    </p:titleStyle>
+    <p:bodyStyle>
+      <a:lvl1pPr marL="228600" indent="-228600" algn="l" defTabSz="914400" rtl="0" eaLnBrk="1" latinLnBrk="0" hangingPunct="1">
+        <a:lnSpc>
+          <a:spcPct val="90000"/>
+        </a:lnSpc>
+        <a:spcBef>
+          <a:spcPts val="1000"/>
+        </a:spcBef>
+        <a:buFont typeface="Arial" panose="020B0604020202020204" pitchFamily="34" charset="0"/>
+        <a:buChar char="•"/>
+        <a:defRPr sz="2800" kern="1200">
+          <a:solidFill>
+            <a:schemeClr val="tx1"/>
+          </a:solidFill>
+          <a:latin typeface="+mn-lt"/>
+          <a:ea typeface="+mn-ea"/>
+          <a:cs typeface="+mn-cs"/>
+        </a:defRPr>
+      </a:lvl1pPr>
+      <a:lvl2pPr marL="685800" indent="-228600" algn="l" defTabSz="914400" rtl="0" eaLnBrk="1" latinLnBrk="0" hangingPunct="1">
+        <a:lnSpc>
+          <a:spcPct val="90000"/>
+        </a:lnSpc>
+        <a:spcBef>
+          <a:spcPts val="500"/>
+        </a:spcBef>
+        <a:buFont typeface="Arial" panose="020B0604020202020204" pitchFamily="34" charset="0"/>
+        <a:buChar char="•"/>
+        <a:defRPr sz="2400" kern="1200">
+          <a:solidFill>
+            <a:schemeClr val="tx1"/>
+          </a:solidFill>
+          <a:latin typeface="+mn-lt"/>
+          <a:ea typeface="+mn-ea"/>
+          <a:cs typeface="+mn-cs"/>
+        </a:defRPr>
+      </a:lvl2pPr>
+      <a:lvl3pPr marL="1143000" indent="-228600" algn="l" defTabSz="914400" rtl="0" eaLnBrk="1" latinLnBrk="0" hangingPunct="1">
+        <a:lnSpc>
+          <a:spcPct val="90000"/>
+        </a:lnSpc>
+        <a:spcBef>
+          <a:spcPts val="500"/>
+        </a:spcBef>
+        <a:buFont typeface="Arial" panose="020B0604020202020204" pitchFamily="34" charset="0"/>
+        <a:buChar char="•"/>
+        <a:defRPr sz="2000" kern="1200">
+          <a:solidFill>
+            <a:schemeClr val="tx1"/>
+          </a:solidFill>
+          <a:latin typeface="+mn-lt"/>
+          <a:ea typeface="+mn-ea"/>
+          <a:cs typeface="+mn-cs"/>
+        </a:defRPr>
+      </a:lvl3pPr>
+      <a:lvl4pPr marL="1600200" indent="-228600" algn="l" defTabSz="914400" rtl="0" eaLnBrk="1" latinLnBrk="0" hangingPunct="1">
+        <a:lnSpc>
+          <a:spcPct val="90000"/>
+        </a:lnSpc>
+        <a:spcBef>
+          <a:spcPts val="500"/>
+        </a:spcBef>
+        <a:buFont typeface="Arial" panose="020B0604020202020204" pitchFamily="34" charset="0"/>
+        <a:buChar char="•"/>
+        <a:defRPr sz="1800" kern="1200">
+          <a:solidFill>
+            <a:schemeClr val="tx1"/>
+          </a:solidFill>
+          <a:latin typeface="+mn-lt"/>
+          <a:ea typeface="+mn-ea"/>
+          <a:cs typeface="+mn-cs"/>
+        </a:defRPr>
+      </a:lvl4pPr>
+      <a:lvl5pPr marL="2057400" indent="-228600" algn="l" defTabSz="914400" rtl="0" eaLnBrk="1" latinLnBrk="0" hangingPunct="1">
+        <a:lnSpc>
+          <a:spcPct val="90000"/>
+        </a:lnSpc>
+        <a:spcBef>
+          <a:spcPts val="500"/>
+        </a:spcBef>
+        <a:buFont typeface="Arial" panose="020B0604020202020204" pitchFamily="34" charset="0"/>
+        <a:buChar char="•"/>
+        <a:defRPr sz="1800" kern="1200">
+          <a:solidFill>
+            <a:schemeClr val="tx1"/>
+          </a:solidFill>
+          <a:latin typeface="+mn-lt"/>
+          <a:ea typeface="+mn-ea"/>
+          <a:cs typeface="+mn-cs"/>
+        </a:defRPr>
+      </a:lvl5pPr>
+      <a:lvl6pPr marL="2514600" indent="-228600" algn="l" defTabSz="914400" rtl="0" eaLnBrk="1" latinLnBrk="0" hangingPunct="1">
+        <a:lnSpc>
+          <a:spcPct val="90000"/>
+        </a:lnSpc>
+        <a:spcBef>
+          <a:spcPts val="500"/>
+        </a:spcBef>
+        <a:buFont typeface="Arial" panose="020B0604020202020204" pitchFamily="34" charset="0"/>
+        <a:buChar char="•"/>
+        <a:defRPr sz="1800" kern="1200">
+          <a:solidFill>
+            <a:schemeClr val="tx1"/>
+          </a:solidFill>
+          <a:latin typeface="+mn-lt"/>
+          <a:ea typeface="+mn-ea"/>
+          <a:cs typeface="+mn-cs"/>
+        </a:defRPr>
+      </a:lvl6pPr>
+      <a:lvl7pPr marL="2971800" indent="-228600" algn="l" defTabSz="914400" rtl="0" eaLnBrk="1" latinLnBrk="0" hangingPunct="1">
+        <a:lnSpc>
+          <a:spcPct val="90000"/>
+        </a:lnSpc>
+        <a:spcBef>
+          <a:spcPts val="500"/>
+        </a:spcBef>
+        <a:buFont typeface="Arial" panose="020B0604020202020204" pitchFamily="34" charset="0"/>
+        <a:buChar char="•"/>
+        <a:defRPr sz="1800" kern="1200">
+          <a:solidFill>
+            <a:schemeClr val="tx1"/>
+          </a:solidFill>
+          <a:latin typeface="+mn-lt"/>
+          <a:ea typeface="+mn-ea"/>
+          <a:cs typeface="+mn-cs"/>
+        </a:defRPr>
+      </a:lvl7pPr>
+      <a:lvl8pPr marL="3429000" indent="-228600" algn="l" defTabSz="914400" rtl="0" eaLnBrk="1" latinLnBrk="0" hangingPunct="1">
+        <a:lnSpc>
+          <a:spcPct val="90000"/>
+        </a:lnSpc>
+        <a:spcBef>
+          <a:spcPts val="500"/>
+        </a:spcBef>
+        <a:buFont typeface="Arial" panose="020B0604020202020204" pitchFamily="34" charset="0"/>
+        <a:buChar char="•"/>
+        <a:defRPr sz="1800" kern="1200">
+          <a:solidFill>
+            <a:schemeClr val="tx1"/>
+          </a:solidFill>
+          <a:latin typeface="+mn-lt"/>
+          <a:ea typeface="+mn-ea"/>
+          <a:cs typeface="+mn-cs"/>
+        </a:defRPr>
+      </a:lvl8pPr>
+      <a:lvl9pPr marL="3886200" indent="-228600" algn="l" defTabSz="914400" rtl="0" eaLnBrk="1" latinLnBrk="0" hangingPunct="1">
+        <a:lnSpc>
+          <a:spcPct val="90000"/>
+        </a:lnSpc>
+        <a:spcBef>
+          <a:spcPts val="500"/>
+        </a:spcBef>
+        <a:buFont typeface="Arial" panose="020B0604020202020204" pitchFamily="34" charset="0"/>
+        <a:buChar char="•"/>
+        <a:defRPr sz="1800" kern="1200">
+          <a:solidFill>
+            <a:schemeClr val="tx1"/>
+          </a:solidFill>
+          <a:latin typeface="+mn-lt"/>
+          <a:ea typeface="+mn-ea"/>
+          <a:cs typeface="+mn-cs"/>
+        </a:defRPr>
+      </a:lvl9pPr>
+    </p:bodyStyle>
+    <p:otherStyle>
+      <a:defPPr>
+        <a:defRPr lang="fr-FR"/>
+      </a:defPPr>
+      <a:lvl1pPr marL="0" algn="l" defTabSz="914400" rtl="0" eaLnBrk="1" latinLnBrk="0" hangingPunct="1">
+        <a:defRPr sz="1800" kern="1200">
+          <a:solidFill>
+            <a:schemeClr val="tx1"/>
+          </a:solidFill>
+          <a:latin typeface="+mn-lt"/>
+          <a:ea typeface="+mn-ea"/>
+          <a:cs typeface="+mn-cs"/>
+        </a:defRPr>
+      </a:lvl1pPr>
+      <a:lvl2pPr marL="457200" algn="l" defTabSz="914400" rtl="0" eaLnBrk="1" latinLnBrk="0" hangingPunct="1">
+        <a:defRPr sz="1800" kern="1200">
+          <a:solidFill>
+            <a:schemeClr val="tx1"/>
+          </a:solidFill>
+          <a:latin typeface="+mn-lt"/>
+          <a:ea typeface="+mn-ea"/>
+          <a:cs typeface="+mn-cs"/>
+        </a:defRPr>
+      </a:lvl2pPr>
+      <a:lvl3pPr marL="914400" algn="l" defTabSz="914400" rtl="0" eaLnBrk="1" latinLnBrk="0" hangingPunct="1">
+        <a:defRPr sz="1800" kern="1200">
+          <a:solidFill>
+            <a:schemeClr val="tx1"/>
+          </a:solidFill>
+          <a:latin typeface="+mn-lt"/>
+          <a:ea typeface="+mn-ea"/>
+          <a:cs typeface="+mn-cs"/>
+        </a:defRPr>
+      </a:lvl3pPr>
+      <a:lvl4pPr marL="1371600" algn="l" defTabSz="914400" rtl="0" eaLnBrk="1" latinLnBrk="0" hangingPunct="1">
+        <a:defRPr sz="1800" kern="1200">
+          <a:solidFill>
+            <a:schemeClr val="tx1"/>
+          </a:solidFill>
+          <a:latin typeface="+mn-lt"/>
+          <a:ea typeface="+mn-ea"/>
+          <a:cs typeface="+mn-cs"/>
+        </a:defRPr>
+      </a:lvl4pPr>
+      <a:lvl5pPr marL="1828800" algn="l" defTabSz="914400" rtl="0" eaLnBrk="1" latinLnBrk="0" hangingPunct="1">
+        <a:defRPr sz="1800" kern="1200">
+          <a:solidFill>
+            <a:schemeClr val="tx1"/>
+          </a:solidFill>
+          <a:latin typeface="+mn-lt"/>
+          <a:ea typeface="+mn-ea"/>
+          <a:cs typeface="+mn-cs"/>
+        </a:defRPr>
+      </a:lvl5pPr>
+      <a:lvl6pPr marL="2286000" algn="l" defTabSz="914400" rtl="0" eaLnBrk="1" latinLnBrk="0" hangingPunct="1">
+        <a:defRPr sz="1800" kern="1200">
+          <a:solidFill>
+            <a:schemeClr val="tx1"/>
+          </a:solidFill>
+          <a:latin typeface="+mn-lt"/>
+          <a:ea typeface="+mn-ea"/>
+          <a:cs typeface="+mn-cs"/>
+        </a:defRPr>
+      </a:lvl6pPr>
+      <a:lvl7pPr marL="2743200" algn="l" defTabSz="914400" rtl="0" eaLnBrk="1" latinLnBrk="0" hangingPunct="1">
+        <a:defRPr sz="1800" kern="1200">
+          <a:solidFill>
+            <a:schemeClr val="tx1"/>
+          </a:solidFill>
+          <a:latin typeface="+mn-lt"/>
+          <a:ea typeface="+mn-ea"/>
+          <a:cs typeface="+mn-cs"/>
+        </a:defRPr>
+      </a:lvl7pPr>
+      <a:lvl8pPr marL="3200400" algn="l" defTabSz="914400" rtl="0" eaLnBrk="1" latinLnBrk="0" hangingPunct="1">
+        <a:defRPr sz="1800" kern="1200">
+          <a:solidFill>
+            <a:schemeClr val="tx1"/>
+          </a:solidFill>
+          <a:latin typeface="+mn-lt"/>
+          <a:ea typeface="+mn-ea"/>
+          <a:cs typeface="+mn-cs"/>
+        </a:defRPr>
+      </a:lvl8pPr>
+      <a:lvl9pPr marL="3657600" algn="l" defTabSz="914400" rtl="0" eaLnBrk="1" latinLnBrk="0" hangingPunct="1">
+        <a:defRPr sz="1800" kern="1200">
+          <a:solidFill>
+            <a:schemeClr val="tx1"/>
+          </a:solidFill>
+          <a:latin typeface="+mn-lt"/>
+          <a:ea typeface="+mn-ea"/>
+          <a:cs typeface="+mn-cs"/>
+        </a:defRPr>
+      </a:lvl9pPr>
+    </p:otherStyle>
+  </p:txStyles>
 </p:sldMaster>
 </file>
 
 <file path=ppt/slides/slide1.xml><?xml version="1.0" encoding="utf-8"?>
-<p:sld xmlns:a="http://schemas.openxmlformats.org/drawingml/2006/main" xmlns:p="http://schemas.openxmlformats.org/presentationml/2006/main" xmlns:r="http://schemas.openxmlformats.org/officeDocument/2006/relationships" xmlns:p14="http://schemas.microsoft.com/office/powerpoint/2010/main" xmlns:p15="http://schemas.microsoft.com/office/powerpoint/2012/main" xmlns:mc="http://schemas.openxmlformats.org/markup-compatibility/2006">
+<p:sld xmlns:a="http://schemas.openxmlformats.org/drawingml/2006/main" xmlns:r="http://schemas.openxmlformats.org/officeDocument/2006/relationships" xmlns:p="http://schemas.openxmlformats.org/presentationml/2006/main">
   <p:cSld>
     <p:spTree>
       <p:nvGrpSpPr>
@@ -6706,8 +7516,9 @@
         </p:spPr>
         <p:txBody>
           <a:bodyPr anchor="ctr">
-            <a:normAutofit fontScale="28000"/>
-          </a:bodyPr>
+            <a:noAutofit/>
+          </a:bodyPr>
+          <a:lstStyle/>
           <a:p>
             <a:pPr algn="ctr">
               <a:lnSpc>
@@ -6715,17 +7526,17 @@
               </a:lnSpc>
             </a:pPr>
             <a:r>
-              <a:rPr b="0" lang="fr-FR" sz="4800" spc="-1" strike="noStrike" cap="all">
+              <a:rPr lang="fr-FR" sz="3600" b="0" strike="noStrike" cap="all" spc="-1" dirty="0">
                 <a:solidFill>
-                  <a:srgbClr val="ffffff"/>
+                  <a:srgbClr val="FFFFFF"/>
                 </a:solidFill>
                 <a:latin typeface="Tw Cen MT"/>
               </a:rPr>
               <a:t>Projet 5 : Segmentez des clients d'un site e-commerce</a:t>
             </a:r>
-            <a:endParaRPr b="0" lang="en-US" sz="4800" spc="-1" strike="noStrike">
+            <a:endParaRPr lang="en-US" sz="3600" b="0" strike="noStrike" spc="-1" dirty="0">
               <a:solidFill>
-                <a:srgbClr val="ffffff"/>
+                <a:srgbClr val="FFFFFF"/>
               </a:solidFill>
               <a:latin typeface="Tw Cen MT"/>
             </a:endParaRPr>
@@ -6755,6 +7566,7 @@
           <a:bodyPr anchor="ctr">
             <a:noAutofit/>
           </a:bodyPr>
+          <a:lstStyle/>
           <a:p>
             <a:pPr algn="r">
               <a:lnSpc>
@@ -6762,15 +7574,15 @@
               </a:lnSpc>
             </a:pPr>
             <a:fld id="{7C880895-72E2-494B-A0D3-E5431FE0FBD1}" type="slidenum">
-              <a:rPr b="0" lang="fr-FR" sz="870" spc="-1" strike="noStrike">
+              <a:rPr lang="fr-FR" sz="870" b="0" strike="noStrike" spc="-1">
                 <a:solidFill>
-                  <a:srgbClr val="ffffff"/>
+                  <a:srgbClr val="FFFFFF"/>
                 </a:solidFill>
                 <a:latin typeface="Tw Cen MT"/>
               </a:rPr>
               <a:t>1</a:t>
             </a:fld>
-            <a:endParaRPr b="0" lang="fr-FR" sz="870" spc="-1" strike="noStrike">
+            <a:endParaRPr lang="fr-FR" sz="870" b="0" strike="noStrike" spc="-1">
               <a:latin typeface="Times New Roman"/>
             </a:endParaRPr>
           </a:p>
@@ -6778,19 +7590,14 @@
       </p:sp>
     </p:spTree>
   </p:cSld>
-  <mc:AlternateContent>
-    <mc:Choice Requires="p14">
-      <p:transition spd="slow" p14:dur="2000"/>
-    </mc:Choice>
-    <mc:Fallback>
-      <p:transition spd="slow"/>
-    </mc:Fallback>
-  </mc:AlternateContent>
+  <p:clrMapOvr>
+    <a:masterClrMapping/>
+  </p:clrMapOvr>
 </p:sld>
 </file>
 
 <file path=ppt/slides/slide10.xml><?xml version="1.0" encoding="utf-8"?>
-<p:sld xmlns:a="http://schemas.openxmlformats.org/drawingml/2006/main" xmlns:p="http://schemas.openxmlformats.org/presentationml/2006/main" xmlns:r="http://schemas.openxmlformats.org/officeDocument/2006/relationships" xmlns:p14="http://schemas.microsoft.com/office/powerpoint/2010/main" xmlns:p15="http://schemas.microsoft.com/office/powerpoint/2012/main" xmlns:mc="http://schemas.openxmlformats.org/markup-compatibility/2006">
+<p:sld xmlns:a="http://schemas.openxmlformats.org/drawingml/2006/main" xmlns:r="http://schemas.openxmlformats.org/officeDocument/2006/relationships" xmlns:p="http://schemas.openxmlformats.org/presentationml/2006/main">
   <p:cSld>
     <p:spTree>
       <p:nvGrpSpPr>
@@ -6829,6 +7636,7 @@
           <a:bodyPr anchor="ctr">
             <a:noAutofit/>
           </a:bodyPr>
+          <a:lstStyle/>
           <a:p>
             <a:pPr algn="ctr">
               <a:lnSpc>
@@ -6836,17 +7644,17 @@
               </a:lnSpc>
             </a:pPr>
             <a:r>
-              <a:rPr b="0" lang="fr-FR" sz="2980" spc="-1" strike="noStrike" cap="all">
+              <a:rPr lang="fr-FR" sz="2980" b="0" strike="noStrike" cap="all" spc="-1">
                 <a:solidFill>
-                  <a:srgbClr val="ffffff"/>
+                  <a:srgbClr val="FFFFFF"/>
                 </a:solidFill>
                 <a:latin typeface="Tw Cen MT"/>
               </a:rPr>
               <a:t>Segmentation enrichie</a:t>
             </a:r>
-            <a:endParaRPr b="0" lang="en-US" sz="2980" spc="-1" strike="noStrike">
+            <a:endParaRPr lang="en-US" sz="2980" b="0" strike="noStrike" spc="-1">
               <a:solidFill>
-                <a:srgbClr val="ffffff"/>
+                <a:srgbClr val="FFFFFF"/>
               </a:solidFill>
               <a:latin typeface="Tw Cen MT"/>
             </a:endParaRPr>
@@ -6876,6 +7684,7 @@
           <a:bodyPr anchor="ctr">
             <a:noAutofit/>
           </a:bodyPr>
+          <a:lstStyle/>
           <a:p>
             <a:pPr algn="r">
               <a:lnSpc>
@@ -6883,15 +7692,15 @@
               </a:lnSpc>
             </a:pPr>
             <a:fld id="{8911E1B3-4354-40F1-B3C4-48277F1BDE3E}" type="slidenum">
-              <a:rPr b="0" lang="fr-FR" sz="870" spc="-1" strike="noStrike">
+              <a:rPr lang="fr-FR" sz="870" b="0" strike="noStrike" spc="-1">
                 <a:solidFill>
-                  <a:srgbClr val="ffffff"/>
+                  <a:srgbClr val="FFFFFF"/>
                 </a:solidFill>
                 <a:latin typeface="Tw Cen MT"/>
               </a:rPr>
-              <a:t>1</a:t>
+              <a:t>10</a:t>
             </a:fld>
-            <a:endParaRPr b="0" lang="fr-FR" sz="870" spc="-1" strike="noStrike">
+            <a:endParaRPr lang="fr-FR" sz="870" b="0" strike="noStrike" spc="-1">
               <a:latin typeface="Times New Roman"/>
             </a:endParaRPr>
           </a:p>
@@ -6917,15 +7726,22 @@
           </a:ln>
         </p:spPr>
         <p:style>
-          <a:lnRef idx="0"/>
-          <a:fillRef idx="0"/>
-          <a:effectRef idx="0"/>
+          <a:lnRef idx="0">
+            <a:scrgbClr r="0" g="0" b="0"/>
+          </a:lnRef>
+          <a:fillRef idx="0">
+            <a:scrgbClr r="0" g="0" b="0"/>
+          </a:fillRef>
+          <a:effectRef idx="0">
+            <a:scrgbClr r="0" g="0" b="0"/>
+          </a:effectRef>
           <a:fontRef idx="minor"/>
         </p:style>
         <p:txBody>
-          <a:bodyPr lIns="90000" rIns="90000" tIns="45000" bIns="45000">
+          <a:bodyPr lIns="90000" tIns="45000" rIns="90000" bIns="45000">
             <a:spAutoFit/>
           </a:bodyPr>
+          <a:lstStyle/>
           <a:p>
             <a:pPr>
               <a:lnSpc>
@@ -6933,87 +7749,87 @@
               </a:lnSpc>
             </a:pPr>
             <a:r>
-              <a:rPr b="0" lang="fr-FR" sz="1800" spc="-1" strike="noStrike">
+              <a:rPr lang="fr-FR" sz="1800" b="0" strike="noStrike" spc="-1">
                 <a:solidFill>
-                  <a:srgbClr val="ffffff"/>
+                  <a:srgbClr val="FFFFFF"/>
                 </a:solidFill>
                 <a:latin typeface="Tw Cen MT"/>
               </a:rPr>
               <a:t>Sélection des variables suivantes :</a:t>
             </a:r>
-            <a:endParaRPr b="0" lang="fr-FR" sz="1800" spc="-1" strike="noStrike">
+            <a:endParaRPr lang="fr-FR" sz="1800" b="0" strike="noStrike" spc="-1">
               <a:latin typeface="Arial"/>
             </a:endParaRPr>
           </a:p>
           <a:p>
-            <a:pPr lvl="1" marL="743040" indent="-285480">
+            <a:pPr marL="743040" lvl="1" indent="-285480">
               <a:lnSpc>
                 <a:spcPct val="100000"/>
               </a:lnSpc>
               <a:buClr>
-                <a:srgbClr val="ffffff"/>
+                <a:srgbClr val="FFFFFF"/>
               </a:buClr>
               <a:buFont typeface="Arial"/>
               <a:buChar char="•"/>
             </a:pPr>
             <a:r>
-              <a:rPr b="0" lang="fr-FR" sz="1800" spc="-1" strike="noStrike">
+              <a:rPr lang="fr-FR" sz="1800" b="0" strike="noStrike" spc="-1">
                 <a:solidFill>
-                  <a:srgbClr val="ffffff"/>
+                  <a:srgbClr val="FFFFFF"/>
                 </a:solidFill>
                 <a:latin typeface="Tw Cen MT"/>
               </a:rPr>
               <a:t>Recent</a:t>
             </a:r>
-            <a:endParaRPr b="0" lang="fr-FR" sz="1800" spc="-1" strike="noStrike">
+            <a:endParaRPr lang="fr-FR" sz="1800" b="0" strike="noStrike" spc="-1">
               <a:latin typeface="Arial"/>
             </a:endParaRPr>
           </a:p>
           <a:p>
-            <a:pPr lvl="1" marL="743040" indent="-285480">
+            <a:pPr marL="743040" lvl="1" indent="-285480">
               <a:lnSpc>
                 <a:spcPct val="100000"/>
               </a:lnSpc>
               <a:buClr>
-                <a:srgbClr val="ffffff"/>
+                <a:srgbClr val="FFFFFF"/>
               </a:buClr>
               <a:buFont typeface="Arial"/>
               <a:buChar char="•"/>
             </a:pPr>
             <a:r>
-              <a:rPr b="0" lang="fr-FR" sz="1800" spc="-1" strike="noStrike">
+              <a:rPr lang="fr-FR" sz="1800" b="0" strike="noStrike" spc="-1">
                 <a:solidFill>
-                  <a:srgbClr val="ffffff"/>
+                  <a:srgbClr val="FFFFFF"/>
                 </a:solidFill>
                 <a:latin typeface="Tw Cen MT"/>
               </a:rPr>
               <a:t>Review Score moyen</a:t>
             </a:r>
-            <a:endParaRPr b="0" lang="fr-FR" sz="1800" spc="-1" strike="noStrike">
+            <a:endParaRPr lang="fr-FR" sz="1800" b="0" strike="noStrike" spc="-1">
               <a:latin typeface="Arial"/>
             </a:endParaRPr>
           </a:p>
           <a:p>
-            <a:pPr lvl="1" marL="743040" indent="-285480">
+            <a:pPr marL="743040" lvl="1" indent="-285480">
               <a:lnSpc>
                 <a:spcPct val="100000"/>
               </a:lnSpc>
               <a:buClr>
-                <a:srgbClr val="ffffff"/>
+                <a:srgbClr val="FFFFFF"/>
               </a:buClr>
               <a:buFont typeface="Arial"/>
               <a:buChar char="•"/>
             </a:pPr>
             <a:r>
-              <a:rPr b="0" lang="fr-FR" sz="1800" spc="-1" strike="noStrike">
+              <a:rPr lang="fr-FR" sz="1800" b="0" strike="noStrike" spc="-1">
                 <a:solidFill>
-                  <a:srgbClr val="ffffff"/>
+                  <a:srgbClr val="FFFFFF"/>
                 </a:solidFill>
                 <a:latin typeface="Tw Cen MT"/>
               </a:rPr>
               <a:t>Dépense total par catégorie de produit</a:t>
             </a:r>
-            <a:endParaRPr b="0" lang="fr-FR" sz="1800" spc="-1" strike="noStrike">
+            <a:endParaRPr lang="fr-FR" sz="1800" b="0" strike="noStrike" spc="-1">
               <a:latin typeface="Arial"/>
             </a:endParaRPr>
           </a:p>
@@ -7021,19 +7837,14 @@
       </p:sp>
     </p:spTree>
   </p:cSld>
-  <mc:AlternateContent>
-    <mc:Choice Requires="p14">
-      <p:transition spd="slow" p14:dur="2000"/>
-    </mc:Choice>
-    <mc:Fallback>
-      <p:transition spd="slow"/>
-    </mc:Fallback>
-  </mc:AlternateContent>
+  <p:clrMapOvr>
+    <a:masterClrMapping/>
+  </p:clrMapOvr>
 </p:sld>
 </file>
 
 <file path=ppt/slides/slide11.xml><?xml version="1.0" encoding="utf-8"?>
-<p:sld xmlns:a="http://schemas.openxmlformats.org/drawingml/2006/main" xmlns:p="http://schemas.openxmlformats.org/presentationml/2006/main" xmlns:r="http://schemas.openxmlformats.org/officeDocument/2006/relationships" xmlns:p14="http://schemas.microsoft.com/office/powerpoint/2010/main" xmlns:p15="http://schemas.microsoft.com/office/powerpoint/2012/main" xmlns:mc="http://schemas.openxmlformats.org/markup-compatibility/2006">
+<p:sld xmlns:a="http://schemas.openxmlformats.org/drawingml/2006/main" xmlns:r="http://schemas.openxmlformats.org/officeDocument/2006/relationships" xmlns:p="http://schemas.openxmlformats.org/presentationml/2006/main">
   <p:cSld>
     <p:spTree>
       <p:nvGrpSpPr>
@@ -7072,6 +7883,7 @@
           <a:bodyPr anchor="ctr">
             <a:noAutofit/>
           </a:bodyPr>
+          <a:lstStyle/>
           <a:p>
             <a:pPr algn="ctr">
               <a:lnSpc>
@@ -7079,17 +7891,17 @@
               </a:lnSpc>
             </a:pPr>
             <a:r>
-              <a:rPr b="0" lang="fr-FR" sz="2980" spc="-1" strike="noStrike" cap="all">
+              <a:rPr lang="fr-FR" sz="2980" b="0" strike="noStrike" cap="all" spc="-1">
                 <a:solidFill>
-                  <a:srgbClr val="ffffff"/>
+                  <a:srgbClr val="FFFFFF"/>
                 </a:solidFill>
                 <a:latin typeface="Tw Cen MT"/>
               </a:rPr>
               <a:t>TSNE</a:t>
             </a:r>
-            <a:endParaRPr b="0" lang="en-US" sz="2980" spc="-1" strike="noStrike">
+            <a:endParaRPr lang="en-US" sz="2980" b="0" strike="noStrike" spc="-1">
               <a:solidFill>
-                <a:srgbClr val="ffffff"/>
+                <a:srgbClr val="FFFFFF"/>
               </a:solidFill>
               <a:latin typeface="Tw Cen MT"/>
             </a:endParaRPr>
@@ -7119,6 +7931,7 @@
           <a:bodyPr anchor="ctr">
             <a:noAutofit/>
           </a:bodyPr>
+          <a:lstStyle/>
           <a:p>
             <a:pPr algn="r">
               <a:lnSpc>
@@ -7126,15 +7939,15 @@
               </a:lnSpc>
             </a:pPr>
             <a:fld id="{341E5F79-9E51-41DA-B525-4C4EF2B25A13}" type="slidenum">
-              <a:rPr b="0" lang="fr-FR" sz="870" spc="-1" strike="noStrike">
+              <a:rPr lang="fr-FR" sz="870" b="0" strike="noStrike" spc="-1">
                 <a:solidFill>
-                  <a:srgbClr val="ffffff"/>
+                  <a:srgbClr val="FFFFFF"/>
                 </a:solidFill>
                 <a:latin typeface="Tw Cen MT"/>
               </a:rPr>
-              <a:t>1</a:t>
+              <a:t>11</a:t>
             </a:fld>
-            <a:endParaRPr b="0" lang="fr-FR" sz="870" spc="-1" strike="noStrike">
+            <a:endParaRPr lang="fr-FR" sz="870" b="0" strike="noStrike" spc="-1">
               <a:latin typeface="Times New Roman"/>
             </a:endParaRPr>
           </a:p>
@@ -7142,12 +7955,12 @@
       </p:sp>
       <p:pic>
         <p:nvPicPr>
-          <p:cNvPr id="133" name="Image 8" descr=""/>
+          <p:cNvPr id="133" name="Image 8"/>
           <p:cNvPicPr/>
           <p:nvPr/>
         </p:nvPicPr>
         <p:blipFill>
-          <a:blip r:embed="rId1"/>
+          <a:blip r:embed="rId3"/>
           <a:stretch/>
         </p:blipFill>
         <p:spPr>
@@ -7183,15 +7996,22 @@
           </a:ln>
         </p:spPr>
         <p:style>
-          <a:lnRef idx="0"/>
-          <a:fillRef idx="0"/>
-          <a:effectRef idx="0"/>
+          <a:lnRef idx="0">
+            <a:scrgbClr r="0" g="0" b="0"/>
+          </a:lnRef>
+          <a:fillRef idx="0">
+            <a:scrgbClr r="0" g="0" b="0"/>
+          </a:fillRef>
+          <a:effectRef idx="0">
+            <a:scrgbClr r="0" g="0" b="0"/>
+          </a:effectRef>
           <a:fontRef idx="minor"/>
         </p:style>
         <p:txBody>
-          <a:bodyPr lIns="90000" rIns="90000" tIns="45000" bIns="45000">
+          <a:bodyPr lIns="90000" tIns="45000" rIns="90000" bIns="45000">
             <a:spAutoFit/>
           </a:bodyPr>
+          <a:lstStyle/>
           <a:p>
             <a:pPr>
               <a:lnSpc>
@@ -7199,15 +8019,15 @@
               </a:lnSpc>
             </a:pPr>
             <a:r>
-              <a:rPr b="0" lang="fr-FR" sz="1800" spc="-1" strike="noStrike">
+              <a:rPr lang="fr-FR" sz="1800" b="0" strike="noStrike" spc="-1">
                 <a:solidFill>
-                  <a:srgbClr val="ffffff"/>
+                  <a:srgbClr val="FFFFFF"/>
                 </a:solidFill>
                 <a:latin typeface="Tw Cen MT"/>
               </a:rPr>
               <a:t>6 clusters choisis</a:t>
             </a:r>
-            <a:endParaRPr b="0" lang="fr-FR" sz="1800" spc="-1" strike="noStrike">
+            <a:endParaRPr lang="fr-FR" sz="1800" b="0" strike="noStrike" spc="-1">
               <a:latin typeface="Arial"/>
             </a:endParaRPr>
           </a:p>
@@ -7217,7 +8037,7 @@
                 <a:spcPct val="100000"/>
               </a:lnSpc>
             </a:pPr>
-            <a:endParaRPr b="0" lang="fr-FR" sz="1800" spc="-1" strike="noStrike">
+            <a:endParaRPr lang="fr-FR" sz="1800" b="0" strike="noStrike" spc="-1">
               <a:latin typeface="Arial"/>
             </a:endParaRPr>
           </a:p>
@@ -7228,15 +8048,15 @@
               </a:lnSpc>
             </a:pPr>
             <a:r>
-              <a:rPr b="0" lang="fr-FR" sz="1800" spc="-1" strike="noStrike">
+              <a:rPr lang="fr-FR" sz="1800" b="0" strike="noStrike" spc="-1">
                 <a:solidFill>
-                  <a:srgbClr val="ffffff"/>
+                  <a:srgbClr val="FFFFFF"/>
                 </a:solidFill>
                 <a:latin typeface="Tw Cen MT"/>
               </a:rPr>
               <a:t>Les résultats semblent un peu meilleurs que sur la méthode RFM, mais le TSNE a toujours des difficultés à segmenter</a:t>
             </a:r>
-            <a:endParaRPr b="0" lang="fr-FR" sz="1800" spc="-1" strike="noStrike">
+            <a:endParaRPr lang="fr-FR" sz="1800" b="0" strike="noStrike" spc="-1">
               <a:latin typeface="Arial"/>
             </a:endParaRPr>
           </a:p>
@@ -7244,19 +8064,14 @@
       </p:sp>
     </p:spTree>
   </p:cSld>
-  <mc:AlternateContent>
-    <mc:Choice Requires="p14">
-      <p:transition spd="slow" p14:dur="2000"/>
-    </mc:Choice>
-    <mc:Fallback>
-      <p:transition spd="slow"/>
-    </mc:Fallback>
-  </mc:AlternateContent>
+  <p:clrMapOvr>
+    <a:masterClrMapping/>
+  </p:clrMapOvr>
 </p:sld>
 </file>
 
 <file path=ppt/slides/slide12.xml><?xml version="1.0" encoding="utf-8"?>
-<p:sld xmlns:a="http://schemas.openxmlformats.org/drawingml/2006/main" xmlns:p="http://schemas.openxmlformats.org/presentationml/2006/main" xmlns:r="http://schemas.openxmlformats.org/officeDocument/2006/relationships" xmlns:p14="http://schemas.microsoft.com/office/powerpoint/2010/main" xmlns:p15="http://schemas.microsoft.com/office/powerpoint/2012/main" xmlns:mc="http://schemas.openxmlformats.org/markup-compatibility/2006">
+<p:sld xmlns:a="http://schemas.openxmlformats.org/drawingml/2006/main" xmlns:r="http://schemas.openxmlformats.org/officeDocument/2006/relationships" xmlns:p="http://schemas.openxmlformats.org/presentationml/2006/main">
   <p:cSld>
     <p:spTree>
       <p:nvGrpSpPr>
@@ -7295,6 +8110,7 @@
           <a:bodyPr anchor="ctr">
             <a:noAutofit/>
           </a:bodyPr>
+          <a:lstStyle/>
           <a:p>
             <a:pPr algn="ctr">
               <a:lnSpc>
@@ -7302,17 +8118,17 @@
               </a:lnSpc>
             </a:pPr>
             <a:r>
-              <a:rPr b="0" lang="fr-FR" sz="2980" spc="-1" strike="noStrike" cap="all">
+              <a:rPr lang="fr-FR" sz="2980" b="0" strike="noStrike" cap="all" spc="-1">
                 <a:solidFill>
-                  <a:srgbClr val="ffffff"/>
+                  <a:srgbClr val="FFFFFF"/>
                 </a:solidFill>
                 <a:latin typeface="Tw Cen MT"/>
               </a:rPr>
               <a:t>Résultats segmentation</a:t>
             </a:r>
-            <a:endParaRPr b="0" lang="en-US" sz="2980" spc="-1" strike="noStrike">
+            <a:endParaRPr lang="en-US" sz="2980" b="0" strike="noStrike" spc="-1">
               <a:solidFill>
-                <a:srgbClr val="ffffff"/>
+                <a:srgbClr val="FFFFFF"/>
               </a:solidFill>
               <a:latin typeface="Tw Cen MT"/>
             </a:endParaRPr>
@@ -7342,6 +8158,7 @@
           <a:bodyPr anchor="ctr">
             <a:noAutofit/>
           </a:bodyPr>
+          <a:lstStyle/>
           <a:p>
             <a:pPr algn="r">
               <a:lnSpc>
@@ -7349,15 +8166,15 @@
               </a:lnSpc>
             </a:pPr>
             <a:fld id="{7F958AC1-DBF8-471A-9681-4F8B761C7ED0}" type="slidenum">
-              <a:rPr b="0" lang="fr-FR" sz="870" spc="-1" strike="noStrike">
+              <a:rPr lang="fr-FR" sz="870" b="0" strike="noStrike" spc="-1">
                 <a:solidFill>
-                  <a:srgbClr val="ffffff"/>
+                  <a:srgbClr val="FFFFFF"/>
                 </a:solidFill>
                 <a:latin typeface="Tw Cen MT"/>
               </a:rPr>
-              <a:t>1</a:t>
+              <a:t>12</a:t>
             </a:fld>
-            <a:endParaRPr b="0" lang="fr-FR" sz="870" spc="-1" strike="noStrike">
+            <a:endParaRPr lang="fr-FR" sz="870" b="0" strike="noStrike" spc="-1">
               <a:latin typeface="Times New Roman"/>
             </a:endParaRPr>
           </a:p>
@@ -7365,12 +8182,12 @@
       </p:sp>
       <p:pic>
         <p:nvPicPr>
-          <p:cNvPr id="137" name="Image 8" descr=""/>
+          <p:cNvPr id="137" name="Image 8"/>
           <p:cNvPicPr/>
           <p:nvPr/>
         </p:nvPicPr>
         <p:blipFill>
-          <a:blip r:embed="rId1"/>
+          <a:blip r:embed="rId3"/>
           <a:stretch/>
         </p:blipFill>
         <p:spPr>
@@ -7406,15 +8223,22 @@
           </a:ln>
         </p:spPr>
         <p:style>
-          <a:lnRef idx="0"/>
-          <a:fillRef idx="0"/>
-          <a:effectRef idx="0"/>
+          <a:lnRef idx="0">
+            <a:scrgbClr r="0" g="0" b="0"/>
+          </a:lnRef>
+          <a:fillRef idx="0">
+            <a:scrgbClr r="0" g="0" b="0"/>
+          </a:fillRef>
+          <a:effectRef idx="0">
+            <a:scrgbClr r="0" g="0" b="0"/>
+          </a:effectRef>
           <a:fontRef idx="minor"/>
         </p:style>
         <p:txBody>
-          <a:bodyPr lIns="90000" rIns="90000" tIns="45000" bIns="45000">
+          <a:bodyPr lIns="90000" tIns="45000" rIns="90000" bIns="45000">
             <a:spAutoFit/>
           </a:bodyPr>
+          <a:lstStyle/>
           <a:p>
             <a:pPr algn="ctr">
               <a:lnSpc>
@@ -7422,15 +8246,15 @@
               </a:lnSpc>
             </a:pPr>
             <a:r>
-              <a:rPr b="0" lang="fr-FR" sz="1200" spc="-1" strike="noStrike">
+              <a:rPr lang="fr-FR" sz="1200" b="0" strike="noStrike" spc="-1">
                 <a:solidFill>
-                  <a:srgbClr val="ffffff"/>
+                  <a:srgbClr val="FFFFFF"/>
                 </a:solidFill>
                 <a:latin typeface="Tw Cen MT"/>
               </a:rPr>
               <a:t>Echantillon 4 clusters sur les 6</a:t>
             </a:r>
-            <a:endParaRPr b="0" lang="fr-FR" sz="1200" spc="-1" strike="noStrike">
+            <a:endParaRPr lang="fr-FR" sz="1200" b="0" strike="noStrike" spc="-1">
               <a:latin typeface="Arial"/>
             </a:endParaRPr>
           </a:p>
@@ -7456,15 +8280,22 @@
           </a:ln>
         </p:spPr>
         <p:style>
-          <a:lnRef idx="0"/>
-          <a:fillRef idx="0"/>
-          <a:effectRef idx="0"/>
+          <a:lnRef idx="0">
+            <a:scrgbClr r="0" g="0" b="0"/>
+          </a:lnRef>
+          <a:fillRef idx="0">
+            <a:scrgbClr r="0" g="0" b="0"/>
+          </a:fillRef>
+          <a:effectRef idx="0">
+            <a:scrgbClr r="0" g="0" b="0"/>
+          </a:effectRef>
           <a:fontRef idx="minor"/>
         </p:style>
         <p:txBody>
-          <a:bodyPr lIns="90000" rIns="90000" tIns="45000" bIns="45000">
+          <a:bodyPr lIns="90000" tIns="45000" rIns="90000" bIns="45000">
             <a:spAutoFit/>
           </a:bodyPr>
+          <a:lstStyle/>
           <a:p>
             <a:pPr>
               <a:lnSpc>
@@ -7472,15 +8303,15 @@
               </a:lnSpc>
             </a:pPr>
             <a:r>
-              <a:rPr b="0" lang="fr-FR" sz="1800" spc="-1" strike="noStrike">
+              <a:rPr lang="fr-FR" sz="1800" b="0" strike="noStrike" spc="-1">
                 <a:solidFill>
-                  <a:srgbClr val="ffffff"/>
+                  <a:srgbClr val="FFFFFF"/>
                 </a:solidFill>
                 <a:latin typeface="Tw Cen MT"/>
               </a:rPr>
               <a:t>Group 0 : Base d’anciens clients tournés vers les loisirs satisfaits de leurs achat</a:t>
             </a:r>
-            <a:endParaRPr b="0" lang="fr-FR" sz="1800" spc="-1" strike="noStrike">
+            <a:endParaRPr lang="fr-FR" sz="1800" b="0" strike="noStrike" spc="-1">
               <a:latin typeface="Arial"/>
             </a:endParaRPr>
           </a:p>
@@ -7490,7 +8321,7 @@
                 <a:spcPct val="100000"/>
               </a:lnSpc>
             </a:pPr>
-            <a:endParaRPr b="0" lang="fr-FR" sz="1800" spc="-1" strike="noStrike">
+            <a:endParaRPr lang="fr-FR" sz="1800" b="0" strike="noStrike" spc="-1">
               <a:latin typeface="Arial"/>
             </a:endParaRPr>
           </a:p>
@@ -7501,15 +8332,15 @@
               </a:lnSpc>
             </a:pPr>
             <a:r>
-              <a:rPr b="0" lang="fr-FR" sz="1800" spc="-1" strike="noStrike">
+              <a:rPr lang="fr-FR" sz="1800" b="0" strike="noStrike" spc="-1">
                 <a:solidFill>
-                  <a:srgbClr val="ffffff"/>
+                  <a:srgbClr val="FFFFFF"/>
                 </a:solidFill>
                 <a:latin typeface="Tw Cen MT"/>
               </a:rPr>
               <a:t>Group 1 : Base d’anciens clients peu satisfaits tournés vers les loisirs, l’ameublement et le bricolage</a:t>
             </a:r>
-            <a:endParaRPr b="0" lang="fr-FR" sz="1800" spc="-1" strike="noStrike">
+            <a:endParaRPr lang="fr-FR" sz="1800" b="0" strike="noStrike" spc="-1">
               <a:latin typeface="Arial"/>
             </a:endParaRPr>
           </a:p>
@@ -7519,7 +8350,7 @@
                 <a:spcPct val="100000"/>
               </a:lnSpc>
             </a:pPr>
-            <a:endParaRPr b="0" lang="fr-FR" sz="1800" spc="-1" strike="noStrike">
+            <a:endParaRPr lang="fr-FR" sz="1800" b="0" strike="noStrike" spc="-1">
               <a:latin typeface="Arial"/>
             </a:endParaRPr>
           </a:p>
@@ -7530,15 +8361,15 @@
               </a:lnSpc>
             </a:pPr>
             <a:r>
-              <a:rPr b="0" lang="fr-FR" sz="1800" spc="-1" strike="noStrike">
+              <a:rPr lang="fr-FR" sz="1800" b="0" strike="noStrike" spc="-1">
                 <a:solidFill>
-                  <a:srgbClr val="ffffff"/>
+                  <a:srgbClr val="FFFFFF"/>
                 </a:solidFill>
                 <a:latin typeface="Tw Cen MT"/>
               </a:rPr>
               <a:t>Group 3 : Base de clients actuels tournés vers l’alimentation et très satisfaits de leurs achats</a:t>
             </a:r>
-            <a:endParaRPr b="0" lang="fr-FR" sz="1800" spc="-1" strike="noStrike">
+            <a:endParaRPr lang="fr-FR" sz="1800" b="0" strike="noStrike" spc="-1">
               <a:latin typeface="Arial"/>
             </a:endParaRPr>
           </a:p>
@@ -7546,19 +8377,14 @@
       </p:sp>
     </p:spTree>
   </p:cSld>
-  <mc:AlternateContent>
-    <mc:Choice Requires="p14">
-      <p:transition spd="slow" p14:dur="2000"/>
-    </mc:Choice>
-    <mc:Fallback>
-      <p:transition spd="slow"/>
-    </mc:Fallback>
-  </mc:AlternateContent>
+  <p:clrMapOvr>
+    <a:masterClrMapping/>
+  </p:clrMapOvr>
 </p:sld>
 </file>
 
 <file path=ppt/slides/slide13.xml><?xml version="1.0" encoding="utf-8"?>
-<p:sld xmlns:a="http://schemas.openxmlformats.org/drawingml/2006/main" xmlns:p="http://schemas.openxmlformats.org/presentationml/2006/main" xmlns:r="http://schemas.openxmlformats.org/officeDocument/2006/relationships" xmlns:p14="http://schemas.microsoft.com/office/powerpoint/2010/main" xmlns:p15="http://schemas.microsoft.com/office/powerpoint/2012/main" xmlns:mc="http://schemas.openxmlformats.org/markup-compatibility/2006">
+<p:sld xmlns:a="http://schemas.openxmlformats.org/drawingml/2006/main" xmlns:r="http://schemas.openxmlformats.org/officeDocument/2006/relationships" xmlns:p="http://schemas.openxmlformats.org/presentationml/2006/main">
   <p:cSld>
     <p:spTree>
       <p:nvGrpSpPr>
@@ -7597,6 +8423,7 @@
           <a:bodyPr anchor="ctr">
             <a:noAutofit/>
           </a:bodyPr>
+          <a:lstStyle/>
           <a:p>
             <a:pPr algn="ctr">
               <a:lnSpc>
@@ -7604,17 +8431,17 @@
               </a:lnSpc>
             </a:pPr>
             <a:r>
-              <a:rPr b="0" lang="fr-FR" sz="2980" spc="-1" strike="noStrike" cap="all">
+              <a:rPr lang="fr-FR" sz="2980" b="0" strike="noStrike" cap="all" spc="-1">
                 <a:solidFill>
-                  <a:srgbClr val="ffffff"/>
+                  <a:srgbClr val="FFFFFF"/>
                 </a:solidFill>
                 <a:latin typeface="Tw Cen MT"/>
               </a:rPr>
               <a:t>Evaluation de la stabilité dans le temps</a:t>
             </a:r>
-            <a:endParaRPr b="0" lang="en-US" sz="2980" spc="-1" strike="noStrike">
+            <a:endParaRPr lang="en-US" sz="2980" b="0" strike="noStrike" spc="-1">
               <a:solidFill>
-                <a:srgbClr val="ffffff"/>
+                <a:srgbClr val="FFFFFF"/>
               </a:solidFill>
               <a:latin typeface="Tw Cen MT"/>
             </a:endParaRPr>
@@ -7644,6 +8471,7 @@
           <a:bodyPr anchor="ctr">
             <a:noAutofit/>
           </a:bodyPr>
+          <a:lstStyle/>
           <a:p>
             <a:pPr algn="r">
               <a:lnSpc>
@@ -7651,15 +8479,15 @@
               </a:lnSpc>
             </a:pPr>
             <a:fld id="{E6B77F69-0918-475E-A331-93509E7B43C9}" type="slidenum">
-              <a:rPr b="0" lang="fr-FR" sz="870" spc="-1" strike="noStrike">
+              <a:rPr lang="fr-FR" sz="870" b="0" strike="noStrike" spc="-1">
                 <a:solidFill>
-                  <a:srgbClr val="ffffff"/>
+                  <a:srgbClr val="FFFFFF"/>
                 </a:solidFill>
                 <a:latin typeface="Tw Cen MT"/>
               </a:rPr>
               <a:t>13</a:t>
             </a:fld>
-            <a:endParaRPr b="0" lang="fr-FR" sz="870" spc="-1" strike="noStrike">
+            <a:endParaRPr lang="fr-FR" sz="870" b="0" strike="noStrike" spc="-1">
               <a:latin typeface="Times New Roman"/>
             </a:endParaRPr>
           </a:p>
@@ -7681,12 +8509,12 @@
         </p:grpSpPr>
         <p:pic>
           <p:nvPicPr>
-            <p:cNvPr id="143" name="Image 8" descr=""/>
+            <p:cNvPr id="143" name="Image 8"/>
             <p:cNvPicPr/>
             <p:nvPr/>
           </p:nvPicPr>
           <p:blipFill>
-            <a:blip r:embed="rId1"/>
+            <a:blip r:embed="rId3"/>
             <a:stretch/>
           </p:blipFill>
           <p:spPr>
@@ -7722,15 +8550,22 @@
             </a:ln>
           </p:spPr>
           <p:style>
-            <a:lnRef idx="0"/>
-            <a:fillRef idx="0"/>
-            <a:effectRef idx="0"/>
+            <a:lnRef idx="0">
+              <a:scrgbClr r="0" g="0" b="0"/>
+            </a:lnRef>
+            <a:fillRef idx="0">
+              <a:scrgbClr r="0" g="0" b="0"/>
+            </a:fillRef>
+            <a:effectRef idx="0">
+              <a:scrgbClr r="0" g="0" b="0"/>
+            </a:effectRef>
             <a:fontRef idx="minor"/>
           </p:style>
           <p:txBody>
-            <a:bodyPr lIns="90000" rIns="90000" tIns="45000" bIns="45000">
+            <a:bodyPr lIns="90000" tIns="45000" rIns="90000" bIns="45000">
               <a:spAutoFit/>
             </a:bodyPr>
+            <a:lstStyle/>
             <a:p>
               <a:pPr algn="ctr">
                 <a:lnSpc>
@@ -7738,15 +8573,15 @@
                 </a:lnSpc>
               </a:pPr>
               <a:r>
-                <a:rPr b="0" lang="fr-FR" sz="1100" spc="-1" strike="noStrike">
+                <a:rPr lang="fr-FR" sz="1100" b="0" strike="noStrike" spc="-1">
                   <a:solidFill>
-                    <a:srgbClr val="ffffff"/>
+                    <a:srgbClr val="FFFFFF"/>
                   </a:solidFill>
                   <a:latin typeface="Tw Cen MT"/>
                 </a:rPr>
                 <a:t>Evaluation de la stabilité sur 6 mois</a:t>
               </a:r>
-              <a:endParaRPr b="0" lang="fr-FR" sz="1100" spc="-1" strike="noStrike">
+              <a:endParaRPr lang="fr-FR" sz="1100" b="0" strike="noStrike" spc="-1">
                 <a:latin typeface="Arial"/>
               </a:endParaRPr>
             </a:p>
@@ -7755,12 +8590,12 @@
       </p:grpSp>
       <p:pic>
         <p:nvPicPr>
-          <p:cNvPr id="145" name="Image 12" descr=""/>
+          <p:cNvPr id="145" name="Image 12"/>
           <p:cNvPicPr/>
           <p:nvPr/>
         </p:nvPicPr>
         <p:blipFill>
-          <a:blip r:embed="rId2"/>
+          <a:blip r:embed="rId4"/>
           <a:stretch/>
         </p:blipFill>
         <p:spPr>
@@ -7796,15 +8631,22 @@
           </a:ln>
         </p:spPr>
         <p:style>
-          <a:lnRef idx="0"/>
-          <a:fillRef idx="0"/>
-          <a:effectRef idx="0"/>
+          <a:lnRef idx="0">
+            <a:scrgbClr r="0" g="0" b="0"/>
+          </a:lnRef>
+          <a:fillRef idx="0">
+            <a:scrgbClr r="0" g="0" b="0"/>
+          </a:fillRef>
+          <a:effectRef idx="0">
+            <a:scrgbClr r="0" g="0" b="0"/>
+          </a:effectRef>
           <a:fontRef idx="minor"/>
         </p:style>
         <p:txBody>
-          <a:bodyPr lIns="90000" rIns="90000" tIns="45000" bIns="45000">
+          <a:bodyPr lIns="90000" tIns="45000" rIns="90000" bIns="45000">
             <a:spAutoFit/>
           </a:bodyPr>
+          <a:lstStyle/>
           <a:p>
             <a:pPr>
               <a:lnSpc>
@@ -7812,15 +8654,15 @@
               </a:lnSpc>
             </a:pPr>
             <a:r>
-              <a:rPr b="0" lang="fr-FR" sz="1800" spc="-1" strike="noStrike">
+              <a:rPr lang="fr-FR" sz="1800" b="0" strike="noStrike" spc="-1">
                 <a:solidFill>
-                  <a:srgbClr val="ffffff"/>
+                  <a:srgbClr val="FFFFFF"/>
                 </a:solidFill>
                 <a:latin typeface="Tw Cen MT"/>
               </a:rPr>
               <a:t>Scores faibles au bout de 6 mois</a:t>
             </a:r>
-            <a:endParaRPr b="0" lang="fr-FR" sz="1800" spc="-1" strike="noStrike">
+            <a:endParaRPr lang="fr-FR" sz="1800" b="0" strike="noStrike" spc="-1">
               <a:latin typeface="Arial"/>
             </a:endParaRPr>
           </a:p>
@@ -7830,7 +8672,7 @@
                 <a:spcPct val="100000"/>
               </a:lnSpc>
             </a:pPr>
-            <a:endParaRPr b="0" lang="fr-FR" sz="1800" spc="-1" strike="noStrike">
+            <a:endParaRPr lang="fr-FR" sz="1800" b="0" strike="noStrike" spc="-1">
               <a:latin typeface="Arial"/>
             </a:endParaRPr>
           </a:p>
@@ -7841,15 +8683,15 @@
               </a:lnSpc>
             </a:pPr>
             <a:r>
-              <a:rPr b="0" lang="fr-FR" sz="1800" spc="-1" strike="noStrike">
+              <a:rPr lang="fr-FR" sz="1800" b="0" strike="noStrike" spc="-1">
                 <a:solidFill>
-                  <a:srgbClr val="ffffff"/>
+                  <a:srgbClr val="FFFFFF"/>
                 </a:solidFill>
                 <a:latin typeface="Tw Cen MT"/>
               </a:rPr>
               <a:t>Au bout d’un an il reste trop peu de clients initiaux pour continuer à évaluer le modèle</a:t>
             </a:r>
-            <a:endParaRPr b="0" lang="fr-FR" sz="1800" spc="-1" strike="noStrike">
+            <a:endParaRPr lang="fr-FR" sz="1800" b="0" strike="noStrike" spc="-1">
               <a:latin typeface="Arial"/>
             </a:endParaRPr>
           </a:p>
@@ -7859,7 +8701,7 @@
                 <a:spcPct val="100000"/>
               </a:lnSpc>
             </a:pPr>
-            <a:endParaRPr b="0" lang="fr-FR" sz="1800" spc="-1" strike="noStrike">
+            <a:endParaRPr lang="fr-FR" sz="1800" b="0" strike="noStrike" spc="-1">
               <a:latin typeface="Arial"/>
             </a:endParaRPr>
           </a:p>
@@ -7867,19 +8709,14 @@
       </p:sp>
     </p:spTree>
   </p:cSld>
-  <mc:AlternateContent>
-    <mc:Choice Requires="p14">
-      <p:transition spd="slow" p14:dur="2000"/>
-    </mc:Choice>
-    <mc:Fallback>
-      <p:transition spd="slow"/>
-    </mc:Fallback>
-  </mc:AlternateContent>
+  <p:clrMapOvr>
+    <a:masterClrMapping/>
+  </p:clrMapOvr>
 </p:sld>
 </file>
 
 <file path=ppt/slides/slide14.xml><?xml version="1.0" encoding="utf-8"?>
-<p:sld xmlns:a="http://schemas.openxmlformats.org/drawingml/2006/main" xmlns:p="http://schemas.openxmlformats.org/presentationml/2006/main" xmlns:r="http://schemas.openxmlformats.org/officeDocument/2006/relationships" xmlns:p14="http://schemas.microsoft.com/office/powerpoint/2010/main" xmlns:p15="http://schemas.microsoft.com/office/powerpoint/2012/main" xmlns:mc="http://schemas.openxmlformats.org/markup-compatibility/2006">
+<p:sld xmlns:a="http://schemas.openxmlformats.org/drawingml/2006/main" xmlns:r="http://schemas.openxmlformats.org/officeDocument/2006/relationships" xmlns:p="http://schemas.openxmlformats.org/presentationml/2006/main">
   <p:cSld>
     <p:spTree>
       <p:nvGrpSpPr>
@@ -7918,6 +8755,7 @@
           <a:bodyPr anchor="ctr">
             <a:noAutofit/>
           </a:bodyPr>
+          <a:lstStyle/>
           <a:p>
             <a:pPr algn="ctr">
               <a:lnSpc>
@@ -7925,17 +8763,17 @@
               </a:lnSpc>
             </a:pPr>
             <a:r>
-              <a:rPr b="0" lang="fr-FR" sz="2980" spc="-1" strike="noStrike" cap="all">
+              <a:rPr lang="fr-FR" sz="2980" b="0" strike="noStrike" cap="all" spc="-1">
                 <a:solidFill>
-                  <a:srgbClr val="ffffff"/>
+                  <a:srgbClr val="FFFFFF"/>
                 </a:solidFill>
                 <a:latin typeface="Tw Cen MT"/>
               </a:rPr>
               <a:t>Conclusion</a:t>
             </a:r>
-            <a:endParaRPr b="0" lang="en-US" sz="2980" spc="-1" strike="noStrike">
+            <a:endParaRPr lang="en-US" sz="2980" b="0" strike="noStrike" spc="-1">
               <a:solidFill>
-                <a:srgbClr val="ffffff"/>
+                <a:srgbClr val="FFFFFF"/>
               </a:solidFill>
               <a:latin typeface="Tw Cen MT"/>
             </a:endParaRPr>
@@ -7965,6 +8803,7 @@
           <a:bodyPr anchor="ctr">
             <a:noAutofit/>
           </a:bodyPr>
+          <a:lstStyle/>
           <a:p>
             <a:pPr algn="r">
               <a:lnSpc>
@@ -7972,15 +8811,15 @@
               </a:lnSpc>
             </a:pPr>
             <a:fld id="{A819CF55-88CC-415B-A09C-E9AC37030939}" type="slidenum">
-              <a:rPr b="0" lang="fr-FR" sz="870" spc="-1" strike="noStrike">
+              <a:rPr lang="fr-FR" sz="870" b="0" strike="noStrike" spc="-1">
                 <a:solidFill>
-                  <a:srgbClr val="ffffff"/>
+                  <a:srgbClr val="FFFFFF"/>
                 </a:solidFill>
                 <a:latin typeface="Tw Cen MT"/>
               </a:rPr>
-              <a:t>1</a:t>
+              <a:t>14</a:t>
             </a:fld>
-            <a:endParaRPr b="0" lang="fr-FR" sz="870" spc="-1" strike="noStrike">
+            <a:endParaRPr lang="fr-FR" sz="870" b="0" strike="noStrike" spc="-1">
               <a:latin typeface="Times New Roman"/>
             </a:endParaRPr>
           </a:p>
@@ -8006,58 +8845,48 @@
           </a:ln>
         </p:spPr>
         <p:txBody>
-          <a:bodyPr lIns="90000" rIns="90000" tIns="45000" bIns="45000">
+          <a:bodyPr lIns="90000" tIns="45000" rIns="90000" bIns="45000">
             <a:noAutofit/>
           </a:bodyPr>
+          <a:lstStyle/>
           <a:p>
             <a:r>
-              <a:rPr b="0" lang="fr-FR" sz="1800" spc="-1" strike="noStrike">
+              <a:rPr lang="fr-FR" sz="1800" b="0" strike="noStrike" spc="-1">
                 <a:latin typeface="Arial"/>
               </a:rPr>
               <a:t>D’autres modèles à tester RFM classique, DBSCAN, …</a:t>
             </a:r>
-            <a:endParaRPr b="0" lang="fr-FR" sz="1800" spc="-1" strike="noStrike">
+          </a:p>
+          <a:p>
+            <a:endParaRPr lang="fr-FR" sz="1800" b="0" strike="noStrike" spc="-1">
               <a:latin typeface="Arial"/>
             </a:endParaRPr>
           </a:p>
           <a:p>
-            <a:endParaRPr b="0" lang="fr-FR" sz="1800" spc="-1" strike="noStrike">
+            <a:endParaRPr lang="fr-FR" sz="1800" b="0" strike="noStrike" spc="-1">
               <a:latin typeface="Arial"/>
             </a:endParaRPr>
           </a:p>
           <a:p>
-            <a:endParaRPr b="0" lang="fr-FR" sz="1800" spc="-1" strike="noStrike">
-              <a:latin typeface="Arial"/>
-            </a:endParaRPr>
-          </a:p>
-          <a:p>
             <a:r>
-              <a:rPr b="0" lang="fr-FR" sz="1800" spc="-1" strike="noStrike">
+              <a:rPr lang="fr-FR" sz="1800" b="0" strike="noStrike" spc="-1">
                 <a:latin typeface="Arial"/>
               </a:rPr>
               <a:t>Hierarchical clustering</a:t>
             </a:r>
-            <a:endParaRPr b="0" lang="fr-FR" sz="1800" spc="-1" strike="noStrike">
-              <a:latin typeface="Arial"/>
-            </a:endParaRPr>
           </a:p>
         </p:txBody>
       </p:sp>
     </p:spTree>
   </p:cSld>
-  <mc:AlternateContent>
-    <mc:Choice Requires="p14">
-      <p:transition spd="slow" p14:dur="2000"/>
-    </mc:Choice>
-    <mc:Fallback>
-      <p:transition spd="slow"/>
-    </mc:Fallback>
-  </mc:AlternateContent>
+  <p:clrMapOvr>
+    <a:masterClrMapping/>
+  </p:clrMapOvr>
 </p:sld>
 </file>
 
 <file path=ppt/slides/slide2.xml><?xml version="1.0" encoding="utf-8"?>
-<p:sld xmlns:a="http://schemas.openxmlformats.org/drawingml/2006/main" xmlns:p="http://schemas.openxmlformats.org/presentationml/2006/main" xmlns:r="http://schemas.openxmlformats.org/officeDocument/2006/relationships" xmlns:p14="http://schemas.microsoft.com/office/powerpoint/2010/main" xmlns:p15="http://schemas.microsoft.com/office/powerpoint/2012/main" xmlns:mc="http://schemas.openxmlformats.org/markup-compatibility/2006">
+<p:sld xmlns:a="http://schemas.openxmlformats.org/drawingml/2006/main" xmlns:r="http://schemas.openxmlformats.org/officeDocument/2006/relationships" xmlns:p="http://schemas.openxmlformats.org/presentationml/2006/main">
   <p:cSld>
     <p:spTree>
       <p:nvGrpSpPr>
@@ -8096,6 +8925,7 @@
           <a:bodyPr anchor="ctr">
             <a:noAutofit/>
           </a:bodyPr>
+          <a:lstStyle/>
           <a:p>
             <a:pPr algn="ctr">
               <a:lnSpc>
@@ -8103,17 +8933,17 @@
               </a:lnSpc>
             </a:pPr>
             <a:r>
-              <a:rPr b="0" lang="fr-FR" sz="2980" spc="-1" strike="noStrike" cap="all">
+              <a:rPr lang="fr-FR" sz="2980" b="0" strike="noStrike" cap="all" spc="-1">
                 <a:solidFill>
-                  <a:srgbClr val="ffffff"/>
+                  <a:srgbClr val="FFFFFF"/>
                 </a:solidFill>
                 <a:latin typeface="Tw Cen MT"/>
               </a:rPr>
               <a:t>Sommaire</a:t>
             </a:r>
-            <a:endParaRPr b="0" lang="en-US" sz="2980" spc="-1" strike="noStrike">
+            <a:endParaRPr lang="en-US" sz="2980" b="0" strike="noStrike" spc="-1">
               <a:solidFill>
-                <a:srgbClr val="ffffff"/>
+                <a:srgbClr val="FFFFFF"/>
               </a:solidFill>
               <a:latin typeface="Tw Cen MT"/>
             </a:endParaRPr>
@@ -8143,6 +8973,7 @@
           <a:bodyPr anchor="ctr">
             <a:noAutofit/>
           </a:bodyPr>
+          <a:lstStyle/>
           <a:p>
             <a:pPr algn="r">
               <a:lnSpc>
@@ -8150,15 +8981,15 @@
               </a:lnSpc>
             </a:pPr>
             <a:fld id="{A67D1BF7-EB63-4C46-93EE-0AA8CA751B7B}" type="slidenum">
-              <a:rPr b="0" lang="fr-FR" sz="870" spc="-1" strike="noStrike">
+              <a:rPr lang="fr-FR" sz="870" b="0" strike="noStrike" spc="-1">
                 <a:solidFill>
-                  <a:srgbClr val="ffffff"/>
+                  <a:srgbClr val="FFFFFF"/>
                 </a:solidFill>
                 <a:latin typeface="Tw Cen MT"/>
               </a:rPr>
-              <a:t>1</a:t>
+              <a:t>2</a:t>
             </a:fld>
-            <a:endParaRPr b="0" lang="fr-FR" sz="870" spc="-1" strike="noStrike">
+            <a:endParaRPr lang="fr-FR" sz="870" b="0" strike="noStrike" spc="-1">
               <a:latin typeface="Times New Roman"/>
             </a:endParaRPr>
           </a:p>
@@ -8184,36 +9015,43 @@
           </a:ln>
         </p:spPr>
         <p:style>
-          <a:lnRef idx="0"/>
-          <a:fillRef idx="0"/>
-          <a:effectRef idx="0"/>
+          <a:lnRef idx="0">
+            <a:scrgbClr r="0" g="0" b="0"/>
+          </a:lnRef>
+          <a:fillRef idx="0">
+            <a:scrgbClr r="0" g="0" b="0"/>
+          </a:fillRef>
+          <a:effectRef idx="0">
+            <a:scrgbClr r="0" g="0" b="0"/>
+          </a:effectRef>
           <a:fontRef idx="minor"/>
         </p:style>
         <p:txBody>
-          <a:bodyPr lIns="90000" rIns="90000" tIns="45000" bIns="45000">
+          <a:bodyPr lIns="90000" tIns="45000" rIns="90000" bIns="45000">
             <a:spAutoFit/>
           </a:bodyPr>
+          <a:lstStyle/>
           <a:p>
             <a:pPr marL="285840" indent="-285480">
               <a:lnSpc>
                 <a:spcPct val="100000"/>
               </a:lnSpc>
               <a:buClr>
-                <a:srgbClr val="ffffff"/>
+                <a:srgbClr val="FFFFFF"/>
               </a:buClr>
               <a:buFont typeface="Arial"/>
               <a:buChar char="•"/>
             </a:pPr>
             <a:r>
-              <a:rPr b="0" lang="fr-FR" sz="1600" spc="-1" strike="noStrike">
+              <a:rPr lang="fr-FR" sz="1600" b="0" strike="noStrike" spc="-1">
                 <a:solidFill>
-                  <a:srgbClr val="ffffff"/>
+                  <a:srgbClr val="FFFFFF"/>
                 </a:solidFill>
                 <a:latin typeface="Tw Cen MT"/>
               </a:rPr>
               <a:t>Contexte</a:t>
             </a:r>
-            <a:endParaRPr b="0" lang="fr-FR" sz="1600" spc="-1" strike="noStrike">
+            <a:endParaRPr lang="fr-FR" sz="1600" b="0" strike="noStrike" spc="-1">
               <a:latin typeface="Arial"/>
             </a:endParaRPr>
           </a:p>
@@ -8223,7 +9061,7 @@
                 <a:spcPct val="100000"/>
               </a:lnSpc>
             </a:pPr>
-            <a:endParaRPr b="0" lang="fr-FR" sz="1600" spc="-1" strike="noStrike">
+            <a:endParaRPr lang="fr-FR" sz="1600" b="0" strike="noStrike" spc="-1">
               <a:latin typeface="Arial"/>
             </a:endParaRPr>
           </a:p>
@@ -8233,21 +9071,21 @@
                 <a:spcPct val="100000"/>
               </a:lnSpc>
               <a:buClr>
-                <a:srgbClr val="ffffff"/>
+                <a:srgbClr val="FFFFFF"/>
               </a:buClr>
               <a:buFont typeface="Arial"/>
               <a:buChar char="•"/>
             </a:pPr>
             <a:r>
-              <a:rPr b="0" lang="fr-FR" sz="1600" spc="-1" strike="noStrike">
+              <a:rPr lang="fr-FR" sz="1600" b="0" strike="noStrike" spc="-1">
                 <a:solidFill>
-                  <a:srgbClr val="ffffff"/>
+                  <a:srgbClr val="FFFFFF"/>
                 </a:solidFill>
                 <a:latin typeface="Tw Cen MT"/>
               </a:rPr>
               <a:t>Données</a:t>
             </a:r>
-            <a:endParaRPr b="0" lang="fr-FR" sz="1600" spc="-1" strike="noStrike">
+            <a:endParaRPr lang="fr-FR" sz="1600" b="0" strike="noStrike" spc="-1">
               <a:latin typeface="Arial"/>
             </a:endParaRPr>
           </a:p>
@@ -8257,7 +9095,7 @@
                 <a:spcPct val="100000"/>
               </a:lnSpc>
             </a:pPr>
-            <a:endParaRPr b="0" lang="fr-FR" sz="1600" spc="-1" strike="noStrike">
+            <a:endParaRPr lang="fr-FR" sz="1600" b="0" strike="noStrike" spc="-1">
               <a:latin typeface="Arial"/>
             </a:endParaRPr>
           </a:p>
@@ -8267,21 +9105,21 @@
                 <a:spcPct val="100000"/>
               </a:lnSpc>
               <a:buClr>
-                <a:srgbClr val="ffffff"/>
+                <a:srgbClr val="FFFFFF"/>
               </a:buClr>
               <a:buFont typeface="Arial"/>
               <a:buChar char="•"/>
             </a:pPr>
             <a:r>
-              <a:rPr b="0" lang="fr-FR" sz="1600" spc="-1" strike="noStrike">
+              <a:rPr lang="fr-FR" sz="1600" b="0" strike="noStrike" spc="-1">
                 <a:solidFill>
-                  <a:srgbClr val="ffffff"/>
+                  <a:srgbClr val="FFFFFF"/>
                 </a:solidFill>
                 <a:latin typeface="Tw Cen MT"/>
               </a:rPr>
               <a:t>Nettoyage</a:t>
             </a:r>
-            <a:endParaRPr b="0" lang="fr-FR" sz="1600" spc="-1" strike="noStrike">
+            <a:endParaRPr lang="fr-FR" sz="1600" b="0" strike="noStrike" spc="-1">
               <a:latin typeface="Arial"/>
             </a:endParaRPr>
           </a:p>
@@ -8291,7 +9129,7 @@
                 <a:spcPct val="100000"/>
               </a:lnSpc>
             </a:pPr>
-            <a:endParaRPr b="0" lang="fr-FR" sz="1600" spc="-1" strike="noStrike">
+            <a:endParaRPr lang="fr-FR" sz="1600" b="0" strike="noStrike" spc="-1">
               <a:latin typeface="Arial"/>
             </a:endParaRPr>
           </a:p>
@@ -8301,21 +9139,21 @@
                 <a:spcPct val="100000"/>
               </a:lnSpc>
               <a:buClr>
-                <a:srgbClr val="ffffff"/>
+                <a:srgbClr val="FFFFFF"/>
               </a:buClr>
               <a:buFont typeface="Arial"/>
               <a:buChar char="•"/>
             </a:pPr>
             <a:r>
-              <a:rPr b="0" lang="fr-FR" sz="1600" spc="-1" strike="noStrike">
+              <a:rPr lang="fr-FR" sz="1600" b="0" strike="noStrike" spc="-1">
                 <a:solidFill>
-                  <a:srgbClr val="ffffff"/>
+                  <a:srgbClr val="FFFFFF"/>
                 </a:solidFill>
                 <a:latin typeface="Tw Cen MT"/>
               </a:rPr>
               <a:t>Methode RFM</a:t>
             </a:r>
-            <a:endParaRPr b="0" lang="fr-FR" sz="1600" spc="-1" strike="noStrike">
+            <a:endParaRPr lang="fr-FR" sz="1600" b="0" strike="noStrike" spc="-1">
               <a:latin typeface="Arial"/>
             </a:endParaRPr>
           </a:p>
@@ -8325,7 +9163,7 @@
                 <a:spcPct val="100000"/>
               </a:lnSpc>
             </a:pPr>
-            <a:endParaRPr b="0" lang="fr-FR" sz="1600" spc="-1" strike="noStrike">
+            <a:endParaRPr lang="fr-FR" sz="1600" b="0" strike="noStrike" spc="-1">
               <a:latin typeface="Arial"/>
             </a:endParaRPr>
           </a:p>
@@ -8335,21 +9173,21 @@
                 <a:spcPct val="100000"/>
               </a:lnSpc>
               <a:buClr>
-                <a:srgbClr val="ffffff"/>
+                <a:srgbClr val="FFFFFF"/>
               </a:buClr>
               <a:buFont typeface="Arial"/>
               <a:buChar char="•"/>
             </a:pPr>
             <a:r>
-              <a:rPr b="0" lang="fr-FR" sz="1600" spc="-1" strike="noStrike">
+              <a:rPr lang="fr-FR" sz="1600" b="0" strike="noStrike" spc="-1">
                 <a:solidFill>
-                  <a:srgbClr val="ffffff"/>
+                  <a:srgbClr val="FFFFFF"/>
                 </a:solidFill>
                 <a:latin typeface="Tw Cen MT"/>
               </a:rPr>
               <a:t>Process clustering</a:t>
             </a:r>
-            <a:endParaRPr b="0" lang="fr-FR" sz="1600" spc="-1" strike="noStrike">
+            <a:endParaRPr lang="fr-FR" sz="1600" b="0" strike="noStrike" spc="-1">
               <a:latin typeface="Arial"/>
             </a:endParaRPr>
           </a:p>
@@ -8359,7 +9197,7 @@
                 <a:spcPct val="100000"/>
               </a:lnSpc>
             </a:pPr>
-            <a:endParaRPr b="0" lang="fr-FR" sz="1600" spc="-1" strike="noStrike">
+            <a:endParaRPr lang="fr-FR" sz="1600" b="0" strike="noStrike" spc="-1">
               <a:latin typeface="Arial"/>
             </a:endParaRPr>
           </a:p>
@@ -8369,21 +9207,21 @@
                 <a:spcPct val="100000"/>
               </a:lnSpc>
               <a:buClr>
-                <a:srgbClr val="ffffff"/>
+                <a:srgbClr val="FFFFFF"/>
               </a:buClr>
               <a:buFont typeface="Arial"/>
               <a:buChar char="•"/>
             </a:pPr>
             <a:r>
-              <a:rPr b="0" lang="fr-FR" sz="1600" spc="-1" strike="noStrike">
+              <a:rPr lang="fr-FR" sz="1600" b="0" strike="noStrike" spc="-1">
                 <a:solidFill>
-                  <a:srgbClr val="ffffff"/>
+                  <a:srgbClr val="FFFFFF"/>
                 </a:solidFill>
                 <a:latin typeface="Tw Cen MT"/>
               </a:rPr>
               <a:t>Segmentation des clients</a:t>
             </a:r>
-            <a:endParaRPr b="0" lang="fr-FR" sz="1600" spc="-1" strike="noStrike">
+            <a:endParaRPr lang="fr-FR" sz="1600" b="0" strike="noStrike" spc="-1">
               <a:latin typeface="Arial"/>
             </a:endParaRPr>
           </a:p>
@@ -8393,7 +9231,7 @@
                 <a:spcPct val="100000"/>
               </a:lnSpc>
             </a:pPr>
-            <a:endParaRPr b="0" lang="fr-FR" sz="1600" spc="-1" strike="noStrike">
+            <a:endParaRPr lang="fr-FR" sz="1600" b="0" strike="noStrike" spc="-1">
               <a:latin typeface="Arial"/>
             </a:endParaRPr>
           </a:p>
@@ -8403,21 +9241,21 @@
                 <a:spcPct val="100000"/>
               </a:lnSpc>
               <a:buClr>
-                <a:srgbClr val="ffffff"/>
+                <a:srgbClr val="FFFFFF"/>
               </a:buClr>
               <a:buFont typeface="Arial"/>
               <a:buChar char="•"/>
             </a:pPr>
             <a:r>
-              <a:rPr b="0" lang="fr-FR" sz="1600" spc="-1" strike="noStrike">
+              <a:rPr lang="fr-FR" sz="1600" b="0" strike="noStrike" spc="-1">
                 <a:solidFill>
-                  <a:srgbClr val="ffffff"/>
+                  <a:srgbClr val="FFFFFF"/>
                 </a:solidFill>
                 <a:latin typeface="Tw Cen MT"/>
               </a:rPr>
               <a:t>Evaluation de la stabilité dans le temps</a:t>
             </a:r>
-            <a:endParaRPr b="0" lang="fr-FR" sz="1600" spc="-1" strike="noStrike">
+            <a:endParaRPr lang="fr-FR" sz="1600" b="0" strike="noStrike" spc="-1">
               <a:latin typeface="Arial"/>
             </a:endParaRPr>
           </a:p>
@@ -8427,7 +9265,7 @@
                 <a:spcPct val="100000"/>
               </a:lnSpc>
             </a:pPr>
-            <a:endParaRPr b="0" lang="fr-FR" sz="1600" spc="-1" strike="noStrike">
+            <a:endParaRPr lang="fr-FR" sz="1600" b="0" strike="noStrike" spc="-1">
               <a:latin typeface="Arial"/>
             </a:endParaRPr>
           </a:p>
@@ -8437,21 +9275,21 @@
                 <a:spcPct val="100000"/>
               </a:lnSpc>
               <a:buClr>
-                <a:srgbClr val="ffffff"/>
+                <a:srgbClr val="FFFFFF"/>
               </a:buClr>
               <a:buFont typeface="Arial"/>
               <a:buChar char="•"/>
             </a:pPr>
             <a:r>
-              <a:rPr b="0" lang="fr-FR" sz="1600" spc="-1" strike="noStrike">
+              <a:rPr lang="fr-FR" sz="1600" b="0" strike="noStrike" spc="-1">
                 <a:solidFill>
-                  <a:srgbClr val="ffffff"/>
+                  <a:srgbClr val="FFFFFF"/>
                 </a:solidFill>
                 <a:latin typeface="Tw Cen MT"/>
               </a:rPr>
               <a:t>Conclusion</a:t>
             </a:r>
-            <a:endParaRPr b="0" lang="fr-FR" sz="1600" spc="-1" strike="noStrike">
+            <a:endParaRPr lang="fr-FR" sz="1600" b="0" strike="noStrike" spc="-1">
               <a:latin typeface="Arial"/>
             </a:endParaRPr>
           </a:p>
@@ -8461,7 +9299,7 @@
                 <a:spcPct val="100000"/>
               </a:lnSpc>
             </a:pPr>
-            <a:endParaRPr b="0" lang="fr-FR" sz="1600" spc="-1" strike="noStrike">
+            <a:endParaRPr lang="fr-FR" sz="1600" b="0" strike="noStrike" spc="-1">
               <a:latin typeface="Arial"/>
             </a:endParaRPr>
           </a:p>
@@ -8471,7 +9309,7 @@
                 <a:spcPct val="100000"/>
               </a:lnSpc>
             </a:pPr>
-            <a:endParaRPr b="0" lang="fr-FR" sz="1600" spc="-1" strike="noStrike">
+            <a:endParaRPr lang="fr-FR" sz="1600" b="0" strike="noStrike" spc="-1">
               <a:latin typeface="Arial"/>
             </a:endParaRPr>
           </a:p>
@@ -8481,7 +9319,7 @@
                 <a:spcPct val="100000"/>
               </a:lnSpc>
             </a:pPr>
-            <a:endParaRPr b="0" lang="fr-FR" sz="1600" spc="-1" strike="noStrike">
+            <a:endParaRPr lang="fr-FR" sz="1600" b="0" strike="noStrike" spc="-1">
               <a:latin typeface="Arial"/>
             </a:endParaRPr>
           </a:p>
@@ -8489,19 +9327,14 @@
       </p:sp>
     </p:spTree>
   </p:cSld>
-  <mc:AlternateContent>
-    <mc:Choice Requires="p14">
-      <p:transition spd="slow" p14:dur="2000"/>
-    </mc:Choice>
-    <mc:Fallback>
-      <p:transition spd="slow"/>
-    </mc:Fallback>
-  </mc:AlternateContent>
+  <p:clrMapOvr>
+    <a:masterClrMapping/>
+  </p:clrMapOvr>
 </p:sld>
 </file>
 
 <file path=ppt/slides/slide3.xml><?xml version="1.0" encoding="utf-8"?>
-<p:sld xmlns:a="http://schemas.openxmlformats.org/drawingml/2006/main" xmlns:p="http://schemas.openxmlformats.org/presentationml/2006/main" xmlns:r="http://schemas.openxmlformats.org/officeDocument/2006/relationships" xmlns:p14="http://schemas.microsoft.com/office/powerpoint/2010/main" xmlns:p15="http://schemas.microsoft.com/office/powerpoint/2012/main" xmlns:mc="http://schemas.openxmlformats.org/markup-compatibility/2006">
+<p:sld xmlns:a="http://schemas.openxmlformats.org/drawingml/2006/main" xmlns:r="http://schemas.openxmlformats.org/officeDocument/2006/relationships" xmlns:p="http://schemas.openxmlformats.org/presentationml/2006/main">
   <p:cSld>
     <p:spTree>
       <p:nvGrpSpPr>
@@ -8540,6 +9373,7 @@
           <a:bodyPr anchor="ctr">
             <a:noAutofit/>
           </a:bodyPr>
+          <a:lstStyle/>
           <a:p>
             <a:pPr algn="ctr">
               <a:lnSpc>
@@ -8547,26 +9381,17 @@
               </a:lnSpc>
             </a:pPr>
             <a:r>
-              <a:rPr b="0" lang="fr-FR" sz="2980" spc="-1" strike="noStrike" cap="all">
+              <a:rPr lang="fr-FR" sz="2980" b="0" strike="noStrike" cap="all" spc="-1">
                 <a:solidFill>
-                  <a:srgbClr val="ffffff"/>
+                  <a:srgbClr val="FFFFFF"/>
                 </a:solidFill>
                 <a:latin typeface="Tw Cen MT"/>
               </a:rPr>
-              <a:t>Context</a:t>
+              <a:t>Contexte</a:t>
             </a:r>
-            <a:r>
-              <a:rPr b="0" lang="fr-FR" sz="2980" spc="-1" strike="noStrike" cap="all">
-                <a:solidFill>
-                  <a:srgbClr val="ffffff"/>
-                </a:solidFill>
-                <a:latin typeface="Tw Cen MT"/>
-              </a:rPr>
-              <a:t>e</a:t>
-            </a:r>
-            <a:endParaRPr b="0" lang="en-US" sz="2980" spc="-1" strike="noStrike">
+            <a:endParaRPr lang="en-US" sz="2980" b="0" strike="noStrike" spc="-1">
               <a:solidFill>
-                <a:srgbClr val="ffffff"/>
+                <a:srgbClr val="FFFFFF"/>
               </a:solidFill>
               <a:latin typeface="Tw Cen MT"/>
             </a:endParaRPr>
@@ -8593,15 +9418,22 @@
           </a:ln>
         </p:spPr>
         <p:style>
-          <a:lnRef idx="0"/>
-          <a:fillRef idx="0"/>
-          <a:effectRef idx="0"/>
+          <a:lnRef idx="0">
+            <a:scrgbClr r="0" g="0" b="0"/>
+          </a:lnRef>
+          <a:fillRef idx="0">
+            <a:scrgbClr r="0" g="0" b="0"/>
+          </a:fillRef>
+          <a:effectRef idx="0">
+            <a:scrgbClr r="0" g="0" b="0"/>
+          </a:effectRef>
           <a:fontRef idx="minor"/>
         </p:style>
         <p:txBody>
-          <a:bodyPr lIns="90000" rIns="90000" tIns="45000" bIns="45000">
+          <a:bodyPr lIns="90000" tIns="45000" rIns="90000" bIns="45000">
             <a:spAutoFit/>
           </a:bodyPr>
+          <a:lstStyle/>
           <a:p>
             <a:pPr>
               <a:lnSpc>
@@ -8609,15 +9441,15 @@
               </a:lnSpc>
             </a:pPr>
             <a:r>
-              <a:rPr b="0" lang="fr-FR" sz="1800" spc="-1" strike="noStrike">
+              <a:rPr lang="fr-FR" sz="1800" b="0" strike="noStrike" spc="-1">
                 <a:solidFill>
-                  <a:srgbClr val="ffffff"/>
+                  <a:srgbClr val="FFFFFF"/>
                 </a:solidFill>
                 <a:latin typeface="Tw Cen MT"/>
               </a:rPr>
               <a:t>Olist souhaite que vous fournissiez à ses équipes d'e-commerce une segmentation des clients qu’elles pourront utiliser au quotidien pour leurs campagnes de communication.</a:t>
             </a:r>
-            <a:endParaRPr b="0" lang="fr-FR" sz="1800" spc="-1" strike="noStrike">
+            <a:endParaRPr lang="fr-FR" sz="1800" b="0" strike="noStrike" spc="-1">
               <a:latin typeface="Arial"/>
             </a:endParaRPr>
           </a:p>
@@ -8627,7 +9459,7 @@
                 <a:spcPct val="100000"/>
               </a:lnSpc>
             </a:pPr>
-            <a:endParaRPr b="0" lang="fr-FR" sz="1800" spc="-1" strike="noStrike">
+            <a:endParaRPr lang="fr-FR" sz="1800" b="0" strike="noStrike" spc="-1">
               <a:latin typeface="Arial"/>
             </a:endParaRPr>
           </a:p>
@@ -8638,15 +9470,15 @@
               </a:lnSpc>
             </a:pPr>
             <a:r>
-              <a:rPr b="0" lang="fr-FR" sz="1800" spc="-1" strike="noStrike">
+              <a:rPr lang="fr-FR" sz="1800" b="0" strike="noStrike" spc="-1">
                 <a:solidFill>
-                  <a:srgbClr val="ffffff"/>
+                  <a:srgbClr val="FFFFFF"/>
                 </a:solidFill>
                 <a:latin typeface="Tw Cen MT"/>
               </a:rPr>
               <a:t>Votre objectif est de comprendre les différents types d’utilisateurs grâce à leur comportement et à leurs données personnelles.</a:t>
             </a:r>
-            <a:endParaRPr b="0" lang="fr-FR" sz="1800" spc="-1" strike="noStrike">
+            <a:endParaRPr lang="fr-FR" sz="1800" b="0" strike="noStrike" spc="-1">
               <a:latin typeface="Arial"/>
             </a:endParaRPr>
           </a:p>
@@ -8656,7 +9488,7 @@
                 <a:spcPct val="100000"/>
               </a:lnSpc>
             </a:pPr>
-            <a:endParaRPr b="0" lang="fr-FR" sz="1800" spc="-1" strike="noStrike">
+            <a:endParaRPr lang="fr-FR" sz="1800" b="0" strike="noStrike" spc="-1">
               <a:latin typeface="Arial"/>
             </a:endParaRPr>
           </a:p>
@@ -8667,15 +9499,15 @@
               </a:lnSpc>
             </a:pPr>
             <a:r>
-              <a:rPr b="0" lang="fr-FR" sz="1800" spc="-1" strike="noStrike">
+              <a:rPr lang="fr-FR" sz="1800" b="0" strike="noStrike" spc="-1">
                 <a:solidFill>
-                  <a:srgbClr val="ffffff"/>
+                  <a:srgbClr val="FFFFFF"/>
                 </a:solidFill>
                 <a:latin typeface="Tw Cen MT"/>
               </a:rPr>
               <a:t>Vous devrez fournir à l’équipe marketing une description actionable de votre segmentation et de sa logique sous-jacente pour une utilisation optimale, ainsi qu’une proposition de contrat de maintenance basée sur une analyse de la stabilité des segments au cours du temps.</a:t>
             </a:r>
-            <a:endParaRPr b="0" lang="fr-FR" sz="1800" spc="-1" strike="noStrike">
+            <a:endParaRPr lang="fr-FR" sz="1800" b="0" strike="noStrike" spc="-1">
               <a:latin typeface="Arial"/>
             </a:endParaRPr>
           </a:p>
@@ -8704,6 +9536,7 @@
           <a:bodyPr anchor="ctr">
             <a:noAutofit/>
           </a:bodyPr>
+          <a:lstStyle/>
           <a:p>
             <a:pPr algn="r">
               <a:lnSpc>
@@ -8711,15 +9544,15 @@
               </a:lnSpc>
             </a:pPr>
             <a:fld id="{2F029AEC-FBBC-4998-993B-A63E8A2366A3}" type="slidenum">
-              <a:rPr b="0" lang="fr-FR" sz="870" spc="-1" strike="noStrike">
+              <a:rPr lang="fr-FR" sz="870" b="0" strike="noStrike" spc="-1">
                 <a:solidFill>
-                  <a:srgbClr val="ffffff"/>
+                  <a:srgbClr val="FFFFFF"/>
                 </a:solidFill>
                 <a:latin typeface="Tw Cen MT"/>
               </a:rPr>
-              <a:t>1</a:t>
+              <a:t>3</a:t>
             </a:fld>
-            <a:endParaRPr b="0" lang="fr-FR" sz="870" spc="-1" strike="noStrike">
+            <a:endParaRPr lang="fr-FR" sz="870" b="0" strike="noStrike" spc="-1">
               <a:latin typeface="Times New Roman"/>
             </a:endParaRPr>
           </a:p>
@@ -8727,19 +9560,14 @@
       </p:sp>
     </p:spTree>
   </p:cSld>
-  <mc:AlternateContent>
-    <mc:Choice Requires="p14">
-      <p:transition spd="slow" p14:dur="2000"/>
-    </mc:Choice>
-    <mc:Fallback>
-      <p:transition spd="slow"/>
-    </mc:Fallback>
-  </mc:AlternateContent>
+  <p:clrMapOvr>
+    <a:masterClrMapping/>
+  </p:clrMapOvr>
 </p:sld>
 </file>
 
 <file path=ppt/slides/slide4.xml><?xml version="1.0" encoding="utf-8"?>
-<p:sld xmlns:a="http://schemas.openxmlformats.org/drawingml/2006/main" xmlns:p="http://schemas.openxmlformats.org/presentationml/2006/main" xmlns:r="http://schemas.openxmlformats.org/officeDocument/2006/relationships" xmlns:p14="http://schemas.microsoft.com/office/powerpoint/2010/main" xmlns:p15="http://schemas.microsoft.com/office/powerpoint/2012/main" xmlns:mc="http://schemas.openxmlformats.org/markup-compatibility/2006">
+<p:sld xmlns:a="http://schemas.openxmlformats.org/drawingml/2006/main" xmlns:r="http://schemas.openxmlformats.org/officeDocument/2006/relationships" xmlns:p="http://schemas.openxmlformats.org/presentationml/2006/main">
   <p:cSld>
     <p:spTree>
       <p:nvGrpSpPr>
@@ -8778,6 +9606,7 @@
           <a:bodyPr anchor="ctr">
             <a:noAutofit/>
           </a:bodyPr>
+          <a:lstStyle/>
           <a:p>
             <a:pPr algn="ctr">
               <a:lnSpc>
@@ -8785,17 +9614,17 @@
               </a:lnSpc>
             </a:pPr>
             <a:r>
-              <a:rPr b="0" lang="fr-FR" sz="2980" spc="-1" strike="noStrike" cap="all">
+              <a:rPr lang="fr-FR" sz="2980" b="0" strike="noStrike" cap="all" spc="-1">
                 <a:solidFill>
-                  <a:srgbClr val="ffffff"/>
+                  <a:srgbClr val="FFFFFF"/>
                 </a:solidFill>
                 <a:latin typeface="Tw Cen MT"/>
               </a:rPr>
               <a:t>Donnees</a:t>
             </a:r>
-            <a:endParaRPr b="0" lang="en-US" sz="2980" spc="-1" strike="noStrike">
+            <a:endParaRPr lang="en-US" sz="2980" b="0" strike="noStrike" spc="-1">
               <a:solidFill>
-                <a:srgbClr val="ffffff"/>
+                <a:srgbClr val="FFFFFF"/>
               </a:solidFill>
               <a:latin typeface="Tw Cen MT"/>
             </a:endParaRPr>
@@ -8804,12 +9633,12 @@
       </p:sp>
       <p:pic>
         <p:nvPicPr>
-          <p:cNvPr id="97" name="Image 6" descr=""/>
+          <p:cNvPr id="97" name="Image 6"/>
           <p:cNvPicPr/>
           <p:nvPr/>
         </p:nvPicPr>
         <p:blipFill>
-          <a:blip r:embed="rId1"/>
+          <a:blip r:embed="rId3"/>
           <a:stretch/>
         </p:blipFill>
         <p:spPr>
@@ -8845,15 +9674,22 @@
           </a:ln>
         </p:spPr>
         <p:style>
-          <a:lnRef idx="0"/>
-          <a:fillRef idx="0"/>
-          <a:effectRef idx="0"/>
+          <a:lnRef idx="0">
+            <a:scrgbClr r="0" g="0" b="0"/>
+          </a:lnRef>
+          <a:fillRef idx="0">
+            <a:scrgbClr r="0" g="0" b="0"/>
+          </a:fillRef>
+          <a:effectRef idx="0">
+            <a:scrgbClr r="0" g="0" b="0"/>
+          </a:effectRef>
           <a:fontRef idx="minor"/>
         </p:style>
         <p:txBody>
-          <a:bodyPr lIns="90000" rIns="90000" tIns="45000" bIns="45000">
+          <a:bodyPr lIns="90000" tIns="45000" rIns="90000" bIns="45000">
             <a:spAutoFit/>
           </a:bodyPr>
+          <a:lstStyle/>
           <a:p>
             <a:pPr>
               <a:lnSpc>
@@ -8861,15 +9697,15 @@
               </a:lnSpc>
             </a:pPr>
             <a:r>
-              <a:rPr b="0" lang="fr-FR" sz="1800" spc="-1" strike="noStrike">
+              <a:rPr lang="fr-FR" sz="1800" b="0" strike="noStrike" spc="-1">
                 <a:solidFill>
-                  <a:srgbClr val="ffffff"/>
+                  <a:srgbClr val="FFFFFF"/>
                 </a:solidFill>
                 <a:latin typeface="Tw Cen MT"/>
               </a:rPr>
               <a:t>Suppression de la table df_seller, aucune information nécessaire</a:t>
             </a:r>
-            <a:endParaRPr b="0" lang="fr-FR" sz="1800" spc="-1" strike="noStrike">
+            <a:endParaRPr lang="fr-FR" sz="1800" b="0" strike="noStrike" spc="-1">
               <a:latin typeface="Arial"/>
             </a:endParaRPr>
           </a:p>
@@ -8898,6 +9734,7 @@
           <a:bodyPr anchor="ctr">
             <a:noAutofit/>
           </a:bodyPr>
+          <a:lstStyle/>
           <a:p>
             <a:pPr algn="r">
               <a:lnSpc>
@@ -8905,15 +9742,15 @@
               </a:lnSpc>
             </a:pPr>
             <a:fld id="{8DACB9AA-BC51-4566-B425-E7F5F95DB6F2}" type="slidenum">
-              <a:rPr b="0" lang="fr-FR" sz="870" spc="-1" strike="noStrike">
+              <a:rPr lang="fr-FR" sz="870" b="0" strike="noStrike" spc="-1">
                 <a:solidFill>
-                  <a:srgbClr val="ffffff"/>
+                  <a:srgbClr val="FFFFFF"/>
                 </a:solidFill>
                 <a:latin typeface="Tw Cen MT"/>
               </a:rPr>
-              <a:t>1</a:t>
+              <a:t>4</a:t>
             </a:fld>
-            <a:endParaRPr b="0" lang="fr-FR" sz="870" spc="-1" strike="noStrike">
+            <a:endParaRPr lang="fr-FR" sz="870" b="0" strike="noStrike" spc="-1">
               <a:latin typeface="Times New Roman"/>
             </a:endParaRPr>
           </a:p>
@@ -8921,19 +9758,14 @@
       </p:sp>
     </p:spTree>
   </p:cSld>
-  <mc:AlternateContent>
-    <mc:Choice Requires="p14">
-      <p:transition spd="slow" p14:dur="2000"/>
-    </mc:Choice>
-    <mc:Fallback>
-      <p:transition spd="slow"/>
-    </mc:Fallback>
-  </mc:AlternateContent>
+  <p:clrMapOvr>
+    <a:masterClrMapping/>
+  </p:clrMapOvr>
 </p:sld>
 </file>
 
 <file path=ppt/slides/slide5.xml><?xml version="1.0" encoding="utf-8"?>
-<p:sld xmlns:a="http://schemas.openxmlformats.org/drawingml/2006/main" xmlns:p="http://schemas.openxmlformats.org/presentationml/2006/main" xmlns:r="http://schemas.openxmlformats.org/officeDocument/2006/relationships" xmlns:p14="http://schemas.microsoft.com/office/powerpoint/2010/main" xmlns:p15="http://schemas.microsoft.com/office/powerpoint/2012/main" xmlns:mc="http://schemas.openxmlformats.org/markup-compatibility/2006">
+<p:sld xmlns:a="http://schemas.openxmlformats.org/drawingml/2006/main" xmlns:r="http://schemas.openxmlformats.org/officeDocument/2006/relationships" xmlns:p="http://schemas.openxmlformats.org/presentationml/2006/main">
   <p:cSld>
     <p:spTree>
       <p:nvGrpSpPr>
@@ -8972,6 +9804,7 @@
           <a:bodyPr anchor="ctr">
             <a:noAutofit/>
           </a:bodyPr>
+          <a:lstStyle/>
           <a:p>
             <a:pPr algn="ctr">
               <a:lnSpc>
@@ -8979,17 +9812,17 @@
               </a:lnSpc>
             </a:pPr>
             <a:r>
-              <a:rPr b="0" lang="fr-FR" sz="2980" spc="-1" strike="noStrike" cap="all">
+              <a:rPr lang="fr-FR" sz="2980" b="0" strike="noStrike" cap="all" spc="-1">
                 <a:solidFill>
-                  <a:srgbClr val="ffffff"/>
+                  <a:srgbClr val="FFFFFF"/>
                 </a:solidFill>
                 <a:latin typeface="Tw Cen MT"/>
               </a:rPr>
               <a:t>Nettoyage</a:t>
             </a:r>
-            <a:endParaRPr b="0" lang="en-US" sz="2980" spc="-1" strike="noStrike">
+            <a:endParaRPr lang="en-US" sz="2980" b="0" strike="noStrike" spc="-1">
               <a:solidFill>
-                <a:srgbClr val="ffffff"/>
+                <a:srgbClr val="FFFFFF"/>
               </a:solidFill>
               <a:latin typeface="Tw Cen MT"/>
             </a:endParaRPr>
@@ -9016,15 +9849,22 @@
           </a:ln>
         </p:spPr>
         <p:style>
-          <a:lnRef idx="0"/>
-          <a:fillRef idx="0"/>
-          <a:effectRef idx="0"/>
+          <a:lnRef idx="0">
+            <a:scrgbClr r="0" g="0" b="0"/>
+          </a:lnRef>
+          <a:fillRef idx="0">
+            <a:scrgbClr r="0" g="0" b="0"/>
+          </a:fillRef>
+          <a:effectRef idx="0">
+            <a:scrgbClr r="0" g="0" b="0"/>
+          </a:effectRef>
           <a:fontRef idx="minor"/>
         </p:style>
         <p:txBody>
-          <a:bodyPr lIns="90000" rIns="90000" tIns="45000" bIns="45000">
+          <a:bodyPr lIns="90000" tIns="45000" rIns="90000" bIns="45000">
             <a:spAutoFit/>
           </a:bodyPr>
+          <a:lstStyle/>
           <a:p>
             <a:pPr>
               <a:lnSpc>
@@ -9032,15 +9872,15 @@
               </a:lnSpc>
             </a:pPr>
             <a:r>
-              <a:rPr b="0" lang="fr-FR" sz="1800" spc="-1" strike="noStrike">
+              <a:rPr lang="fr-FR" sz="1800" b="0" strike="noStrike" spc="-1">
                 <a:solidFill>
-                  <a:srgbClr val="ffffff"/>
+                  <a:srgbClr val="FFFFFF"/>
                 </a:solidFill>
                 <a:latin typeface="Tw Cen MT"/>
               </a:rPr>
               <a:t>Suppression des colonnes superflues table par table et fusion en un seul dataset :</a:t>
             </a:r>
-            <a:endParaRPr b="0" lang="fr-FR" sz="1800" spc="-1" strike="noStrike">
+            <a:endParaRPr lang="fr-FR" sz="1800" b="0" strike="noStrike" spc="-1">
               <a:latin typeface="Arial"/>
             </a:endParaRPr>
           </a:p>
@@ -9051,52 +9891,43 @@
               </a:lnSpc>
             </a:pPr>
             <a:r>
-              <a:rPr b="0" lang="fr-FR" sz="1800" spc="-1" strike="noStrike">
+              <a:rPr lang="fr-FR" sz="1800" b="0" strike="noStrike" spc="-1">
                 <a:solidFill>
-                  <a:srgbClr val="ffffff"/>
+                  <a:srgbClr val="FFFFFF"/>
+                </a:solidFill>
+                <a:latin typeface="Tw Cen MT"/>
+              </a:rPr>
+              <a:t>	118982 X 22</a:t>
+            </a:r>
+            <a:endParaRPr lang="fr-FR" sz="1800" b="0" strike="noStrike" spc="-1">
+              <a:latin typeface="Arial"/>
+            </a:endParaRPr>
+          </a:p>
+          <a:p>
+            <a:pPr>
+              <a:lnSpc>
+                <a:spcPct val="100000"/>
+              </a:lnSpc>
+            </a:pPr>
+            <a:r>
+              <a:rPr lang="fr-FR" sz="1800" b="0" strike="noStrike" spc="-1">
+                <a:solidFill>
+                  <a:srgbClr val="FFFFFF"/>
                 </a:solidFill>
                 <a:latin typeface="Tw Cen MT"/>
               </a:rPr>
               <a:t>	</a:t>
             </a:r>
             <a:r>
-              <a:rPr b="0" lang="fr-FR" sz="1800" spc="-1" strike="noStrike">
+              <a:rPr lang="fr-FR" sz="1800" b="0" strike="noStrike" spc="-1">
                 <a:solidFill>
-                  <a:srgbClr val="ffffff"/>
-                </a:solidFill>
-                <a:latin typeface="Tw Cen MT"/>
-              </a:rPr>
-              <a:t>118982 X 22</a:t>
-            </a:r>
-            <a:endParaRPr b="0" lang="fr-FR" sz="1800" spc="-1" strike="noStrike">
-              <a:latin typeface="Arial"/>
-            </a:endParaRPr>
-          </a:p>
-          <a:p>
-            <a:pPr>
-              <a:lnSpc>
-                <a:spcPct val="100000"/>
-              </a:lnSpc>
-            </a:pPr>
-            <a:r>
-              <a:rPr b="0" lang="fr-FR" sz="1800" spc="-1" strike="noStrike">
-                <a:solidFill>
-                  <a:srgbClr val="ffffff"/>
-                </a:solidFill>
-                <a:latin typeface="Tw Cen MT"/>
-              </a:rPr>
-              <a:t>	</a:t>
-            </a:r>
-            <a:r>
-              <a:rPr b="0" lang="fr-FR" sz="1800" spc="-1" strike="noStrike">
-                <a:solidFill>
-                  <a:srgbClr val="ffff00"/>
+                  <a:srgbClr val="FFFF00"/>
                 </a:solidFill>
                 <a:latin typeface="Tw Cen MT"/>
               </a:rPr>
               <a:t>Attention à la table df_geo code postaux en doubles</a:t>
             </a:r>
-            <a:endParaRPr b="0" lang="fr-FR" sz="1800" spc="-1" strike="noStrike">
+            <a:endParaRPr lang="fr-FR" sz="1800" b="0" strike="noStrike" spc="-1">
               <a:latin typeface="Arial"/>
             </a:endParaRPr>
           </a:p>
@@ -9106,7 +9937,7 @@
                 <a:spcPct val="100000"/>
               </a:lnSpc>
             </a:pPr>
-            <a:endParaRPr b="0" lang="fr-FR" sz="1800" spc="-1" strike="noStrike">
+            <a:endParaRPr lang="fr-FR" sz="1800" b="0" strike="noStrike" spc="-1">
               <a:latin typeface="Arial"/>
             </a:endParaRPr>
           </a:p>
@@ -9117,15 +9948,15 @@
               </a:lnSpc>
             </a:pPr>
             <a:r>
-              <a:rPr b="0" lang="fr-FR" sz="1800" spc="-1" strike="noStrike">
+              <a:rPr lang="fr-FR" sz="1800" b="0" strike="noStrike" spc="-1">
                 <a:solidFill>
-                  <a:srgbClr val="ffffff"/>
+                  <a:srgbClr val="FFFFFF"/>
                 </a:solidFill>
                 <a:latin typeface="Tw Cen MT"/>
               </a:rPr>
               <a:t>Suppression des données de 2016 par manque de données sur certains mois</a:t>
             </a:r>
-            <a:endParaRPr b="0" lang="fr-FR" sz="1800" spc="-1" strike="noStrike">
+            <a:endParaRPr lang="fr-FR" sz="1800" b="0" strike="noStrike" spc="-1">
               <a:latin typeface="Arial"/>
             </a:endParaRPr>
           </a:p>
@@ -9135,7 +9966,7 @@
                 <a:spcPct val="100000"/>
               </a:lnSpc>
             </a:pPr>
-            <a:endParaRPr b="0" lang="fr-FR" sz="1800" spc="-1" strike="noStrike">
+            <a:endParaRPr lang="fr-FR" sz="1800" b="0" strike="noStrike" spc="-1">
               <a:latin typeface="Arial"/>
             </a:endParaRPr>
           </a:p>
@@ -9146,15 +9977,15 @@
               </a:lnSpc>
             </a:pPr>
             <a:r>
-              <a:rPr b="0" lang="fr-FR" sz="1800" spc="-1" strike="noStrike">
+              <a:rPr lang="fr-FR" sz="1800" b="0" strike="noStrike" spc="-1">
                 <a:solidFill>
-                  <a:srgbClr val="ffffff"/>
+                  <a:srgbClr val="FFFFFF"/>
                 </a:solidFill>
                 <a:latin typeface="Tw Cen MT"/>
               </a:rPr>
               <a:t>Limitation aux commandes avec le statut « delivered »</a:t>
             </a:r>
-            <a:endParaRPr b="0" lang="fr-FR" sz="1800" spc="-1" strike="noStrike">
+            <a:endParaRPr lang="fr-FR" sz="1800" b="0" strike="noStrike" spc="-1">
               <a:latin typeface="Arial"/>
             </a:endParaRPr>
           </a:p>
@@ -9164,7 +9995,7 @@
                 <a:spcPct val="100000"/>
               </a:lnSpc>
             </a:pPr>
-            <a:endParaRPr b="0" lang="fr-FR" sz="1800" spc="-1" strike="noStrike">
+            <a:endParaRPr lang="fr-FR" sz="1800" b="0" strike="noStrike" spc="-1">
               <a:latin typeface="Arial"/>
             </a:endParaRPr>
           </a:p>
@@ -9175,15 +10006,15 @@
               </a:lnSpc>
             </a:pPr>
             <a:r>
-              <a:rPr b="0" lang="fr-FR" sz="1800" spc="-1" strike="noStrike">
+              <a:rPr lang="fr-FR" sz="1800" b="0" strike="noStrike" spc="-1">
                 <a:solidFill>
-                  <a:srgbClr val="ffffff"/>
+                  <a:srgbClr val="FFFFFF"/>
                 </a:solidFill>
                 <a:latin typeface="Tw Cen MT"/>
               </a:rPr>
               <a:t>Suppression de 2 outliers par rapport au niveau des dépenses et de la fréquence d’achat </a:t>
             </a:r>
-            <a:endParaRPr b="0" lang="fr-FR" sz="1800" spc="-1" strike="noStrike">
+            <a:endParaRPr lang="fr-FR" sz="1800" b="0" strike="noStrike" spc="-1">
               <a:latin typeface="Arial"/>
             </a:endParaRPr>
           </a:p>
@@ -9193,7 +10024,7 @@
                 <a:spcPct val="100000"/>
               </a:lnSpc>
             </a:pPr>
-            <a:endParaRPr b="0" lang="fr-FR" sz="1800" spc="-1" strike="noStrike">
+            <a:endParaRPr lang="fr-FR" sz="1800" b="0" strike="noStrike" spc="-1">
               <a:latin typeface="Arial"/>
             </a:endParaRPr>
           </a:p>
@@ -9204,15 +10035,15 @@
               </a:lnSpc>
             </a:pPr>
             <a:r>
-              <a:rPr b="0" lang="fr-FR" sz="1800" spc="-1" strike="noStrike">
+              <a:rPr lang="fr-FR" sz="1800" b="0" strike="noStrike" spc="-1">
                 <a:solidFill>
-                  <a:srgbClr val="ffffff"/>
+                  <a:srgbClr val="FFFFFF"/>
                 </a:solidFill>
                 <a:latin typeface="Tw Cen MT"/>
               </a:rPr>
               <a:t> </a:t>
             </a:r>
-            <a:endParaRPr b="0" lang="fr-FR" sz="1800" spc="-1" strike="noStrike">
+            <a:endParaRPr lang="fr-FR" sz="1800" b="0" strike="noStrike" spc="-1">
               <a:latin typeface="Arial"/>
             </a:endParaRPr>
           </a:p>
@@ -9241,6 +10072,7 @@
           <a:bodyPr anchor="ctr">
             <a:noAutofit/>
           </a:bodyPr>
+          <a:lstStyle/>
           <a:p>
             <a:pPr algn="r">
               <a:lnSpc>
@@ -9248,15 +10080,15 @@
               </a:lnSpc>
             </a:pPr>
             <a:fld id="{7F513E13-81E6-496A-AAC5-D9B7AD905E68}" type="slidenum">
-              <a:rPr b="0" lang="fr-FR" sz="870" spc="-1" strike="noStrike">
+              <a:rPr lang="fr-FR" sz="870" b="0" strike="noStrike" spc="-1">
                 <a:solidFill>
-                  <a:srgbClr val="ffffff"/>
+                  <a:srgbClr val="FFFFFF"/>
                 </a:solidFill>
                 <a:latin typeface="Tw Cen MT"/>
               </a:rPr>
-              <a:t>1</a:t>
+              <a:t>5</a:t>
             </a:fld>
-            <a:endParaRPr b="0" lang="fr-FR" sz="870" spc="-1" strike="noStrike">
+            <a:endParaRPr lang="fr-FR" sz="870" b="0" strike="noStrike" spc="-1">
               <a:latin typeface="Times New Roman"/>
             </a:endParaRPr>
           </a:p>
@@ -9264,19 +10096,14 @@
       </p:sp>
     </p:spTree>
   </p:cSld>
-  <mc:AlternateContent>
-    <mc:Choice Requires="p14">
-      <p:transition spd="slow" p14:dur="2000"/>
-    </mc:Choice>
-    <mc:Fallback>
-      <p:transition spd="slow"/>
-    </mc:Fallback>
-  </mc:AlternateContent>
+  <p:clrMapOvr>
+    <a:masterClrMapping/>
+  </p:clrMapOvr>
 </p:sld>
 </file>
 
 <file path=ppt/slides/slide6.xml><?xml version="1.0" encoding="utf-8"?>
-<p:sld xmlns:a="http://schemas.openxmlformats.org/drawingml/2006/main" xmlns:p="http://schemas.openxmlformats.org/presentationml/2006/main" xmlns:r="http://schemas.openxmlformats.org/officeDocument/2006/relationships" xmlns:p14="http://schemas.microsoft.com/office/powerpoint/2010/main" xmlns:p15="http://schemas.microsoft.com/office/powerpoint/2012/main" xmlns:mc="http://schemas.openxmlformats.org/markup-compatibility/2006">
+<p:sld xmlns:a="http://schemas.openxmlformats.org/drawingml/2006/main" xmlns:r="http://schemas.openxmlformats.org/officeDocument/2006/relationships" xmlns:p="http://schemas.openxmlformats.org/presentationml/2006/main">
   <p:cSld>
     <p:spTree>
       <p:nvGrpSpPr>
@@ -9315,6 +10142,7 @@
           <a:bodyPr anchor="ctr">
             <a:noAutofit/>
           </a:bodyPr>
+          <a:lstStyle/>
           <a:p>
             <a:pPr algn="ctr">
               <a:lnSpc>
@@ -9322,17 +10150,17 @@
               </a:lnSpc>
             </a:pPr>
             <a:r>
-              <a:rPr b="0" lang="fr-FR" sz="2980" spc="-1" strike="noStrike" cap="all">
+              <a:rPr lang="fr-FR" sz="2980" b="0" strike="noStrike" cap="all" spc="-1">
                 <a:solidFill>
-                  <a:srgbClr val="ffffff"/>
+                  <a:srgbClr val="FFFFFF"/>
                 </a:solidFill>
                 <a:latin typeface="Tw Cen MT"/>
               </a:rPr>
               <a:t>Process clustering</a:t>
             </a:r>
-            <a:endParaRPr b="0" lang="en-US" sz="2980" spc="-1" strike="noStrike">
+            <a:endParaRPr lang="en-US" sz="2980" b="0" strike="noStrike" spc="-1">
               <a:solidFill>
-                <a:srgbClr val="ffffff"/>
+                <a:srgbClr val="FFFFFF"/>
               </a:solidFill>
               <a:latin typeface="Tw Cen MT"/>
             </a:endParaRPr>
@@ -9359,15 +10187,22 @@
           </a:ln>
         </p:spPr>
         <p:style>
-          <a:lnRef idx="0"/>
-          <a:fillRef idx="0"/>
-          <a:effectRef idx="0"/>
+          <a:lnRef idx="0">
+            <a:scrgbClr r="0" g="0" b="0"/>
+          </a:lnRef>
+          <a:fillRef idx="0">
+            <a:scrgbClr r="0" g="0" b="0"/>
+          </a:fillRef>
+          <a:effectRef idx="0">
+            <a:scrgbClr r="0" g="0" b="0"/>
+          </a:effectRef>
           <a:fontRef idx="minor"/>
         </p:style>
         <p:txBody>
-          <a:bodyPr lIns="90000" rIns="90000" tIns="45000" bIns="45000">
+          <a:bodyPr lIns="90000" tIns="45000" rIns="90000" bIns="45000">
             <a:spAutoFit/>
           </a:bodyPr>
+          <a:lstStyle/>
           <a:p>
             <a:pPr>
               <a:lnSpc>
@@ -9375,15 +10210,15 @@
               </a:lnSpc>
             </a:pPr>
             <a:r>
-              <a:rPr b="0" lang="fr-FR" sz="1800" spc="-1" strike="noStrike">
+              <a:rPr lang="fr-FR" sz="1800" b="0" strike="noStrike" spc="-1">
                 <a:solidFill>
-                  <a:srgbClr val="ffffff"/>
+                  <a:srgbClr val="FFFFFF"/>
                 </a:solidFill>
                 <a:latin typeface="Tw Cen MT"/>
               </a:rPr>
               <a:t>Pour segmenter les clients nous allons utiliser une méthode de clustering :</a:t>
             </a:r>
-            <a:endParaRPr b="0" lang="fr-FR" sz="1800" spc="-1" strike="noStrike">
+            <a:endParaRPr lang="fr-FR" sz="1800" b="0" strike="noStrike" spc="-1">
               <a:latin typeface="Arial"/>
             </a:endParaRPr>
           </a:p>
@@ -9424,9 +10259,10 @@
           <a:fontRef idx="minor"/>
         </p:style>
         <p:txBody>
-          <a:bodyPr lIns="90000" rIns="90000" tIns="45000" bIns="45000" anchor="ctr">
+          <a:bodyPr lIns="90000" tIns="45000" rIns="90000" bIns="45000" anchor="ctr">
             <a:noAutofit/>
           </a:bodyPr>
+          <a:lstStyle/>
           <a:p>
             <a:pPr algn="ctr">
               <a:lnSpc>
@@ -9434,15 +10270,15 @@
               </a:lnSpc>
             </a:pPr>
             <a:r>
-              <a:rPr b="0" lang="fr-FR" sz="1800" spc="-1" strike="noStrike">
+              <a:rPr lang="fr-FR" sz="1800" b="0" strike="noStrike" spc="-1">
                 <a:solidFill>
-                  <a:srgbClr val="ffffff"/>
+                  <a:srgbClr val="FFFFFF"/>
                 </a:solidFill>
                 <a:latin typeface="Tw Cen MT"/>
               </a:rPr>
               <a:t>Data </a:t>
             </a:r>
-            <a:endParaRPr b="0" lang="fr-FR" sz="1800" spc="-1" strike="noStrike">
+            <a:endParaRPr lang="fr-FR" sz="1800" b="0" strike="noStrike" spc="-1">
               <a:latin typeface="Arial"/>
             </a:endParaRPr>
           </a:p>
@@ -9481,9 +10317,10 @@
           <a:fontRef idx="minor"/>
         </p:style>
         <p:txBody>
-          <a:bodyPr lIns="90000" rIns="90000" tIns="45000" bIns="45000" anchor="ctr">
+          <a:bodyPr lIns="90000" tIns="45000" rIns="90000" bIns="45000" anchor="ctr">
             <a:noAutofit/>
           </a:bodyPr>
+          <a:lstStyle/>
           <a:p>
             <a:pPr algn="ctr">
               <a:lnSpc>
@@ -9491,15 +10328,15 @@
               </a:lnSpc>
             </a:pPr>
             <a:r>
-              <a:rPr b="0" lang="fr-FR" sz="1800" spc="-1" strike="noStrike">
+              <a:rPr lang="fr-FR" sz="1800" b="0" strike="noStrike" spc="-1">
                 <a:solidFill>
-                  <a:srgbClr val="ffffff"/>
+                  <a:srgbClr val="FFFFFF"/>
                 </a:solidFill>
                 <a:latin typeface="Tw Cen MT"/>
               </a:rPr>
               <a:t>Standardisation et/ou transformation données catégorielles</a:t>
             </a:r>
-            <a:endParaRPr b="0" lang="fr-FR" sz="1800" spc="-1" strike="noStrike">
+            <a:endParaRPr lang="fr-FR" sz="1800" b="0" strike="noStrike" spc="-1">
               <a:latin typeface="Arial"/>
             </a:endParaRPr>
           </a:p>
@@ -9538,9 +10375,10 @@
           <a:fontRef idx="minor"/>
         </p:style>
         <p:txBody>
-          <a:bodyPr lIns="90000" rIns="90000" tIns="45000" bIns="45000" anchor="ctr">
+          <a:bodyPr lIns="90000" tIns="45000" rIns="90000" bIns="45000" anchor="ctr">
             <a:noAutofit/>
           </a:bodyPr>
+          <a:lstStyle/>
           <a:p>
             <a:pPr algn="ctr">
               <a:lnSpc>
@@ -9548,15 +10386,15 @@
               </a:lnSpc>
             </a:pPr>
             <a:r>
-              <a:rPr b="0" lang="fr-FR" sz="1800" spc="-1" strike="noStrike">
+              <a:rPr lang="fr-FR" sz="1800" b="0" strike="noStrike" spc="-1">
                 <a:solidFill>
-                  <a:srgbClr val="ffffff"/>
+                  <a:srgbClr val="FFFFFF"/>
                 </a:solidFill>
                 <a:latin typeface="Tw Cen MT"/>
               </a:rPr>
               <a:t>Méthode du coude et/ou score silhouette</a:t>
             </a:r>
-            <a:endParaRPr b="0" lang="fr-FR" sz="1800" spc="-1" strike="noStrike">
+            <a:endParaRPr lang="fr-FR" sz="1800" b="0" strike="noStrike" spc="-1">
               <a:latin typeface="Arial"/>
             </a:endParaRPr>
           </a:p>
@@ -9577,6 +10415,7 @@
             <a:avLst/>
             <a:gdLst/>
             <a:ahLst/>
+            <a:cxnLst/>
             <a:rect l="l" t="t" r="r" b="b"/>
             <a:pathLst>
               <a:path w="21600" h="21600">
@@ -9592,7 +10431,7 @@
           <a:noFill/>
           <a:ln w="76320">
             <a:round/>
-            <a:tailEnd len="med" type="triangle" w="med"/>
+            <a:tailEnd type="triangle" w="med" len="med"/>
           </a:ln>
         </p:spPr>
         <p:style>
@@ -9623,6 +10462,7 @@
             <a:avLst/>
             <a:gdLst/>
             <a:ahLst/>
+            <a:cxnLst/>
             <a:rect l="l" t="t" r="r" b="b"/>
             <a:pathLst>
               <a:path w="21600" h="21600">
@@ -9638,7 +10478,7 @@
           <a:noFill/>
           <a:ln w="76320">
             <a:round/>
-            <a:tailEnd len="med" type="triangle" w="med"/>
+            <a:tailEnd type="triangle" w="med" len="med"/>
           </a:ln>
         </p:spPr>
         <p:style>
@@ -9687,9 +10527,10 @@
           <a:fontRef idx="minor"/>
         </p:style>
         <p:txBody>
-          <a:bodyPr lIns="90000" rIns="90000" tIns="45000" bIns="45000" anchor="ctr">
+          <a:bodyPr lIns="90000" tIns="45000" rIns="90000" bIns="45000" anchor="ctr">
             <a:noAutofit/>
           </a:bodyPr>
+          <a:lstStyle/>
           <a:p>
             <a:pPr algn="ctr">
               <a:lnSpc>
@@ -9697,15 +10538,15 @@
               </a:lnSpc>
             </a:pPr>
             <a:r>
-              <a:rPr b="0" lang="fr-FR" sz="1800" spc="-1" strike="noStrike">
+              <a:rPr lang="fr-FR" sz="1800" b="0" strike="noStrike" spc="-1">
                 <a:solidFill>
-                  <a:srgbClr val="ffffff"/>
+                  <a:srgbClr val="FFFFFF"/>
                 </a:solidFill>
                 <a:latin typeface="Tw Cen MT"/>
               </a:rPr>
               <a:t>Détermination nombre de cluster</a:t>
             </a:r>
-            <a:endParaRPr b="0" lang="fr-FR" sz="1800" spc="-1" strike="noStrike">
+            <a:endParaRPr lang="fr-FR" sz="1800" b="0" strike="noStrike" spc="-1">
               <a:latin typeface="Arial"/>
             </a:endParaRPr>
           </a:p>
@@ -9730,7 +10571,7 @@
           <a:noFill/>
           <a:ln w="76320">
             <a:round/>
-            <a:tailEnd len="med" type="triangle" w="med"/>
+            <a:tailEnd type="triangle" w="med" len="med"/>
           </a:ln>
         </p:spPr>
         <p:style>
@@ -9779,9 +10620,10 @@
           <a:fontRef idx="minor"/>
         </p:style>
         <p:txBody>
-          <a:bodyPr lIns="90000" rIns="90000" tIns="45000" bIns="45000" anchor="ctr">
+          <a:bodyPr lIns="90000" tIns="45000" rIns="90000" bIns="45000" anchor="ctr">
             <a:noAutofit/>
           </a:bodyPr>
+          <a:lstStyle/>
           <a:p>
             <a:pPr algn="ctr">
               <a:lnSpc>
@@ -9789,15 +10631,15 @@
               </a:lnSpc>
             </a:pPr>
             <a:r>
-              <a:rPr b="0" lang="fr-FR" sz="1800" spc="-1" strike="noStrike">
+              <a:rPr lang="fr-FR" sz="1800" b="0" strike="noStrike" spc="-1">
                 <a:solidFill>
-                  <a:srgbClr val="ffffff"/>
+                  <a:srgbClr val="FFFFFF"/>
                 </a:solidFill>
                 <a:latin typeface="Tw Cen MT"/>
               </a:rPr>
               <a:t>Clustering</a:t>
             </a:r>
-            <a:endParaRPr b="0" lang="fr-FR" sz="1800" spc="-1" strike="noStrike">
+            <a:endParaRPr lang="fr-FR" sz="1800" b="0" strike="noStrike" spc="-1">
               <a:latin typeface="Arial"/>
             </a:endParaRPr>
           </a:p>
@@ -9818,6 +10660,7 @@
             <a:avLst/>
             <a:gdLst/>
             <a:ahLst/>
+            <a:cxnLst/>
             <a:rect l="l" t="t" r="r" b="b"/>
             <a:pathLst>
               <a:path w="21600" h="21600">
@@ -9833,7 +10676,7 @@
           <a:noFill/>
           <a:ln w="76320">
             <a:round/>
-            <a:tailEnd len="med" type="triangle" w="med"/>
+            <a:tailEnd type="triangle" w="med" len="med"/>
           </a:ln>
         </p:spPr>
         <p:style>
@@ -9882,9 +10725,10 @@
           <a:fontRef idx="minor"/>
         </p:style>
         <p:txBody>
-          <a:bodyPr lIns="90000" rIns="90000" tIns="45000" bIns="45000" anchor="ctr">
+          <a:bodyPr lIns="90000" tIns="45000" rIns="90000" bIns="45000" anchor="ctr">
             <a:noAutofit/>
           </a:bodyPr>
+          <a:lstStyle/>
           <a:p>
             <a:pPr algn="ctr">
               <a:lnSpc>
@@ -9892,15 +10736,15 @@
               </a:lnSpc>
             </a:pPr>
             <a:r>
-              <a:rPr b="0" lang="fr-FR" sz="1800" spc="-1" strike="noStrike">
+              <a:rPr lang="fr-FR" sz="1800" b="0" strike="noStrike" spc="-1">
                 <a:solidFill>
-                  <a:srgbClr val="ffffff"/>
+                  <a:srgbClr val="FFFFFF"/>
                 </a:solidFill>
                 <a:latin typeface="Tw Cen MT"/>
               </a:rPr>
               <a:t>Evaluation du modèle</a:t>
             </a:r>
-            <a:endParaRPr b="0" lang="fr-FR" sz="1800" spc="-1" strike="noStrike">
+            <a:endParaRPr lang="fr-FR" sz="1800" b="0" strike="noStrike" spc="-1">
               <a:latin typeface="Arial"/>
             </a:endParaRPr>
           </a:p>
@@ -9921,6 +10765,7 @@
             <a:avLst/>
             <a:gdLst/>
             <a:ahLst/>
+            <a:cxnLst/>
             <a:rect l="l" t="t" r="r" b="b"/>
             <a:pathLst>
               <a:path w="21600" h="21600">
@@ -9936,7 +10781,7 @@
           <a:noFill/>
           <a:ln w="76320">
             <a:round/>
-            <a:tailEnd len="med" type="triangle" w="med"/>
+            <a:tailEnd type="triangle" w="med" len="med"/>
           </a:ln>
         </p:spPr>
         <p:style>
@@ -9975,6 +10820,7 @@
           <a:bodyPr anchor="ctr">
             <a:noAutofit/>
           </a:bodyPr>
+          <a:lstStyle/>
           <a:p>
             <a:pPr algn="r">
               <a:lnSpc>
@@ -9982,15 +10828,15 @@
               </a:lnSpc>
             </a:pPr>
             <a:fld id="{767D4C41-0586-4AE0-A0BC-FFFDDC3E3CC1}" type="slidenum">
-              <a:rPr b="0" lang="fr-FR" sz="870" spc="-1" strike="noStrike">
+              <a:rPr lang="fr-FR" sz="870" b="0" strike="noStrike" spc="-1">
                 <a:solidFill>
-                  <a:srgbClr val="ffffff"/>
+                  <a:srgbClr val="FFFFFF"/>
                 </a:solidFill>
                 <a:latin typeface="Tw Cen MT"/>
               </a:rPr>
-              <a:t>1</a:t>
+              <a:t>6</a:t>
             </a:fld>
-            <a:endParaRPr b="0" lang="fr-FR" sz="870" spc="-1" strike="noStrike">
+            <a:endParaRPr lang="fr-FR" sz="870" b="0" strike="noStrike" spc="-1">
               <a:latin typeface="Times New Roman"/>
             </a:endParaRPr>
           </a:p>
@@ -9998,19 +10844,14 @@
       </p:sp>
     </p:spTree>
   </p:cSld>
-  <mc:AlternateContent>
-    <mc:Choice Requires="p14">
-      <p:transition spd="slow" p14:dur="2000"/>
-    </mc:Choice>
-    <mc:Fallback>
-      <p:transition spd="slow"/>
-    </mc:Fallback>
-  </mc:AlternateContent>
+  <p:clrMapOvr>
+    <a:masterClrMapping/>
+  </p:clrMapOvr>
 </p:sld>
 </file>
 
 <file path=ppt/slides/slide7.xml><?xml version="1.0" encoding="utf-8"?>
-<p:sld xmlns:a="http://schemas.openxmlformats.org/drawingml/2006/main" xmlns:p="http://schemas.openxmlformats.org/presentationml/2006/main" xmlns:r="http://schemas.openxmlformats.org/officeDocument/2006/relationships" xmlns:p14="http://schemas.microsoft.com/office/powerpoint/2010/main" xmlns:p15="http://schemas.microsoft.com/office/powerpoint/2012/main" xmlns:mc="http://schemas.openxmlformats.org/markup-compatibility/2006">
+<p:sld xmlns:a="http://schemas.openxmlformats.org/drawingml/2006/main" xmlns:r="http://schemas.openxmlformats.org/officeDocument/2006/relationships" xmlns:p="http://schemas.openxmlformats.org/presentationml/2006/main">
   <p:cSld>
     <p:spTree>
       <p:nvGrpSpPr>
@@ -10049,6 +10890,7 @@
           <a:bodyPr anchor="ctr">
             <a:noAutofit/>
           </a:bodyPr>
+          <a:lstStyle/>
           <a:p>
             <a:pPr algn="ctr">
               <a:lnSpc>
@@ -10056,17 +10898,17 @@
               </a:lnSpc>
             </a:pPr>
             <a:r>
-              <a:rPr b="0" lang="fr-FR" sz="2980" spc="-1" strike="noStrike" cap="all">
+              <a:rPr lang="fr-FR" sz="2980" b="0" strike="noStrike" cap="all" spc="-1">
                 <a:solidFill>
-                  <a:srgbClr val="ffffff"/>
+                  <a:srgbClr val="FFFFFF"/>
                 </a:solidFill>
                 <a:latin typeface="Tw Cen MT"/>
               </a:rPr>
               <a:t>Methode RFM</a:t>
             </a:r>
-            <a:endParaRPr b="0" lang="en-US" sz="2980" spc="-1" strike="noStrike">
+            <a:endParaRPr lang="en-US" sz="2980" b="0" strike="noStrike" spc="-1">
               <a:solidFill>
-                <a:srgbClr val="ffffff"/>
+                <a:srgbClr val="FFFFFF"/>
               </a:solidFill>
               <a:latin typeface="Tw Cen MT"/>
             </a:endParaRPr>
@@ -10093,15 +10935,22 @@
           </a:ln>
         </p:spPr>
         <p:style>
-          <a:lnRef idx="0"/>
-          <a:fillRef idx="0"/>
-          <a:effectRef idx="0"/>
+          <a:lnRef idx="0">
+            <a:scrgbClr r="0" g="0" b="0"/>
+          </a:lnRef>
+          <a:fillRef idx="0">
+            <a:scrgbClr r="0" g="0" b="0"/>
+          </a:fillRef>
+          <a:effectRef idx="0">
+            <a:scrgbClr r="0" g="0" b="0"/>
+          </a:effectRef>
           <a:fontRef idx="minor"/>
         </p:style>
         <p:txBody>
-          <a:bodyPr lIns="90000" rIns="90000" tIns="45000" bIns="45000">
+          <a:bodyPr lIns="90000" tIns="45000" rIns="90000" bIns="45000">
             <a:spAutoFit/>
           </a:bodyPr>
+          <a:lstStyle/>
           <a:p>
             <a:pPr>
               <a:lnSpc>
@@ -10109,15 +10958,15 @@
               </a:lnSpc>
             </a:pPr>
             <a:r>
-              <a:rPr b="0" lang="fr-FR" sz="1800" spc="-1" strike="noStrike">
+              <a:rPr lang="fr-FR" sz="1800" b="0" strike="noStrike" spc="-1">
                 <a:solidFill>
-                  <a:srgbClr val="ffffff"/>
+                  <a:srgbClr val="FFFFFF"/>
                 </a:solidFill>
                 <a:latin typeface="Tw Cen MT"/>
               </a:rPr>
               <a:t>Méthode de segmentation la plus connue : Recent Frequency Mount</a:t>
             </a:r>
-            <a:endParaRPr b="0" lang="fr-FR" sz="1800" spc="-1" strike="noStrike">
+            <a:endParaRPr lang="fr-FR" sz="1800" b="0" strike="noStrike" spc="-1">
               <a:latin typeface="Arial"/>
             </a:endParaRPr>
           </a:p>
@@ -10127,7 +10976,7 @@
                 <a:spcPct val="100000"/>
               </a:lnSpc>
             </a:pPr>
-            <a:endParaRPr b="0" lang="fr-FR" sz="1800" spc="-1" strike="noStrike">
+            <a:endParaRPr lang="fr-FR" sz="1800" b="0" strike="noStrike" spc="-1">
               <a:latin typeface="Arial"/>
             </a:endParaRPr>
           </a:p>
@@ -10138,9 +10987,9 @@
               </a:lnSpc>
             </a:pPr>
             <a:r>
-              <a:rPr b="0" lang="fr-FR" sz="1800" spc="-1" strike="noStrike" u="sng">
+              <a:rPr lang="fr-FR" sz="1800" b="0" u="sng" strike="noStrike" spc="-1">
                 <a:solidFill>
-                  <a:srgbClr val="ffffff"/>
+                  <a:srgbClr val="FFFFFF"/>
                 </a:solidFill>
                 <a:uFillTx/>
                 <a:latin typeface="Tw Cen MT"/>
@@ -10148,15 +10997,15 @@
               <a:t>Recent :</a:t>
             </a:r>
             <a:r>
-              <a:rPr b="0" lang="fr-FR" sz="1800" spc="-1" strike="noStrike">
+              <a:rPr lang="fr-FR" sz="1800" b="0" strike="noStrike" spc="-1">
                 <a:solidFill>
-                  <a:srgbClr val="ffffff"/>
+                  <a:srgbClr val="FFFFFF"/>
                 </a:solidFill>
                 <a:latin typeface="Tw Cen MT"/>
               </a:rPr>
               <a:t> Nombre de jour entre le dernier achat du client et la dernière date du dataframe</a:t>
             </a:r>
-            <a:endParaRPr b="0" lang="fr-FR" sz="1800" spc="-1" strike="noStrike">
+            <a:endParaRPr lang="fr-FR" sz="1800" b="0" strike="noStrike" spc="-1">
               <a:latin typeface="Arial"/>
             </a:endParaRPr>
           </a:p>
@@ -10166,7 +11015,7 @@
                 <a:spcPct val="100000"/>
               </a:lnSpc>
             </a:pPr>
-            <a:endParaRPr b="0" lang="fr-FR" sz="1800" spc="-1" strike="noStrike">
+            <a:endParaRPr lang="fr-FR" sz="1800" b="0" strike="noStrike" spc="-1">
               <a:latin typeface="Arial"/>
             </a:endParaRPr>
           </a:p>
@@ -10177,9 +11026,9 @@
               </a:lnSpc>
             </a:pPr>
             <a:r>
-              <a:rPr b="0" lang="fr-FR" sz="1800" spc="-1" strike="noStrike" u="sng">
+              <a:rPr lang="fr-FR" sz="1800" b="0" u="sng" strike="noStrike" spc="-1">
                 <a:solidFill>
-                  <a:srgbClr val="ffffff"/>
+                  <a:srgbClr val="FFFFFF"/>
                 </a:solidFill>
                 <a:uFillTx/>
                 <a:latin typeface="Tw Cen MT"/>
@@ -10187,15 +11036,15 @@
               <a:t>Frequency :</a:t>
             </a:r>
             <a:r>
-              <a:rPr b="0" lang="fr-FR" sz="1800" spc="-1" strike="noStrike">
+              <a:rPr lang="fr-FR" sz="1800" b="0" strike="noStrike" spc="-1">
                 <a:solidFill>
-                  <a:srgbClr val="ffffff"/>
+                  <a:srgbClr val="FFFFFF"/>
                 </a:solidFill>
                 <a:latin typeface="Tw Cen MT"/>
               </a:rPr>
               <a:t> le nombre de commande passée durant la période</a:t>
             </a:r>
-            <a:endParaRPr b="0" lang="fr-FR" sz="1800" spc="-1" strike="noStrike">
+            <a:endParaRPr lang="fr-FR" sz="1800" b="0" strike="noStrike" spc="-1">
               <a:latin typeface="Arial"/>
             </a:endParaRPr>
           </a:p>
@@ -10205,7 +11054,7 @@
                 <a:spcPct val="100000"/>
               </a:lnSpc>
             </a:pPr>
-            <a:endParaRPr b="0" lang="fr-FR" sz="1800" spc="-1" strike="noStrike">
+            <a:endParaRPr lang="fr-FR" sz="1800" b="0" strike="noStrike" spc="-1">
               <a:latin typeface="Arial"/>
             </a:endParaRPr>
           </a:p>
@@ -10216,9 +11065,9 @@
               </a:lnSpc>
             </a:pPr>
             <a:r>
-              <a:rPr b="0" lang="fr-FR" sz="1800" spc="-1" strike="noStrike" u="sng">
+              <a:rPr lang="fr-FR" sz="1800" b="0" u="sng" strike="noStrike" spc="-1">
                 <a:solidFill>
-                  <a:srgbClr val="ffffff"/>
+                  <a:srgbClr val="FFFFFF"/>
                 </a:solidFill>
                 <a:uFillTx/>
                 <a:latin typeface="Tw Cen MT"/>
@@ -10226,15 +11075,15 @@
               <a:t>Mount :</a:t>
             </a:r>
             <a:r>
-              <a:rPr b="0" lang="fr-FR" sz="1800" spc="-1" strike="noStrike">
+              <a:rPr lang="fr-FR" sz="1800" b="0" strike="noStrike" spc="-1">
                 <a:solidFill>
-                  <a:srgbClr val="ffffff"/>
+                  <a:srgbClr val="FFFFFF"/>
                 </a:solidFill>
                 <a:latin typeface="Tw Cen MT"/>
               </a:rPr>
               <a:t> Montant total d’achat</a:t>
             </a:r>
-            <a:endParaRPr b="0" lang="fr-FR" sz="1800" spc="-1" strike="noStrike">
+            <a:endParaRPr lang="fr-FR" sz="1800" b="0" strike="noStrike" spc="-1">
               <a:latin typeface="Arial"/>
             </a:endParaRPr>
           </a:p>
@@ -10263,6 +11112,7 @@
           <a:bodyPr anchor="ctr">
             <a:noAutofit/>
           </a:bodyPr>
+          <a:lstStyle/>
           <a:p>
             <a:pPr algn="r">
               <a:lnSpc>
@@ -10270,15 +11120,15 @@
               </a:lnSpc>
             </a:pPr>
             <a:fld id="{E3C7DCF9-EA7B-409C-B024-B0B31277FBC3}" type="slidenum">
-              <a:rPr b="0" lang="fr-FR" sz="870" spc="-1" strike="noStrike">
+              <a:rPr lang="fr-FR" sz="870" b="0" strike="noStrike" spc="-1">
                 <a:solidFill>
-                  <a:srgbClr val="ffffff"/>
+                  <a:srgbClr val="FFFFFF"/>
                 </a:solidFill>
                 <a:latin typeface="Tw Cen MT"/>
               </a:rPr>
-              <a:t>1</a:t>
+              <a:t>7</a:t>
             </a:fld>
-            <a:endParaRPr b="0" lang="fr-FR" sz="870" spc="-1" strike="noStrike">
+            <a:endParaRPr lang="fr-FR" sz="870" b="0" strike="noStrike" spc="-1">
               <a:latin typeface="Times New Roman"/>
             </a:endParaRPr>
           </a:p>
@@ -10286,19 +11136,14 @@
       </p:sp>
     </p:spTree>
   </p:cSld>
-  <mc:AlternateContent>
-    <mc:Choice Requires="p14">
-      <p:transition spd="slow" p14:dur="2000"/>
-    </mc:Choice>
-    <mc:Fallback>
-      <p:transition spd="slow"/>
-    </mc:Fallback>
-  </mc:AlternateContent>
+  <p:clrMapOvr>
+    <a:masterClrMapping/>
+  </p:clrMapOvr>
 </p:sld>
 </file>
 
 <file path=ppt/slides/slide8.xml><?xml version="1.0" encoding="utf-8"?>
-<p:sld xmlns:a="http://schemas.openxmlformats.org/drawingml/2006/main" xmlns:p="http://schemas.openxmlformats.org/presentationml/2006/main" xmlns:r="http://schemas.openxmlformats.org/officeDocument/2006/relationships" xmlns:p14="http://schemas.microsoft.com/office/powerpoint/2010/main" xmlns:p15="http://schemas.microsoft.com/office/powerpoint/2012/main" xmlns:mc="http://schemas.openxmlformats.org/markup-compatibility/2006">
+<p:sld xmlns:a="http://schemas.openxmlformats.org/drawingml/2006/main" xmlns:r="http://schemas.openxmlformats.org/officeDocument/2006/relationships" xmlns:p="http://schemas.openxmlformats.org/presentationml/2006/main">
   <p:cSld>
     <p:spTree>
       <p:nvGrpSpPr>
@@ -10337,6 +11182,7 @@
           <a:bodyPr anchor="ctr">
             <a:noAutofit/>
           </a:bodyPr>
+          <a:lstStyle/>
           <a:p>
             <a:pPr algn="ctr">
               <a:lnSpc>
@@ -10344,17 +11190,17 @@
               </a:lnSpc>
             </a:pPr>
             <a:r>
-              <a:rPr b="0" lang="fr-FR" sz="2980" spc="-1" strike="noStrike" cap="all">
+              <a:rPr lang="fr-FR" sz="2980" b="0" strike="noStrike" cap="all" spc="-1">
                 <a:solidFill>
-                  <a:srgbClr val="ffffff"/>
+                  <a:srgbClr val="FFFFFF"/>
                 </a:solidFill>
                 <a:latin typeface="Tw Cen MT"/>
               </a:rPr>
               <a:t>TSNE</a:t>
             </a:r>
-            <a:endParaRPr b="0" lang="en-US" sz="2980" spc="-1" strike="noStrike">
+            <a:endParaRPr lang="en-US" sz="2980" b="0" strike="noStrike" spc="-1">
               <a:solidFill>
-                <a:srgbClr val="ffffff"/>
+                <a:srgbClr val="FFFFFF"/>
               </a:solidFill>
               <a:latin typeface="Tw Cen MT"/>
             </a:endParaRPr>
@@ -10363,12 +11209,12 @@
       </p:sp>
       <p:pic>
         <p:nvPicPr>
-          <p:cNvPr id="121" name="Image 6" descr=""/>
+          <p:cNvPr id="121" name="Image 6"/>
           <p:cNvPicPr/>
           <p:nvPr/>
         </p:nvPicPr>
         <p:blipFill>
-          <a:blip r:embed="rId1"/>
+          <a:blip r:embed="rId3"/>
           <a:stretch/>
         </p:blipFill>
         <p:spPr>
@@ -10407,6 +11253,7 @@
           <a:bodyPr anchor="ctr">
             <a:noAutofit/>
           </a:bodyPr>
+          <a:lstStyle/>
           <a:p>
             <a:pPr algn="r">
               <a:lnSpc>
@@ -10414,15 +11261,15 @@
               </a:lnSpc>
             </a:pPr>
             <a:fld id="{FC6D2FDA-A4CF-4724-AEE9-6C8C8F97BA11}" type="slidenum">
-              <a:rPr b="0" lang="fr-FR" sz="870" spc="-1" strike="noStrike">
+              <a:rPr lang="fr-FR" sz="870" b="0" strike="noStrike" spc="-1">
                 <a:solidFill>
-                  <a:srgbClr val="ffffff"/>
+                  <a:srgbClr val="FFFFFF"/>
                 </a:solidFill>
                 <a:latin typeface="Tw Cen MT"/>
               </a:rPr>
-              <a:t>1</a:t>
+              <a:t>8</a:t>
             </a:fld>
-            <a:endParaRPr b="0" lang="fr-FR" sz="870" spc="-1" strike="noStrike">
+            <a:endParaRPr lang="fr-FR" sz="870" b="0" strike="noStrike" spc="-1">
               <a:latin typeface="Times New Roman"/>
             </a:endParaRPr>
           </a:p>
@@ -10448,15 +11295,22 @@
           </a:ln>
         </p:spPr>
         <p:style>
-          <a:lnRef idx="0"/>
-          <a:fillRef idx="0"/>
-          <a:effectRef idx="0"/>
+          <a:lnRef idx="0">
+            <a:scrgbClr r="0" g="0" b="0"/>
+          </a:lnRef>
+          <a:fillRef idx="0">
+            <a:scrgbClr r="0" g="0" b="0"/>
+          </a:fillRef>
+          <a:effectRef idx="0">
+            <a:scrgbClr r="0" g="0" b="0"/>
+          </a:effectRef>
           <a:fontRef idx="minor"/>
         </p:style>
         <p:txBody>
-          <a:bodyPr lIns="90000" rIns="90000" tIns="45000" bIns="45000">
+          <a:bodyPr lIns="90000" tIns="45000" rIns="90000" bIns="45000">
             <a:spAutoFit/>
           </a:bodyPr>
+          <a:lstStyle/>
           <a:p>
             <a:pPr>
               <a:lnSpc>
@@ -10464,15 +11318,15 @@
               </a:lnSpc>
             </a:pPr>
             <a:r>
-              <a:rPr b="0" lang="fr-FR" sz="1800" spc="-1" strike="noStrike">
+              <a:rPr lang="fr-FR" sz="1800" b="0" strike="noStrike" spc="-1">
                 <a:solidFill>
-                  <a:srgbClr val="ffffff"/>
+                  <a:srgbClr val="FFFFFF"/>
                 </a:solidFill>
                 <a:latin typeface="Tw Cen MT"/>
               </a:rPr>
               <a:t>5 clusters choisis</a:t>
             </a:r>
-            <a:endParaRPr b="0" lang="fr-FR" sz="1800" spc="-1" strike="noStrike">
+            <a:endParaRPr lang="fr-FR" sz="1800" b="0" strike="noStrike" spc="-1">
               <a:latin typeface="Arial"/>
             </a:endParaRPr>
           </a:p>
@@ -10482,7 +11336,7 @@
                 <a:spcPct val="100000"/>
               </a:lnSpc>
             </a:pPr>
-            <a:endParaRPr b="0" lang="fr-FR" sz="1800" spc="-1" strike="noStrike">
+            <a:endParaRPr lang="fr-FR" sz="1800" b="0" strike="noStrike" spc="-1">
               <a:latin typeface="Arial"/>
             </a:endParaRPr>
           </a:p>
@@ -10493,15 +11347,15 @@
               </a:lnSpc>
             </a:pPr>
             <a:r>
-              <a:rPr b="0" lang="fr-FR" sz="1800" spc="-1" strike="noStrike">
+              <a:rPr lang="fr-FR" sz="1800" b="0" strike="noStrike" spc="-1">
                 <a:solidFill>
-                  <a:srgbClr val="ffffff"/>
+                  <a:srgbClr val="FFFFFF"/>
                 </a:solidFill>
                 <a:latin typeface="Tw Cen MT"/>
               </a:rPr>
               <a:t>Certains clusteurs se définissent bien, mais on remarque une difficulté pour le TSNE de séparer nettement les clusters</a:t>
             </a:r>
-            <a:endParaRPr b="0" lang="fr-FR" sz="1800" spc="-1" strike="noStrike">
+            <a:endParaRPr lang="fr-FR" sz="1800" b="0" strike="noStrike" spc="-1">
               <a:latin typeface="Arial"/>
             </a:endParaRPr>
           </a:p>
@@ -10509,19 +11363,14 @@
       </p:sp>
     </p:spTree>
   </p:cSld>
-  <mc:AlternateContent>
-    <mc:Choice Requires="p14">
-      <p:transition spd="slow" p14:dur="2000"/>
-    </mc:Choice>
-    <mc:Fallback>
-      <p:transition spd="slow"/>
-    </mc:Fallback>
-  </mc:AlternateContent>
+  <p:clrMapOvr>
+    <a:masterClrMapping/>
+  </p:clrMapOvr>
 </p:sld>
 </file>
 
 <file path=ppt/slides/slide9.xml><?xml version="1.0" encoding="utf-8"?>
-<p:sld xmlns:a="http://schemas.openxmlformats.org/drawingml/2006/main" xmlns:p="http://schemas.openxmlformats.org/presentationml/2006/main" xmlns:r="http://schemas.openxmlformats.org/officeDocument/2006/relationships" xmlns:p14="http://schemas.microsoft.com/office/powerpoint/2010/main" xmlns:p15="http://schemas.microsoft.com/office/powerpoint/2012/main" xmlns:mc="http://schemas.openxmlformats.org/markup-compatibility/2006">
+<p:sld xmlns:a="http://schemas.openxmlformats.org/drawingml/2006/main" xmlns:r="http://schemas.openxmlformats.org/officeDocument/2006/relationships" xmlns:p="http://schemas.openxmlformats.org/presentationml/2006/main">
   <p:cSld>
     <p:spTree>
       <p:nvGrpSpPr>
@@ -10560,6 +11409,7 @@
           <a:bodyPr anchor="ctr">
             <a:noAutofit/>
           </a:bodyPr>
+          <a:lstStyle/>
           <a:p>
             <a:pPr algn="ctr">
               <a:lnSpc>
@@ -10567,26 +11417,17 @@
               </a:lnSpc>
             </a:pPr>
             <a:r>
-              <a:rPr b="0" lang="fr-FR" sz="2980" spc="-1" strike="noStrike" cap="all">
+              <a:rPr lang="fr-FR" sz="2980" b="0" strike="noStrike" cap="all" spc="-1">
                 <a:solidFill>
-                  <a:srgbClr val="ffffff"/>
+                  <a:srgbClr val="FFFFFF"/>
                 </a:solidFill>
                 <a:latin typeface="Tw Cen MT"/>
               </a:rPr>
-              <a:t>Centr</a:t>
+              <a:t>Centroïdes</a:t>
             </a:r>
-            <a:r>
-              <a:rPr b="0" lang="fr-FR" sz="2980" spc="-1" strike="noStrike" cap="all">
-                <a:solidFill>
-                  <a:srgbClr val="ffffff"/>
-                </a:solidFill>
-                <a:latin typeface="Tw Cen MT"/>
-              </a:rPr>
-              <a:t>oïdes</a:t>
-            </a:r>
-            <a:endParaRPr b="0" lang="en-US" sz="2980" spc="-1" strike="noStrike">
+            <a:endParaRPr lang="en-US" sz="2980" b="0" strike="noStrike" spc="-1">
               <a:solidFill>
-                <a:srgbClr val="ffffff"/>
+                <a:srgbClr val="FFFFFF"/>
               </a:solidFill>
               <a:latin typeface="Tw Cen MT"/>
             </a:endParaRPr>
@@ -10595,12 +11436,12 @@
       </p:sp>
       <p:pic>
         <p:nvPicPr>
-          <p:cNvPr id="125" name="Image 6" descr=""/>
+          <p:cNvPr id="125" name="Image 6"/>
           <p:cNvPicPr/>
           <p:nvPr/>
         </p:nvPicPr>
         <p:blipFill>
-          <a:blip r:embed="rId1"/>
+          <a:blip r:embed="rId3"/>
           <a:stretch/>
         </p:blipFill>
         <p:spPr>
@@ -10639,6 +11480,7 @@
           <a:bodyPr anchor="ctr">
             <a:noAutofit/>
           </a:bodyPr>
+          <a:lstStyle/>
           <a:p>
             <a:pPr algn="r">
               <a:lnSpc>
@@ -10646,15 +11488,15 @@
               </a:lnSpc>
             </a:pPr>
             <a:fld id="{D40ED5BA-F534-493C-B976-160815D6DDD5}" type="slidenum">
-              <a:rPr b="0" lang="fr-FR" sz="870" spc="-1" strike="noStrike">
+              <a:rPr lang="fr-FR" sz="870" b="0" strike="noStrike" spc="-1">
                 <a:solidFill>
-                  <a:srgbClr val="ffffff"/>
+                  <a:srgbClr val="FFFFFF"/>
                 </a:solidFill>
                 <a:latin typeface="Tw Cen MT"/>
               </a:rPr>
-              <a:t>1</a:t>
+              <a:t>9</a:t>
             </a:fld>
-            <a:endParaRPr b="0" lang="fr-FR" sz="870" spc="-1" strike="noStrike">
+            <a:endParaRPr lang="fr-FR" sz="870" b="0" strike="noStrike" spc="-1">
               <a:latin typeface="Times New Roman"/>
             </a:endParaRPr>
           </a:p>
@@ -10680,15 +11522,22 @@
           </a:ln>
         </p:spPr>
         <p:style>
-          <a:lnRef idx="0"/>
-          <a:fillRef idx="0"/>
-          <a:effectRef idx="0"/>
+          <a:lnRef idx="0">
+            <a:scrgbClr r="0" g="0" b="0"/>
+          </a:lnRef>
+          <a:fillRef idx="0">
+            <a:scrgbClr r="0" g="0" b="0"/>
+          </a:fillRef>
+          <a:effectRef idx="0">
+            <a:scrgbClr r="0" g="0" b="0"/>
+          </a:effectRef>
           <a:fontRef idx="minor"/>
         </p:style>
         <p:txBody>
-          <a:bodyPr lIns="90000" rIns="90000" tIns="45000" bIns="45000">
+          <a:bodyPr lIns="90000" tIns="45000" rIns="90000" bIns="45000">
             <a:spAutoFit/>
           </a:bodyPr>
+          <a:lstStyle/>
           <a:p>
             <a:pPr>
               <a:lnSpc>
@@ -10696,15 +11545,15 @@
               </a:lnSpc>
             </a:pPr>
             <a:r>
-              <a:rPr b="0" lang="fr-FR" sz="1800" spc="-1" strike="noStrike">
+              <a:rPr lang="fr-FR" sz="1800" b="0" strike="noStrike" spc="-1">
                 <a:solidFill>
-                  <a:srgbClr val="ffffff"/>
+                  <a:srgbClr val="FFFFFF"/>
                 </a:solidFill>
                 <a:latin typeface="Tw Cen MT"/>
               </a:rPr>
               <a:t>Group 0 : Nouveaux clients</a:t>
             </a:r>
-            <a:endParaRPr b="0" lang="fr-FR" sz="1800" spc="-1" strike="noStrike">
+            <a:endParaRPr lang="fr-FR" sz="1800" b="0" strike="noStrike" spc="-1">
               <a:latin typeface="Arial"/>
             </a:endParaRPr>
           </a:p>
@@ -10715,15 +11564,15 @@
               </a:lnSpc>
             </a:pPr>
             <a:r>
-              <a:rPr b="0" lang="fr-FR" sz="1800" spc="-1" strike="noStrike">
+              <a:rPr lang="fr-FR" sz="1800" b="0" strike="noStrike" spc="-1">
                 <a:solidFill>
-                  <a:srgbClr val="ffffff"/>
+                  <a:srgbClr val="FFFFFF"/>
                 </a:solidFill>
                 <a:latin typeface="Tw Cen MT"/>
               </a:rPr>
               <a:t> </a:t>
             </a:r>
-            <a:endParaRPr b="0" lang="fr-FR" sz="1800" spc="-1" strike="noStrike">
+            <a:endParaRPr lang="fr-FR" sz="1800" b="0" strike="noStrike" spc="-1">
               <a:latin typeface="Arial"/>
             </a:endParaRPr>
           </a:p>
@@ -10734,15 +11583,15 @@
               </a:lnSpc>
             </a:pPr>
             <a:r>
-              <a:rPr b="0" lang="fr-FR" sz="1800" spc="-1" strike="noStrike">
+              <a:rPr lang="fr-FR" sz="1800" b="0" strike="noStrike" spc="-1">
                 <a:solidFill>
-                  <a:srgbClr val="ffffff"/>
+                  <a:srgbClr val="FFFFFF"/>
                 </a:solidFill>
                 <a:latin typeface="Tw Cen MT"/>
               </a:rPr>
               <a:t>Group 1 : Clients anciens n’achetant plus</a:t>
             </a:r>
-            <a:endParaRPr b="0" lang="fr-FR" sz="1800" spc="-1" strike="noStrike">
+            <a:endParaRPr lang="fr-FR" sz="1800" b="0" strike="noStrike" spc="-1">
               <a:latin typeface="Arial"/>
             </a:endParaRPr>
           </a:p>
@@ -10752,7 +11601,7 @@
                 <a:spcPct val="100000"/>
               </a:lnSpc>
             </a:pPr>
-            <a:endParaRPr b="0" lang="fr-FR" sz="1800" spc="-1" strike="noStrike">
+            <a:endParaRPr lang="fr-FR" sz="1800" b="0" strike="noStrike" spc="-1">
               <a:latin typeface="Arial"/>
             </a:endParaRPr>
           </a:p>
@@ -10763,15 +11612,15 @@
               </a:lnSpc>
             </a:pPr>
             <a:r>
-              <a:rPr b="0" lang="fr-FR" sz="1800" spc="-1" strike="noStrike">
+              <a:rPr lang="fr-FR" sz="1800" b="0" strike="noStrike" spc="-1">
                 <a:solidFill>
-                  <a:srgbClr val="ffffff"/>
+                  <a:srgbClr val="FFFFFF"/>
                 </a:solidFill>
                 <a:latin typeface="Tw Cen MT"/>
               </a:rPr>
               <a:t>Group 2 : Clients fréquents avec un pouvoir d’achat intermédiaire</a:t>
             </a:r>
-            <a:endParaRPr b="0" lang="fr-FR" sz="1800" spc="-1" strike="noStrike">
+            <a:endParaRPr lang="fr-FR" sz="1800" b="0" strike="noStrike" spc="-1">
               <a:latin typeface="Arial"/>
             </a:endParaRPr>
           </a:p>
@@ -10781,7 +11630,7 @@
                 <a:spcPct val="100000"/>
               </a:lnSpc>
             </a:pPr>
-            <a:endParaRPr b="0" lang="fr-FR" sz="1800" spc="-1" strike="noStrike">
+            <a:endParaRPr lang="fr-FR" sz="1800" b="0" strike="noStrike" spc="-1">
               <a:latin typeface="Arial"/>
             </a:endParaRPr>
           </a:p>
@@ -10792,15 +11641,15 @@
               </a:lnSpc>
             </a:pPr>
             <a:r>
-              <a:rPr b="0" lang="fr-FR" sz="1800" spc="-1" strike="noStrike">
+              <a:rPr lang="fr-FR" sz="1800" b="0" strike="noStrike" spc="-1">
                 <a:solidFill>
-                  <a:srgbClr val="ffffff"/>
+                  <a:srgbClr val="FFFFFF"/>
                 </a:solidFill>
                 <a:latin typeface="Tw Cen MT"/>
               </a:rPr>
               <a:t>Group 3 : Clients peu fréquents avec un pouvoir d’achat faible</a:t>
             </a:r>
-            <a:endParaRPr b="0" lang="fr-FR" sz="1800" spc="-1" strike="noStrike">
+            <a:endParaRPr lang="fr-FR" sz="1800" b="0" strike="noStrike" spc="-1">
               <a:latin typeface="Arial"/>
             </a:endParaRPr>
           </a:p>
@@ -10810,7 +11659,7 @@
                 <a:spcPct val="100000"/>
               </a:lnSpc>
             </a:pPr>
-            <a:endParaRPr b="0" lang="fr-FR" sz="1800" spc="-1" strike="noStrike">
+            <a:endParaRPr lang="fr-FR" sz="1800" b="0" strike="noStrike" spc="-1">
               <a:latin typeface="Arial"/>
             </a:endParaRPr>
           </a:p>
@@ -10821,15 +11670,15 @@
               </a:lnSpc>
             </a:pPr>
             <a:r>
-              <a:rPr b="0" lang="fr-FR" sz="1800" spc="-1" strike="noStrike">
+              <a:rPr lang="fr-FR" sz="1800" b="0" strike="noStrike" spc="-1">
                 <a:solidFill>
-                  <a:srgbClr val="ffffff"/>
+                  <a:srgbClr val="FFFFFF"/>
                 </a:solidFill>
                 <a:latin typeface="Tw Cen MT"/>
               </a:rPr>
               <a:t>Group 4 : Clients fréquents avec un fort pouvoir d’achat</a:t>
             </a:r>
-            <a:endParaRPr b="0" lang="fr-FR" sz="1800" spc="-1" strike="noStrike">
+            <a:endParaRPr lang="fr-FR" sz="1800" b="0" strike="noStrike" spc="-1">
               <a:latin typeface="Arial"/>
             </a:endParaRPr>
           </a:p>
@@ -10837,14 +11686,9 @@
       </p:sp>
     </p:spTree>
   </p:cSld>
-  <mc:AlternateContent>
-    <mc:Choice Requires="p14">
-      <p:transition spd="slow" p14:dur="2000"/>
-    </mc:Choice>
-    <mc:Fallback>
-      <p:transition spd="slow"/>
-    </mc:Fallback>
-  </mc:AlternateContent>
+  <p:clrMapOvr>
+    <a:masterClrMapping/>
+  </p:clrMapOvr>
 </p:sld>
 </file>
 
@@ -10862,31 +11706,31 @@
         <a:srgbClr val="134770"/>
       </a:dk2>
       <a:lt2>
-        <a:srgbClr val="82ffff"/>
+        <a:srgbClr val="82FFFF"/>
       </a:lt2>
       <a:accent1>
-        <a:srgbClr val="9acd4c"/>
+        <a:srgbClr val="9ACD4C"/>
       </a:accent1>
       <a:accent2>
-        <a:srgbClr val="faa93a"/>
+        <a:srgbClr val="FAA93A"/>
       </a:accent2>
       <a:accent3>
-        <a:srgbClr val="d35940"/>
+        <a:srgbClr val="D35940"/>
       </a:accent3>
       <a:accent4>
-        <a:srgbClr val="b258d3"/>
+        <a:srgbClr val="B258D3"/>
       </a:accent4>
       <a:accent5>
-        <a:srgbClr val="63a0cc"/>
+        <a:srgbClr val="63A0CC"/>
       </a:accent5>
       <a:accent6>
-        <a:srgbClr val="8ac4a7"/>
+        <a:srgbClr val="8AC4A7"/>
       </a:accent6>
       <a:hlink>
-        <a:srgbClr val="b8fa56"/>
+        <a:srgbClr val="B8FA56"/>
       </a:hlink>
       <a:folHlink>
-        <a:srgbClr val="7af8cc"/>
+        <a:srgbClr val="7AF8CC"/>
       </a:folHlink>
     </a:clrScheme>
     <a:fontScheme name="Office">
@@ -11071,6 +11915,8 @@
       </a:bgFillStyleLst>
     </a:fmtScheme>
   </a:themeElements>
+  <a:objectDefaults/>
+  <a:extraClrSchemeLst/>
 </a:theme>
 </file>
 
@@ -11088,31 +11934,31 @@
         <a:srgbClr val="134770"/>
       </a:dk2>
       <a:lt2>
-        <a:srgbClr val="82ffff"/>
+        <a:srgbClr val="82FFFF"/>
       </a:lt2>
       <a:accent1>
-        <a:srgbClr val="9acd4c"/>
+        <a:srgbClr val="9ACD4C"/>
       </a:accent1>
       <a:accent2>
-        <a:srgbClr val="faa93a"/>
+        <a:srgbClr val="FAA93A"/>
       </a:accent2>
       <a:accent3>
-        <a:srgbClr val="d35940"/>
+        <a:srgbClr val="D35940"/>
       </a:accent3>
       <a:accent4>
-        <a:srgbClr val="b258d3"/>
+        <a:srgbClr val="B258D3"/>
       </a:accent4>
       <a:accent5>
-        <a:srgbClr val="63a0cc"/>
+        <a:srgbClr val="63A0CC"/>
       </a:accent5>
       <a:accent6>
-        <a:srgbClr val="8ac4a7"/>
+        <a:srgbClr val="8AC4A7"/>
       </a:accent6>
       <a:hlink>
-        <a:srgbClr val="b8fa56"/>
+        <a:srgbClr val="B8FA56"/>
       </a:hlink>
       <a:folHlink>
-        <a:srgbClr val="7af8cc"/>
+        <a:srgbClr val="7AF8CC"/>
       </a:folHlink>
     </a:clrScheme>
     <a:fontScheme name="Office">
@@ -11297,5 +12143,7 @@
       </a:bgFillStyleLst>
     </a:fmtScheme>
   </a:themeElements>
+  <a:objectDefaults/>
+  <a:extraClrSchemeLst/>
 </a:theme>
 </file>